--- a/HarmonyApp.pptx
+++ b/HarmonyApp.pptx
@@ -14,9 +14,9 @@
     <p:sldId id="260" r:id="rId5"/>
     <p:sldId id="261" r:id="rId6"/>
     <p:sldId id="263" r:id="rId7"/>
-    <p:sldId id="265" r:id="rId8"/>
-    <p:sldId id="264" r:id="rId9"/>
-    <p:sldId id="258" r:id="rId10"/>
+    <p:sldId id="264" r:id="rId8"/>
+    <p:sldId id="258" r:id="rId9"/>
+    <p:sldId id="265" r:id="rId10"/>
     <p:sldId id="262" r:id="rId11"/>
   </p:sldIdLst>
   <p:sldSz cx="12192000" cy="6858000"/>
@@ -127,9 +127,11 @@
 <file path=ppt/revisionInfo.xml><?xml version="1.0" encoding="utf-8"?>
 <p1510:revInfo xmlns:a="http://schemas.openxmlformats.org/drawingml/2006/main" xmlns:r="http://schemas.openxmlformats.org/officeDocument/2006/relationships" xmlns:p1510="http://schemas.microsoft.com/office/powerpoint/2015/10/main">
   <p1510:revLst>
+    <p1510:client id="{24ED9B24-D515-FCE3-F935-55B5F34CC3FC}" v="25" dt="2021-03-12T07:21:22.311"/>
     <p1510:client id="{558108BA-6506-453E-A811-39DD4A2FA675}" v="3" dt="2021-03-12T06:42:46.241"/>
     <p1510:client id="{590E5904-A761-40C6-95FB-F98A2602607F}" v="139" dt="2021-03-12T05:04:58.788"/>
     <p1510:client id="{7B89274A-D610-49D8-9A28-D42BC9ABD19D}" v="442" dt="2021-03-12T06:56:02.735"/>
+    <p1510:client id="{D318D5A8-07F0-2128-35A8-A72CB017C3E4}" v="147" dt="2021-03-12T07:33:46.631"/>
   </p1510:revLst>
 </p1510:revInfo>
 </file>
@@ -216,7 +218,7 @@
           <a:p>
             <a:fld id="{15657B62-7993-4653-8FB3-36439DB80170}" type="datetimeFigureOut">
               <a:rPr lang="es-CO" smtClean="0"/>
-              <a:t>12/03/2021</a:t>
+              <a:t>11/03/2021</a:t>
             </a:fld>
             <a:endParaRPr lang="es-CO"/>
           </a:p>
@@ -375,7 +377,7 @@
           <a:p>
             <a:fld id="{25B3E02A-BE0E-4D4F-9725-E43EFABE4702}" type="slidenum">
               <a:rPr lang="es-CO" smtClean="0"/>
-              <a:t>‹Nº›</a:t>
+              <a:t>‹#›</a:t>
             </a:fld>
             <a:endParaRPr lang="es-CO"/>
           </a:p>
@@ -633,7 +635,7 @@
           <a:p>
             <a:fld id="{C1643937-010B-4645-8EA1-E7F4FA128720}" type="datetime1">
               <a:rPr lang="es-CO" smtClean="0"/>
-              <a:t>12/03/2021</a:t>
+              <a:t>11/03/2021</a:t>
             </a:fld>
             <a:endParaRPr lang="es-CO"/>
           </a:p>
@@ -687,7 +689,7 @@
           <a:p>
             <a:fld id="{A59AE7EA-4493-405D-9A66-B6513C9897B9}" type="slidenum">
               <a:rPr lang="es-CO" smtClean="0"/>
-              <a:t>‹Nº›</a:t>
+              <a:t>‹#›</a:t>
             </a:fld>
             <a:endParaRPr lang="es-CO"/>
           </a:p>
@@ -833,7 +835,7 @@
           <a:p>
             <a:fld id="{E889D408-6007-41E1-845D-CAD6A705483A}" type="datetime1">
               <a:rPr lang="es-CO" smtClean="0"/>
-              <a:t>12/03/2021</a:t>
+              <a:t>11/03/2021</a:t>
             </a:fld>
             <a:endParaRPr lang="es-CO"/>
           </a:p>
@@ -887,7 +889,7 @@
           <a:p>
             <a:fld id="{A59AE7EA-4493-405D-9A66-B6513C9897B9}" type="slidenum">
               <a:rPr lang="es-CO" smtClean="0"/>
-              <a:t>‹Nº›</a:t>
+              <a:t>‹#›</a:t>
             </a:fld>
             <a:endParaRPr lang="es-CO"/>
           </a:p>
@@ -1043,7 +1045,7 @@
           <a:p>
             <a:fld id="{FDD46420-ED48-4E6D-9C4D-B912B3FAEB48}" type="datetime1">
               <a:rPr lang="es-CO" smtClean="0"/>
-              <a:t>12/03/2021</a:t>
+              <a:t>11/03/2021</a:t>
             </a:fld>
             <a:endParaRPr lang="es-CO"/>
           </a:p>
@@ -1097,7 +1099,7 @@
           <a:p>
             <a:fld id="{A59AE7EA-4493-405D-9A66-B6513C9897B9}" type="slidenum">
               <a:rPr lang="es-CO" smtClean="0"/>
-              <a:t>‹Nº›</a:t>
+              <a:t>‹#›</a:t>
             </a:fld>
             <a:endParaRPr lang="es-CO"/>
           </a:p>
@@ -1243,7 +1245,7 @@
           <a:p>
             <a:fld id="{5C21B2E7-5371-491D-81C8-8BA60CBC6FFF}" type="datetime1">
               <a:rPr lang="es-CO" smtClean="0"/>
-              <a:t>12/03/2021</a:t>
+              <a:t>11/03/2021</a:t>
             </a:fld>
             <a:endParaRPr lang="es-CO"/>
           </a:p>
@@ -1297,7 +1299,7 @@
           <a:p>
             <a:fld id="{A59AE7EA-4493-405D-9A66-B6513C9897B9}" type="slidenum">
               <a:rPr lang="es-CO" smtClean="0"/>
-              <a:t>‹Nº›</a:t>
+              <a:t>‹#›</a:t>
             </a:fld>
             <a:endParaRPr lang="es-CO"/>
           </a:p>
@@ -1519,7 +1521,7 @@
           <a:p>
             <a:fld id="{1324449E-A8C8-4BCA-9FCA-303E029A0D3A}" type="datetime1">
               <a:rPr lang="es-CO" smtClean="0"/>
-              <a:t>12/03/2021</a:t>
+              <a:t>11/03/2021</a:t>
             </a:fld>
             <a:endParaRPr lang="es-CO"/>
           </a:p>
@@ -1573,7 +1575,7 @@
           <a:p>
             <a:fld id="{A59AE7EA-4493-405D-9A66-B6513C9897B9}" type="slidenum">
               <a:rPr lang="es-CO" smtClean="0"/>
-              <a:t>‹Nº›</a:t>
+              <a:t>‹#›</a:t>
             </a:fld>
             <a:endParaRPr lang="es-CO"/>
           </a:p>
@@ -1787,7 +1789,7 @@
           <a:p>
             <a:fld id="{0C6BEED7-93BA-4D20-88C5-55BC45CEDFA1}" type="datetime1">
               <a:rPr lang="es-CO" smtClean="0"/>
-              <a:t>12/03/2021</a:t>
+              <a:t>11/03/2021</a:t>
             </a:fld>
             <a:endParaRPr lang="es-CO"/>
           </a:p>
@@ -1841,7 +1843,7 @@
           <a:p>
             <a:fld id="{A59AE7EA-4493-405D-9A66-B6513C9897B9}" type="slidenum">
               <a:rPr lang="es-CO" smtClean="0"/>
-              <a:t>‹Nº›</a:t>
+              <a:t>‹#›</a:t>
             </a:fld>
             <a:endParaRPr lang="es-CO"/>
           </a:p>
@@ -2202,7 +2204,7 @@
           <a:p>
             <a:fld id="{9115346B-47BE-403E-827A-BA43F95A81F3}" type="datetime1">
               <a:rPr lang="es-CO" smtClean="0"/>
-              <a:t>12/03/2021</a:t>
+              <a:t>11/03/2021</a:t>
             </a:fld>
             <a:endParaRPr lang="es-CO"/>
           </a:p>
@@ -2256,7 +2258,7 @@
           <a:p>
             <a:fld id="{A59AE7EA-4493-405D-9A66-B6513C9897B9}" type="slidenum">
               <a:rPr lang="es-CO" smtClean="0"/>
-              <a:t>‹Nº›</a:t>
+              <a:t>‹#›</a:t>
             </a:fld>
             <a:endParaRPr lang="es-CO"/>
           </a:p>
@@ -2344,7 +2346,7 @@
           <a:p>
             <a:fld id="{ACC07A96-4694-4924-9679-A88A1A709A7C}" type="datetime1">
               <a:rPr lang="es-CO" smtClean="0"/>
-              <a:t>12/03/2021</a:t>
+              <a:t>11/03/2021</a:t>
             </a:fld>
             <a:endParaRPr lang="es-CO"/>
           </a:p>
@@ -2398,7 +2400,7 @@
           <a:p>
             <a:fld id="{A59AE7EA-4493-405D-9A66-B6513C9897B9}" type="slidenum">
               <a:rPr lang="es-CO" smtClean="0"/>
-              <a:t>‹Nº›</a:t>
+              <a:t>‹#›</a:t>
             </a:fld>
             <a:endParaRPr lang="es-CO"/>
           </a:p>
@@ -2457,7 +2459,7 @@
           <a:p>
             <a:fld id="{72916114-0135-4308-A08C-4BCCA1640E57}" type="datetime1">
               <a:rPr lang="es-CO" smtClean="0"/>
-              <a:t>12/03/2021</a:t>
+              <a:t>11/03/2021</a:t>
             </a:fld>
             <a:endParaRPr lang="es-CO"/>
           </a:p>
@@ -2511,7 +2513,7 @@
           <a:p>
             <a:fld id="{A59AE7EA-4493-405D-9A66-B6513C9897B9}" type="slidenum">
               <a:rPr lang="es-CO" smtClean="0"/>
-              <a:t>‹Nº›</a:t>
+              <a:t>‹#›</a:t>
             </a:fld>
             <a:endParaRPr lang="es-CO"/>
           </a:p>
@@ -2770,7 +2772,7 @@
           <a:p>
             <a:fld id="{DD26935B-A7BA-4951-944E-11BC239F594E}" type="datetime1">
               <a:rPr lang="es-CO" smtClean="0"/>
-              <a:t>12/03/2021</a:t>
+              <a:t>11/03/2021</a:t>
             </a:fld>
             <a:endParaRPr lang="es-CO"/>
           </a:p>
@@ -2824,7 +2826,7 @@
           <a:p>
             <a:fld id="{A59AE7EA-4493-405D-9A66-B6513C9897B9}" type="slidenum">
               <a:rPr lang="es-CO" smtClean="0"/>
-              <a:t>‹Nº›</a:t>
+              <a:t>‹#›</a:t>
             </a:fld>
             <a:endParaRPr lang="es-CO"/>
           </a:p>
@@ -3059,7 +3061,7 @@
           <a:p>
             <a:fld id="{2D6A54E5-0310-4C12-A1C2-E43C3F988092}" type="datetime1">
               <a:rPr lang="es-CO" smtClean="0"/>
-              <a:t>12/03/2021</a:t>
+              <a:t>11/03/2021</a:t>
             </a:fld>
             <a:endParaRPr lang="es-CO"/>
           </a:p>
@@ -3113,7 +3115,7 @@
           <a:p>
             <a:fld id="{A59AE7EA-4493-405D-9A66-B6513C9897B9}" type="slidenum">
               <a:rPr lang="es-CO" smtClean="0"/>
-              <a:t>‹Nº›</a:t>
+              <a:t>‹#›</a:t>
             </a:fld>
             <a:endParaRPr lang="es-CO"/>
           </a:p>
@@ -3302,7 +3304,7 @@
           <a:p>
             <a:fld id="{A7B86CDD-2E26-4027-81FF-0D1CD3F6A136}" type="datetime1">
               <a:rPr lang="es-CO" smtClean="0"/>
-              <a:t>12/03/2021</a:t>
+              <a:t>11/03/2021</a:t>
             </a:fld>
             <a:endParaRPr lang="es-CO"/>
           </a:p>
@@ -3392,7 +3394,7 @@
           <a:p>
             <a:fld id="{A59AE7EA-4493-405D-9A66-B6513C9897B9}" type="slidenum">
               <a:rPr lang="es-CO" smtClean="0"/>
-              <a:t>‹Nº›</a:t>
+              <a:t>‹#›</a:t>
             </a:fld>
             <a:endParaRPr lang="es-CO"/>
           </a:p>
@@ -3709,9 +3711,7 @@
     <p:bg>
       <p:bgPr>
         <a:solidFill>
-          <a:srgbClr val="790568">
-            <a:alpha val="59000"/>
-          </a:srgbClr>
+          <a:schemeClr val="bg1"/>
         </a:solidFill>
         <a:effectLst/>
       </p:bgPr>
@@ -3730,12 +3730,12 @@
           <a:chExt cx="0" cy="0"/>
         </a:xfrm>
       </p:grpSpPr>
-      <p:sp useBgFill="1">
+      <p:sp>
         <p:nvSpPr>
-          <p:cNvPr id="33" name="Rectangle 7">
-            <a:extLst>
-              <a:ext uri="{FF2B5EF4-FFF2-40B4-BE49-F238E27FC236}">
-                <a16:creationId xmlns:a16="http://schemas.microsoft.com/office/drawing/2014/main" id="{A4FB2F3E-259B-4650-B258-F09745BAA841}"/>
+          <p:cNvPr id="76" name="Rectangle 75">
+            <a:extLst>
+              <a:ext uri="{FF2B5EF4-FFF2-40B4-BE49-F238E27FC236}">
+                <a16:creationId xmlns:a16="http://schemas.microsoft.com/office/drawing/2014/main" id="{5E7AA7E8-8006-4E1F-A566-FCF37EE6F35D}"/>
               </a:ext>
               <a:ext uri="{C183D7F6-B498-43B3-948B-1728B52AA6E4}">
                 <adec:decorative xmlns:adec="http://schemas.microsoft.com/office/drawing/2017/decorative" val="1"/>
@@ -3761,6 +3761,18 @@
           <a:prstGeom prst="rect">
             <a:avLst/>
           </a:prstGeom>
+          <a:gradFill flip="none" rotWithShape="1">
+            <a:gsLst>
+              <a:gs pos="0">
+                <a:schemeClr val="accent1"/>
+              </a:gs>
+              <a:gs pos="100000">
+                <a:schemeClr val="accent2"/>
+              </a:gs>
+            </a:gsLst>
+            <a:lin ang="2700000" scaled="1"/>
+            <a:tileRect/>
+          </a:gradFill>
           <a:ln>
             <a:noFill/>
           </a:ln>
@@ -3786,1264 +3798,14 @@
           <a:lstStyle/>
           <a:p>
             <a:pPr algn="ctr"/>
-            <a:endParaRPr lang="en-US"/>
+            <a:endParaRPr lang="en-US">
+              <a:solidFill>
+                <a:srgbClr val="FFFFFF"/>
+              </a:solidFill>
+            </a:endParaRPr>
           </a:p>
         </p:txBody>
       </p:sp>
-      <p:grpSp>
-        <p:nvGrpSpPr>
-          <p:cNvPr id="35" name="Group 9">
-            <a:extLst>
-              <a:ext uri="{FF2B5EF4-FFF2-40B4-BE49-F238E27FC236}">
-                <a16:creationId xmlns:a16="http://schemas.microsoft.com/office/drawing/2014/main" id="{084C5BAC-71DF-48C0-AB51-699516D3BE58}"/>
-              </a:ext>
-              <a:ext uri="{C183D7F6-B498-43B3-948B-1728B52AA6E4}">
-                <adec:decorative xmlns:adec="http://schemas.microsoft.com/office/drawing/2017/decorative" val="1"/>
-              </a:ext>
-            </a:extLst>
-          </p:cNvPr>
-          <p:cNvGrpSpPr>
-            <a:grpSpLocks noGrp="1" noUngrp="1" noRot="1" noChangeAspect="1" noMove="1" noResize="1"/>
-          </p:cNvGrpSpPr>
-          <p:nvPr>
-            <p:extLst>
-              <p:ext uri="{386F3935-93C4-4BCD-93E2-E3B085C9AB24}">
-                <p16:designElem xmlns:p16="http://schemas.microsoft.com/office/powerpoint/2015/main" val="1"/>
-              </p:ext>
-            </p:extLst>
-          </p:nvPr>
-        </p:nvGrpSpPr>
-        <p:grpSpPr>
-          <a:xfrm>
-            <a:off x="-329674" y="-59376"/>
-            <a:ext cx="12515851" cy="6923798"/>
-            <a:chOff x="-329674" y="-51881"/>
-            <a:chExt cx="12515851" cy="6923798"/>
-          </a:xfrm>
-          <a:noFill/>
-        </p:grpSpPr>
-        <p:sp>
-          <p:nvSpPr>
-            <p:cNvPr id="37" name="Freeform 5">
-              <a:extLst>
-                <a:ext uri="{FF2B5EF4-FFF2-40B4-BE49-F238E27FC236}">
-                  <a16:creationId xmlns:a16="http://schemas.microsoft.com/office/drawing/2014/main" id="{6742FA10-28D2-4023-A08B-427E93706EA1}"/>
-                </a:ext>
-                <a:ext uri="{C183D7F6-B498-43B3-948B-1728B52AA6E4}">
-                  <adec:decorative xmlns:adec="http://schemas.microsoft.com/office/drawing/2017/decorative" val="1"/>
-                </a:ext>
-              </a:extLst>
-            </p:cNvPr>
-            <p:cNvSpPr/>
-            <p:nvPr>
-              <p:extLst>
-                <p:ext uri="{386F3935-93C4-4BCD-93E2-E3B085C9AB24}">
-                  <p16:designElem xmlns:p16="http://schemas.microsoft.com/office/powerpoint/2015/main" val="1"/>
-                </p:ext>
-              </p:extLst>
-            </p:nvPr>
-          </p:nvSpPr>
-          <p:spPr bwMode="auto">
-            <a:xfrm>
-              <a:off x="-329674" y="1298404"/>
-              <a:ext cx="9702800" cy="5573512"/>
-            </a:xfrm>
-            <a:custGeom>
-              <a:avLst/>
-              <a:gdLst/>
-              <a:ahLst/>
-              <a:cxnLst/>
-              <a:rect l="0" t="0" r="r" b="b"/>
-              <a:pathLst>
-                <a:path w="2038" h="1169">
-                  <a:moveTo>
-                    <a:pt x="1752" y="1169"/>
-                  </a:moveTo>
-                  <a:cubicBezTo>
-                    <a:pt x="2038" y="928"/>
-                    <a:pt x="1673" y="513"/>
-                    <a:pt x="1487" y="334"/>
-                  </a:cubicBezTo>
-                  <a:cubicBezTo>
-                    <a:pt x="1316" y="170"/>
-                    <a:pt x="1099" y="43"/>
-                    <a:pt x="860" y="22"/>
-                  </a:cubicBezTo>
-                  <a:cubicBezTo>
-                    <a:pt x="621" y="0"/>
-                    <a:pt x="341" y="128"/>
-                    <a:pt x="199" y="318"/>
-                  </a:cubicBezTo>
-                  <a:cubicBezTo>
-                    <a:pt x="0" y="586"/>
-                    <a:pt x="184" y="965"/>
-                    <a:pt x="399" y="1165"/>
-                  </a:cubicBezTo>
-                </a:path>
-              </a:pathLst>
-            </a:custGeom>
-            <a:noFill/>
-            <a:ln w="9525" cap="flat">
-              <a:solidFill>
-                <a:schemeClr val="tx1">
-                  <a:alpha val="17000"/>
-                </a:schemeClr>
-              </a:solidFill>
-              <a:prstDash val="solid"/>
-              <a:miter lim="800000"/>
-              <a:headEnd/>
-              <a:tailEnd/>
-            </a:ln>
-          </p:spPr>
-        </p:sp>
-        <p:sp>
-          <p:nvSpPr>
-            <p:cNvPr id="38" name="Freeform 6">
-              <a:extLst>
-                <a:ext uri="{FF2B5EF4-FFF2-40B4-BE49-F238E27FC236}">
-                  <a16:creationId xmlns:a16="http://schemas.microsoft.com/office/drawing/2014/main" id="{BC497CE0-1368-4C66-923F-CA97C35EDCD3}"/>
-                </a:ext>
-                <a:ext uri="{C183D7F6-B498-43B3-948B-1728B52AA6E4}">
-                  <adec:decorative xmlns:adec="http://schemas.microsoft.com/office/drawing/2017/decorative" val="1"/>
-                </a:ext>
-              </a:extLst>
-            </p:cNvPr>
-            <p:cNvSpPr/>
-            <p:nvPr>
-              <p:extLst>
-                <p:ext uri="{386F3935-93C4-4BCD-93E2-E3B085C9AB24}">
-                  <p16:designElem xmlns:p16="http://schemas.microsoft.com/office/powerpoint/2015/main" val="1"/>
-                </p:ext>
-              </p:extLst>
-            </p:nvPr>
-          </p:nvSpPr>
-          <p:spPr bwMode="auto">
-            <a:xfrm>
-              <a:off x="670451" y="2018236"/>
-              <a:ext cx="7373938" cy="4848892"/>
-            </a:xfrm>
-            <a:custGeom>
-              <a:avLst/>
-              <a:gdLst/>
-              <a:ahLst/>
-              <a:cxnLst/>
-              <a:rect l="0" t="0" r="r" b="b"/>
-              <a:pathLst>
-                <a:path w="1549" h="1017">
-                  <a:moveTo>
-                    <a:pt x="1025" y="1016"/>
-                  </a:moveTo>
-                  <a:cubicBezTo>
-                    <a:pt x="1223" y="971"/>
-                    <a:pt x="1549" y="857"/>
-                    <a:pt x="1443" y="592"/>
-                  </a:cubicBezTo>
-                  <a:cubicBezTo>
-                    <a:pt x="1344" y="344"/>
-                    <a:pt x="1041" y="111"/>
-                    <a:pt x="782" y="53"/>
-                  </a:cubicBezTo>
-                  <a:cubicBezTo>
-                    <a:pt x="545" y="0"/>
-                    <a:pt x="275" y="117"/>
-                    <a:pt x="150" y="329"/>
-                  </a:cubicBezTo>
-                  <a:cubicBezTo>
-                    <a:pt x="0" y="584"/>
-                    <a:pt x="243" y="911"/>
-                    <a:pt x="477" y="1017"/>
-                  </a:cubicBezTo>
-                </a:path>
-              </a:pathLst>
-            </a:custGeom>
-            <a:noFill/>
-            <a:ln w="9525" cap="flat">
-              <a:solidFill>
-                <a:schemeClr val="tx1">
-                  <a:alpha val="20000"/>
-                </a:schemeClr>
-              </a:solidFill>
-              <a:prstDash val="solid"/>
-              <a:miter lim="800000"/>
-              <a:headEnd/>
-              <a:tailEnd/>
-            </a:ln>
-          </p:spPr>
-        </p:sp>
-        <p:sp>
-          <p:nvSpPr>
-            <p:cNvPr id="39" name="Freeform 7">
-              <a:extLst>
-                <a:ext uri="{FF2B5EF4-FFF2-40B4-BE49-F238E27FC236}">
-                  <a16:creationId xmlns:a16="http://schemas.microsoft.com/office/drawing/2014/main" id="{F96D638D-D7BB-43E9-BC7A-6FBBDB507BDC}"/>
-                </a:ext>
-                <a:ext uri="{C183D7F6-B498-43B3-948B-1728B52AA6E4}">
-                  <adec:decorative xmlns:adec="http://schemas.microsoft.com/office/drawing/2017/decorative" val="1"/>
-                </a:ext>
-              </a:extLst>
-            </p:cNvPr>
-            <p:cNvSpPr/>
-            <p:nvPr>
-              <p:extLst>
-                <p:ext uri="{386F3935-93C4-4BCD-93E2-E3B085C9AB24}">
-                  <p16:designElem xmlns:p16="http://schemas.microsoft.com/office/powerpoint/2015/main" val="1"/>
-                </p:ext>
-              </p:extLst>
-            </p:nvPr>
-          </p:nvSpPr>
-          <p:spPr bwMode="auto">
-            <a:xfrm>
-              <a:off x="251351" y="1788400"/>
-              <a:ext cx="8035925" cy="5083516"/>
-            </a:xfrm>
-            <a:custGeom>
-              <a:avLst/>
-              <a:gdLst/>
-              <a:ahLst/>
-              <a:cxnLst/>
-              <a:rect l="0" t="0" r="r" b="b"/>
-              <a:pathLst>
-                <a:path w="1688" h="1066">
-                  <a:moveTo>
-                    <a:pt x="1302" y="1066"/>
-                  </a:moveTo>
-                  <a:cubicBezTo>
-                    <a:pt x="1416" y="1024"/>
-                    <a:pt x="1551" y="962"/>
-                    <a:pt x="1613" y="850"/>
-                  </a:cubicBezTo>
-                  <a:cubicBezTo>
-                    <a:pt x="1688" y="715"/>
-                    <a:pt x="1606" y="575"/>
-                    <a:pt x="1517" y="471"/>
-                  </a:cubicBezTo>
-                  <a:cubicBezTo>
-                    <a:pt x="1336" y="258"/>
-                    <a:pt x="1084" y="62"/>
-                    <a:pt x="798" y="28"/>
-                  </a:cubicBezTo>
-                  <a:cubicBezTo>
-                    <a:pt x="559" y="0"/>
-                    <a:pt x="317" y="138"/>
-                    <a:pt x="181" y="333"/>
-                  </a:cubicBezTo>
-                  <a:cubicBezTo>
-                    <a:pt x="0" y="592"/>
-                    <a:pt x="191" y="907"/>
-                    <a:pt x="420" y="1066"/>
-                  </a:cubicBezTo>
-                </a:path>
-              </a:pathLst>
-            </a:custGeom>
-            <a:noFill/>
-            <a:ln w="9525" cap="flat">
-              <a:solidFill>
-                <a:schemeClr val="tx1">
-                  <a:alpha val="18000"/>
-                </a:schemeClr>
-              </a:solidFill>
-              <a:prstDash val="dash"/>
-              <a:miter lim="800000"/>
-              <a:headEnd/>
-              <a:tailEnd/>
-            </a:ln>
-          </p:spPr>
-        </p:sp>
-        <p:sp>
-          <p:nvSpPr>
-            <p:cNvPr id="40" name="Freeform 8">
-              <a:extLst>
-                <a:ext uri="{FF2B5EF4-FFF2-40B4-BE49-F238E27FC236}">
-                  <a16:creationId xmlns:a16="http://schemas.microsoft.com/office/drawing/2014/main" id="{207DB018-8F92-42DF-A1CA-065C774E6899}"/>
-                </a:ext>
-                <a:ext uri="{C183D7F6-B498-43B3-948B-1728B52AA6E4}">
-                  <adec:decorative xmlns:adec="http://schemas.microsoft.com/office/drawing/2017/decorative" val="1"/>
-                </a:ext>
-              </a:extLst>
-            </p:cNvPr>
-            <p:cNvSpPr/>
-            <p:nvPr>
-              <p:extLst>
-                <p:ext uri="{386F3935-93C4-4BCD-93E2-E3B085C9AB24}">
-                  <p16:designElem xmlns:p16="http://schemas.microsoft.com/office/powerpoint/2015/main" val="1"/>
-                </p:ext>
-              </p:extLst>
-            </p:nvPr>
-          </p:nvSpPr>
-          <p:spPr bwMode="auto">
-            <a:xfrm>
-              <a:off x="-1061" y="549842"/>
-              <a:ext cx="10334625" cy="6322075"/>
-            </a:xfrm>
-            <a:custGeom>
-              <a:avLst/>
-              <a:gdLst/>
-              <a:ahLst/>
-              <a:cxnLst/>
-              <a:rect l="0" t="0" r="r" b="b"/>
-              <a:pathLst>
-                <a:path w="2171" h="1326">
-                  <a:moveTo>
-                    <a:pt x="1873" y="1326"/>
-                  </a:moveTo>
-                  <a:cubicBezTo>
-                    <a:pt x="2171" y="1045"/>
-                    <a:pt x="1825" y="678"/>
-                    <a:pt x="1609" y="473"/>
-                  </a:cubicBezTo>
-                  <a:cubicBezTo>
-                    <a:pt x="1406" y="281"/>
-                    <a:pt x="1159" y="116"/>
-                    <a:pt x="880" y="63"/>
-                  </a:cubicBezTo>
-                  <a:cubicBezTo>
-                    <a:pt x="545" y="0"/>
-                    <a:pt x="214" y="161"/>
-                    <a:pt x="0" y="423"/>
-                  </a:cubicBezTo>
-                </a:path>
-              </a:pathLst>
-            </a:custGeom>
-            <a:noFill/>
-            <a:ln w="9525" cap="flat">
-              <a:solidFill>
-                <a:schemeClr val="tx1">
-                  <a:alpha val="15000"/>
-                </a:schemeClr>
-              </a:solidFill>
-              <a:prstDash val="solid"/>
-              <a:miter lim="800000"/>
-              <a:headEnd/>
-              <a:tailEnd/>
-            </a:ln>
-          </p:spPr>
-        </p:sp>
-        <p:sp>
-          <p:nvSpPr>
-            <p:cNvPr id="41" name="Freeform 9">
-              <a:extLst>
-                <a:ext uri="{FF2B5EF4-FFF2-40B4-BE49-F238E27FC236}">
-                  <a16:creationId xmlns:a16="http://schemas.microsoft.com/office/drawing/2014/main" id="{BB2A6006-A798-4927-B799-42A45D5B1FE0}"/>
-                </a:ext>
-                <a:ext uri="{C183D7F6-B498-43B3-948B-1728B52AA6E4}">
-                  <adec:decorative xmlns:adec="http://schemas.microsoft.com/office/drawing/2017/decorative" val="1"/>
-                </a:ext>
-              </a:extLst>
-            </p:cNvPr>
-            <p:cNvSpPr/>
-            <p:nvPr>
-              <p:extLst>
-                <p:ext uri="{386F3935-93C4-4BCD-93E2-E3B085C9AB24}">
-                  <p16:designElem xmlns:p16="http://schemas.microsoft.com/office/powerpoint/2015/main" val="1"/>
-                </p:ext>
-              </p:extLst>
-            </p:nvPr>
-          </p:nvSpPr>
-          <p:spPr bwMode="auto">
-            <a:xfrm>
-              <a:off x="3701" y="6186246"/>
-              <a:ext cx="504825" cy="681527"/>
-            </a:xfrm>
-            <a:custGeom>
-              <a:avLst/>
-              <a:gdLst/>
-              <a:ahLst/>
-              <a:cxnLst/>
-              <a:rect l="0" t="0" r="r" b="b"/>
-              <a:pathLst>
-                <a:path w="106" h="143">
-                  <a:moveTo>
-                    <a:pt x="0" y="0"/>
-                  </a:moveTo>
-                  <a:cubicBezTo>
-                    <a:pt x="35" y="54"/>
-                    <a:pt x="70" y="101"/>
-                    <a:pt x="106" y="143"/>
-                  </a:cubicBezTo>
-                </a:path>
-              </a:pathLst>
-            </a:custGeom>
-            <a:noFill/>
-            <a:ln w="4763" cap="flat">
-              <a:solidFill>
-                <a:schemeClr val="tx1">
-                  <a:alpha val="15000"/>
-                </a:schemeClr>
-              </a:solidFill>
-              <a:prstDash val="solid"/>
-              <a:miter lim="800000"/>
-              <a:headEnd/>
-              <a:tailEnd/>
-            </a:ln>
-          </p:spPr>
-        </p:sp>
-        <p:sp>
-          <p:nvSpPr>
-            <p:cNvPr id="42" name="Freeform 10">
-              <a:extLst>
-                <a:ext uri="{FF2B5EF4-FFF2-40B4-BE49-F238E27FC236}">
-                  <a16:creationId xmlns:a16="http://schemas.microsoft.com/office/drawing/2014/main" id="{3F6DB3F4-548A-4D02-A6CC-D5275E6C8570}"/>
-                </a:ext>
-                <a:ext uri="{C183D7F6-B498-43B3-948B-1728B52AA6E4}">
-                  <adec:decorative xmlns:adec="http://schemas.microsoft.com/office/drawing/2017/decorative" val="1"/>
-                </a:ext>
-              </a:extLst>
-            </p:cNvPr>
-            <p:cNvSpPr/>
-            <p:nvPr>
-              <p:extLst>
-                <p:ext uri="{386F3935-93C4-4BCD-93E2-E3B085C9AB24}">
-                  <p16:designElem xmlns:p16="http://schemas.microsoft.com/office/powerpoint/2015/main" val="1"/>
-                </p:ext>
-              </p:extLst>
-            </p:nvPr>
-          </p:nvSpPr>
-          <p:spPr bwMode="auto">
-            <a:xfrm>
-              <a:off x="-1061" y="-51881"/>
-              <a:ext cx="11091863" cy="6923796"/>
-            </a:xfrm>
-            <a:custGeom>
-              <a:avLst/>
-              <a:gdLst/>
-              <a:ahLst/>
-              <a:cxnLst/>
-              <a:rect l="0" t="0" r="r" b="b"/>
-              <a:pathLst>
-                <a:path w="2330" h="1452">
-                  <a:moveTo>
-                    <a:pt x="2046" y="1452"/>
-                  </a:moveTo>
-                  <a:cubicBezTo>
-                    <a:pt x="2330" y="1153"/>
-                    <a:pt x="2049" y="821"/>
-                    <a:pt x="1813" y="601"/>
-                  </a:cubicBezTo>
-                  <a:cubicBezTo>
-                    <a:pt x="1569" y="375"/>
-                    <a:pt x="1282" y="179"/>
-                    <a:pt x="956" y="97"/>
-                  </a:cubicBezTo>
-                  <a:cubicBezTo>
-                    <a:pt x="572" y="0"/>
-                    <a:pt x="292" y="101"/>
-                    <a:pt x="0" y="366"/>
-                  </a:cubicBezTo>
-                </a:path>
-              </a:pathLst>
-            </a:custGeom>
-            <a:noFill/>
-            <a:ln w="9525" cap="flat">
-              <a:solidFill>
-                <a:schemeClr val="tx1">
-                  <a:alpha val="14000"/>
-                </a:schemeClr>
-              </a:solidFill>
-              <a:prstDash val="solid"/>
-              <a:miter lim="800000"/>
-              <a:headEnd/>
-              <a:tailEnd/>
-            </a:ln>
-          </p:spPr>
-        </p:sp>
-        <p:sp>
-          <p:nvSpPr>
-            <p:cNvPr id="43" name="Freeform 11">
-              <a:extLst>
-                <a:ext uri="{FF2B5EF4-FFF2-40B4-BE49-F238E27FC236}">
-                  <a16:creationId xmlns:a16="http://schemas.microsoft.com/office/drawing/2014/main" id="{2D9F4A59-DDA2-427E-802B-9056AD99C0E8}"/>
-                </a:ext>
-                <a:ext uri="{C183D7F6-B498-43B3-948B-1728B52AA6E4}">
-                  <adec:decorative xmlns:adec="http://schemas.microsoft.com/office/drawing/2017/decorative" val="1"/>
-                </a:ext>
-              </a:extLst>
-            </p:cNvPr>
-            <p:cNvSpPr/>
-            <p:nvPr>
-              <p:extLst>
-                <p:ext uri="{386F3935-93C4-4BCD-93E2-E3B085C9AB24}">
-                  <p16:designElem xmlns:p16="http://schemas.microsoft.com/office/powerpoint/2015/main" val="1"/>
-                </p:ext>
-              </p:extLst>
-            </p:nvPr>
-          </p:nvSpPr>
-          <p:spPr bwMode="auto">
-            <a:xfrm>
-              <a:off x="5426601" y="5579"/>
-              <a:ext cx="5788025" cy="6847184"/>
-            </a:xfrm>
-            <a:custGeom>
-              <a:avLst/>
-              <a:gdLst/>
-              <a:ahLst/>
-              <a:cxnLst/>
-              <a:rect l="0" t="0" r="r" b="b"/>
-              <a:pathLst>
-                <a:path w="1216" h="1436">
-                  <a:moveTo>
-                    <a:pt x="1094" y="1436"/>
-                  </a:moveTo>
-                  <a:cubicBezTo>
-                    <a:pt x="1216" y="1114"/>
-                    <a:pt x="904" y="770"/>
-                    <a:pt x="709" y="551"/>
-                  </a:cubicBezTo>
-                  <a:cubicBezTo>
-                    <a:pt x="509" y="327"/>
-                    <a:pt x="274" y="127"/>
-                    <a:pt x="0" y="0"/>
-                  </a:cubicBezTo>
-                </a:path>
-              </a:pathLst>
-            </a:custGeom>
-            <a:noFill/>
-            <a:ln w="9525" cap="flat">
-              <a:solidFill>
-                <a:schemeClr val="tx1">
-                  <a:alpha val="13000"/>
-                </a:schemeClr>
-              </a:solidFill>
-              <a:prstDash val="solid"/>
-              <a:miter lim="800000"/>
-              <a:headEnd/>
-              <a:tailEnd/>
-            </a:ln>
-          </p:spPr>
-        </p:sp>
-        <p:sp>
-          <p:nvSpPr>
-            <p:cNvPr id="44" name="Freeform 12">
-              <a:extLst>
-                <a:ext uri="{FF2B5EF4-FFF2-40B4-BE49-F238E27FC236}">
-                  <a16:creationId xmlns:a16="http://schemas.microsoft.com/office/drawing/2014/main" id="{BF086A79-DD15-4D5E-A197-9ADE0ACFD16D}"/>
-                </a:ext>
-                <a:ext uri="{C183D7F6-B498-43B3-948B-1728B52AA6E4}">
-                  <adec:decorative xmlns:adec="http://schemas.microsoft.com/office/drawing/2017/decorative" val="1"/>
-                </a:ext>
-              </a:extLst>
-            </p:cNvPr>
-            <p:cNvSpPr/>
-            <p:nvPr>
-              <p:extLst>
-                <p:ext uri="{386F3935-93C4-4BCD-93E2-E3B085C9AB24}">
-                  <p16:designElem xmlns:p16="http://schemas.microsoft.com/office/powerpoint/2015/main" val="1"/>
-                </p:ext>
-              </p:extLst>
-            </p:nvPr>
-          </p:nvSpPr>
-          <p:spPr bwMode="auto">
-            <a:xfrm>
-              <a:off x="-1061" y="5579"/>
-              <a:ext cx="1057275" cy="614491"/>
-            </a:xfrm>
-            <a:custGeom>
-              <a:avLst/>
-              <a:gdLst/>
-              <a:ahLst/>
-              <a:cxnLst/>
-              <a:rect l="0" t="0" r="r" b="b"/>
-              <a:pathLst>
-                <a:path w="222" h="129">
-                  <a:moveTo>
-                    <a:pt x="222" y="0"/>
-                  </a:moveTo>
-                  <a:cubicBezTo>
-                    <a:pt x="152" y="35"/>
-                    <a:pt x="76" y="78"/>
-                    <a:pt x="0" y="129"/>
-                  </a:cubicBezTo>
-                </a:path>
-              </a:pathLst>
-            </a:custGeom>
-            <a:noFill/>
-            <a:ln w="9525" cap="flat">
-              <a:solidFill>
-                <a:schemeClr val="tx1">
-                  <a:alpha val="13000"/>
-                </a:schemeClr>
-              </a:solidFill>
-              <a:prstDash val="solid"/>
-              <a:miter lim="800000"/>
-              <a:headEnd/>
-              <a:tailEnd/>
-            </a:ln>
-          </p:spPr>
-        </p:sp>
-        <p:sp>
-          <p:nvSpPr>
-            <p:cNvPr id="45" name="Freeform 13">
-              <a:extLst>
-                <a:ext uri="{FF2B5EF4-FFF2-40B4-BE49-F238E27FC236}">
-                  <a16:creationId xmlns:a16="http://schemas.microsoft.com/office/drawing/2014/main" id="{CCB86A9C-D602-4645-AF2E-7BADDF1E9143}"/>
-                </a:ext>
-                <a:ext uri="{C183D7F6-B498-43B3-948B-1728B52AA6E4}">
-                  <adec:decorative xmlns:adec="http://schemas.microsoft.com/office/drawing/2017/decorative" val="1"/>
-                </a:ext>
-              </a:extLst>
-            </p:cNvPr>
-            <p:cNvSpPr/>
-            <p:nvPr>
-              <p:extLst>
-                <p:ext uri="{386F3935-93C4-4BCD-93E2-E3B085C9AB24}">
-                  <p16:designElem xmlns:p16="http://schemas.microsoft.com/office/powerpoint/2015/main" val="1"/>
-                </p:ext>
-              </p:extLst>
-            </p:nvPr>
-          </p:nvSpPr>
-          <p:spPr bwMode="auto">
-            <a:xfrm>
-              <a:off x="5821889" y="5579"/>
-              <a:ext cx="5588000" cy="6866337"/>
-            </a:xfrm>
-            <a:custGeom>
-              <a:avLst/>
-              <a:gdLst/>
-              <a:ahLst/>
-              <a:cxnLst/>
-              <a:rect l="0" t="0" r="r" b="b"/>
-              <a:pathLst>
-                <a:path w="1174" h="1440">
-                  <a:moveTo>
-                    <a:pt x="1067" y="1440"/>
-                  </a:moveTo>
-                  <a:cubicBezTo>
-                    <a:pt x="1174" y="1124"/>
-                    <a:pt x="887" y="797"/>
-                    <a:pt x="698" y="577"/>
-                  </a:cubicBezTo>
-                  <a:cubicBezTo>
-                    <a:pt x="500" y="348"/>
-                    <a:pt x="270" y="141"/>
-                    <a:pt x="0" y="0"/>
-                  </a:cubicBezTo>
-                </a:path>
-              </a:pathLst>
-            </a:custGeom>
-            <a:noFill/>
-            <a:ln w="9525" cap="flat">
-              <a:solidFill>
-                <a:schemeClr val="tx1">
-                  <a:alpha val="12000"/>
-                </a:schemeClr>
-              </a:solidFill>
-              <a:prstDash val="dash"/>
-              <a:miter lim="800000"/>
-              <a:headEnd/>
-              <a:tailEnd/>
-            </a:ln>
-          </p:spPr>
-        </p:sp>
-        <p:sp>
-          <p:nvSpPr>
-            <p:cNvPr id="46" name="Freeform 14">
-              <a:extLst>
-                <a:ext uri="{FF2B5EF4-FFF2-40B4-BE49-F238E27FC236}">
-                  <a16:creationId xmlns:a16="http://schemas.microsoft.com/office/drawing/2014/main" id="{21C6649F-C4FA-423E-A09A-1B286FAE2993}"/>
-                </a:ext>
-                <a:ext uri="{C183D7F6-B498-43B3-948B-1728B52AA6E4}">
-                  <adec:decorative xmlns:adec="http://schemas.microsoft.com/office/drawing/2017/decorative" val="1"/>
-                </a:ext>
-              </a:extLst>
-            </p:cNvPr>
-            <p:cNvSpPr/>
-            <p:nvPr>
-              <p:extLst>
-                <p:ext uri="{386F3935-93C4-4BCD-93E2-E3B085C9AB24}">
-                  <p16:designElem xmlns:p16="http://schemas.microsoft.com/office/powerpoint/2015/main" val="1"/>
-                </p:ext>
-              </p:extLst>
-            </p:nvPr>
-          </p:nvSpPr>
-          <p:spPr bwMode="auto">
-            <a:xfrm>
-              <a:off x="3701" y="790"/>
-              <a:ext cx="595313" cy="352734"/>
-            </a:xfrm>
-            <a:custGeom>
-              <a:avLst/>
-              <a:gdLst/>
-              <a:ahLst/>
-              <a:cxnLst/>
-              <a:rect l="0" t="0" r="r" b="b"/>
-              <a:pathLst>
-                <a:path w="125" h="74">
-                  <a:moveTo>
-                    <a:pt x="125" y="0"/>
-                  </a:moveTo>
-                  <a:cubicBezTo>
-                    <a:pt x="85" y="22"/>
-                    <a:pt x="43" y="47"/>
-                    <a:pt x="0" y="74"/>
-                  </a:cubicBezTo>
-                </a:path>
-              </a:pathLst>
-            </a:custGeom>
-            <a:noFill/>
-            <a:ln w="9525" cap="flat">
-              <a:solidFill>
-                <a:schemeClr val="tx1">
-                  <a:alpha val="12000"/>
-                </a:schemeClr>
-              </a:solidFill>
-              <a:prstDash val="dash"/>
-              <a:miter lim="800000"/>
-              <a:headEnd/>
-              <a:tailEnd/>
-            </a:ln>
-          </p:spPr>
-        </p:sp>
-        <p:sp>
-          <p:nvSpPr>
-            <p:cNvPr id="47" name="Freeform 15">
-              <a:extLst>
-                <a:ext uri="{FF2B5EF4-FFF2-40B4-BE49-F238E27FC236}">
-                  <a16:creationId xmlns:a16="http://schemas.microsoft.com/office/drawing/2014/main" id="{F00891A4-E0CB-4F23-AD2A-4A210875321C}"/>
-                </a:ext>
-                <a:ext uri="{C183D7F6-B498-43B3-948B-1728B52AA6E4}">
-                  <adec:decorative xmlns:adec="http://schemas.microsoft.com/office/drawing/2017/decorative" val="1"/>
-                </a:ext>
-              </a:extLst>
-            </p:cNvPr>
-            <p:cNvSpPr/>
-            <p:nvPr>
-              <p:extLst>
-                <p:ext uri="{386F3935-93C4-4BCD-93E2-E3B085C9AB24}">
-                  <p16:designElem xmlns:p16="http://schemas.microsoft.com/office/powerpoint/2015/main" val="1"/>
-                </p:ext>
-              </p:extLst>
-            </p:nvPr>
-          </p:nvSpPr>
-          <p:spPr bwMode="auto">
-            <a:xfrm>
-              <a:off x="6012389" y="5579"/>
-              <a:ext cx="5497513" cy="6866337"/>
-            </a:xfrm>
-            <a:custGeom>
-              <a:avLst/>
-              <a:gdLst/>
-              <a:ahLst/>
-              <a:cxnLst/>
-              <a:rect l="0" t="0" r="r" b="b"/>
-              <a:pathLst>
-                <a:path w="1155" h="1440">
-                  <a:moveTo>
-                    <a:pt x="1056" y="1440"/>
-                  </a:moveTo>
-                  <a:cubicBezTo>
-                    <a:pt x="1155" y="1123"/>
-                    <a:pt x="875" y="801"/>
-                    <a:pt x="686" y="580"/>
-                  </a:cubicBezTo>
-                  <a:cubicBezTo>
-                    <a:pt x="491" y="352"/>
-                    <a:pt x="264" y="145"/>
-                    <a:pt x="0" y="0"/>
-                  </a:cubicBezTo>
-                </a:path>
-              </a:pathLst>
-            </a:custGeom>
-            <a:noFill/>
-            <a:ln w="12700" cap="flat">
-              <a:solidFill>
-                <a:schemeClr val="tx1">
-                  <a:alpha val="12000"/>
-                </a:schemeClr>
-              </a:solidFill>
-              <a:prstDash val="dashDot"/>
-              <a:miter lim="800000"/>
-              <a:headEnd/>
-              <a:tailEnd/>
-            </a:ln>
-          </p:spPr>
-        </p:sp>
-        <p:sp>
-          <p:nvSpPr>
-            <p:cNvPr id="48" name="Freeform 16">
-              <a:extLst>
-                <a:ext uri="{FF2B5EF4-FFF2-40B4-BE49-F238E27FC236}">
-                  <a16:creationId xmlns:a16="http://schemas.microsoft.com/office/drawing/2014/main" id="{0688C71A-541C-4CD1-9821-92958FFC0C2F}"/>
-                </a:ext>
-                <a:ext uri="{C183D7F6-B498-43B3-948B-1728B52AA6E4}">
-                  <adec:decorative xmlns:adec="http://schemas.microsoft.com/office/drawing/2017/decorative" val="1"/>
-                </a:ext>
-              </a:extLst>
-            </p:cNvPr>
-            <p:cNvSpPr/>
-            <p:nvPr>
-              <p:extLst>
-                <p:ext uri="{386F3935-93C4-4BCD-93E2-E3B085C9AB24}">
-                  <p16:designElem xmlns:p16="http://schemas.microsoft.com/office/powerpoint/2015/main" val="1"/>
-                </p:ext>
-              </p:extLst>
-            </p:nvPr>
-          </p:nvSpPr>
-          <p:spPr bwMode="auto">
-            <a:xfrm>
-              <a:off x="-1061" y="5579"/>
-              <a:ext cx="357188" cy="213875"/>
-            </a:xfrm>
-            <a:custGeom>
-              <a:avLst/>
-              <a:gdLst/>
-              <a:ahLst/>
-              <a:cxnLst/>
-              <a:rect l="0" t="0" r="r" b="b"/>
-              <a:pathLst>
-                <a:path w="75" h="45">
-                  <a:moveTo>
-                    <a:pt x="75" y="0"/>
-                  </a:moveTo>
-                  <a:cubicBezTo>
-                    <a:pt x="50" y="14"/>
-                    <a:pt x="25" y="29"/>
-                    <a:pt x="0" y="45"/>
-                  </a:cubicBezTo>
-                </a:path>
-              </a:pathLst>
-            </a:custGeom>
-            <a:noFill/>
-            <a:ln w="12700" cap="flat">
-              <a:solidFill>
-                <a:schemeClr val="tx1">
-                  <a:alpha val="12000"/>
-                </a:schemeClr>
-              </a:solidFill>
-              <a:prstDash val="dashDot"/>
-              <a:miter lim="800000"/>
-              <a:headEnd/>
-              <a:tailEnd/>
-            </a:ln>
-          </p:spPr>
-        </p:sp>
-        <p:sp>
-          <p:nvSpPr>
-            <p:cNvPr id="49" name="Freeform 17">
-              <a:extLst>
-                <a:ext uri="{FF2B5EF4-FFF2-40B4-BE49-F238E27FC236}">
-                  <a16:creationId xmlns:a16="http://schemas.microsoft.com/office/drawing/2014/main" id="{B5F5BDE4-42C0-4408-B6A9-B35D037F1505}"/>
-                </a:ext>
-                <a:ext uri="{C183D7F6-B498-43B3-948B-1728B52AA6E4}">
-                  <adec:decorative xmlns:adec="http://schemas.microsoft.com/office/drawing/2017/decorative" val="1"/>
-                </a:ext>
-              </a:extLst>
-            </p:cNvPr>
-            <p:cNvSpPr/>
-            <p:nvPr>
-              <p:extLst>
-                <p:ext uri="{386F3935-93C4-4BCD-93E2-E3B085C9AB24}">
-                  <p16:designElem xmlns:p16="http://schemas.microsoft.com/office/powerpoint/2015/main" val="1"/>
-                </p:ext>
-              </p:extLst>
-            </p:nvPr>
-          </p:nvSpPr>
-          <p:spPr bwMode="auto">
-            <a:xfrm>
-              <a:off x="6210826" y="790"/>
-              <a:ext cx="5522913" cy="6871126"/>
-            </a:xfrm>
-            <a:custGeom>
-              <a:avLst/>
-              <a:gdLst/>
-              <a:ahLst/>
-              <a:cxnLst/>
-              <a:rect l="0" t="0" r="r" b="b"/>
-              <a:pathLst>
-                <a:path w="1160" h="1441">
-                  <a:moveTo>
-                    <a:pt x="1053" y="1441"/>
-                  </a:moveTo>
-                  <a:cubicBezTo>
-                    <a:pt x="1160" y="1129"/>
-                    <a:pt x="892" y="817"/>
-                    <a:pt x="705" y="599"/>
-                  </a:cubicBezTo>
-                  <a:cubicBezTo>
-                    <a:pt x="503" y="365"/>
-                    <a:pt x="270" y="152"/>
-                    <a:pt x="0" y="0"/>
-                  </a:cubicBezTo>
-                </a:path>
-              </a:pathLst>
-            </a:custGeom>
-            <a:noFill/>
-            <a:ln w="9525" cap="flat">
-              <a:solidFill>
-                <a:schemeClr val="tx1">
-                  <a:alpha val="12000"/>
-                </a:schemeClr>
-              </a:solidFill>
-              <a:prstDash val="solid"/>
-              <a:miter lim="800000"/>
-              <a:headEnd/>
-              <a:tailEnd/>
-            </a:ln>
-          </p:spPr>
-        </p:sp>
-        <p:sp>
-          <p:nvSpPr>
-            <p:cNvPr id="50" name="Freeform 18">
-              <a:extLst>
-                <a:ext uri="{FF2B5EF4-FFF2-40B4-BE49-F238E27FC236}">
-                  <a16:creationId xmlns:a16="http://schemas.microsoft.com/office/drawing/2014/main" id="{B215F5C9-B825-47D1-8E5B-AE5BE61A401B}"/>
-                </a:ext>
-                <a:ext uri="{C183D7F6-B498-43B3-948B-1728B52AA6E4}">
-                  <adec:decorative xmlns:adec="http://schemas.microsoft.com/office/drawing/2017/decorative" val="1"/>
-                </a:ext>
-              </a:extLst>
-            </p:cNvPr>
-            <p:cNvSpPr/>
-            <p:nvPr>
-              <p:extLst>
-                <p:ext uri="{386F3935-93C4-4BCD-93E2-E3B085C9AB24}">
-                  <p16:designElem xmlns:p16="http://schemas.microsoft.com/office/powerpoint/2015/main" val="1"/>
-                </p:ext>
-              </p:extLst>
-            </p:nvPr>
-          </p:nvSpPr>
-          <p:spPr bwMode="auto">
-            <a:xfrm>
-              <a:off x="6463239" y="5579"/>
-              <a:ext cx="5413375" cy="6866337"/>
-            </a:xfrm>
-            <a:custGeom>
-              <a:avLst/>
-              <a:gdLst/>
-              <a:ahLst/>
-              <a:cxnLst/>
-              <a:rect l="0" t="0" r="r" b="b"/>
-              <a:pathLst>
-                <a:path w="1137" h="1440">
-                  <a:moveTo>
-                    <a:pt x="1040" y="1440"/>
-                  </a:moveTo>
-                  <a:cubicBezTo>
-                    <a:pt x="1137" y="1131"/>
-                    <a:pt x="883" y="828"/>
-                    <a:pt x="698" y="611"/>
-                  </a:cubicBezTo>
-                  <a:cubicBezTo>
-                    <a:pt x="498" y="375"/>
-                    <a:pt x="268" y="159"/>
-                    <a:pt x="0" y="0"/>
-                  </a:cubicBezTo>
-                </a:path>
-              </a:pathLst>
-            </a:custGeom>
-            <a:noFill/>
-            <a:ln w="9525" cap="flat">
-              <a:solidFill>
-                <a:schemeClr val="tx1">
-                  <a:alpha val="12000"/>
-                </a:schemeClr>
-              </a:solidFill>
-              <a:prstDash val="solid"/>
-              <a:miter lim="800000"/>
-              <a:headEnd/>
-              <a:tailEnd/>
-            </a:ln>
-          </p:spPr>
-        </p:sp>
-        <p:sp>
-          <p:nvSpPr>
-            <p:cNvPr id="51" name="Freeform 19">
-              <a:extLst>
-                <a:ext uri="{FF2B5EF4-FFF2-40B4-BE49-F238E27FC236}">
-                  <a16:creationId xmlns:a16="http://schemas.microsoft.com/office/drawing/2014/main" id="{8FDD346A-E62F-4D05-B776-13CE8F35FA71}"/>
-                </a:ext>
-                <a:ext uri="{C183D7F6-B498-43B3-948B-1728B52AA6E4}">
-                  <adec:decorative xmlns:adec="http://schemas.microsoft.com/office/drawing/2017/decorative" val="1"/>
-                </a:ext>
-              </a:extLst>
-            </p:cNvPr>
-            <p:cNvSpPr/>
-            <p:nvPr>
-              <p:extLst>
-                <p:ext uri="{386F3935-93C4-4BCD-93E2-E3B085C9AB24}">
-                  <p16:designElem xmlns:p16="http://schemas.microsoft.com/office/powerpoint/2015/main" val="1"/>
-                </p:ext>
-              </p:extLst>
-            </p:nvPr>
-          </p:nvSpPr>
-          <p:spPr bwMode="auto">
-            <a:xfrm>
-              <a:off x="6877576" y="5579"/>
-              <a:ext cx="5037138" cy="6861550"/>
-            </a:xfrm>
-            <a:custGeom>
-              <a:avLst/>
-              <a:gdLst/>
-              <a:ahLst/>
-              <a:cxnLst/>
-              <a:rect l="0" t="0" r="r" b="b"/>
-              <a:pathLst>
-                <a:path w="1058" h="1439">
-                  <a:moveTo>
-                    <a:pt x="1011" y="1439"/>
-                  </a:moveTo>
-                  <a:cubicBezTo>
-                    <a:pt x="1058" y="1131"/>
-                    <a:pt x="825" y="841"/>
-                    <a:pt x="648" y="617"/>
-                  </a:cubicBezTo>
-                  <a:cubicBezTo>
-                    <a:pt x="462" y="383"/>
-                    <a:pt x="248" y="168"/>
-                    <a:pt x="0" y="0"/>
-                  </a:cubicBezTo>
-                </a:path>
-              </a:pathLst>
-            </a:custGeom>
-            <a:noFill/>
-            <a:ln w="9525" cap="flat">
-              <a:solidFill>
-                <a:schemeClr val="tx1">
-                  <a:alpha val="11000"/>
-                </a:schemeClr>
-              </a:solidFill>
-              <a:prstDash val="solid"/>
-              <a:miter lim="800000"/>
-              <a:headEnd/>
-              <a:tailEnd/>
-            </a:ln>
-          </p:spPr>
-        </p:sp>
-        <p:sp>
-          <p:nvSpPr>
-            <p:cNvPr id="52" name="Freeform 20">
-              <a:extLst>
-                <a:ext uri="{FF2B5EF4-FFF2-40B4-BE49-F238E27FC236}">
-                  <a16:creationId xmlns:a16="http://schemas.microsoft.com/office/drawing/2014/main" id="{C1037E36-F1A3-4462-A9C6-C94A781467DB}"/>
-                </a:ext>
-                <a:ext uri="{C183D7F6-B498-43B3-948B-1728B52AA6E4}">
-                  <adec:decorative xmlns:adec="http://schemas.microsoft.com/office/drawing/2017/decorative" val="1"/>
-                </a:ext>
-              </a:extLst>
-            </p:cNvPr>
-            <p:cNvSpPr/>
-            <p:nvPr>
-              <p:extLst>
-                <p:ext uri="{386F3935-93C4-4BCD-93E2-E3B085C9AB24}">
-                  <p16:designElem xmlns:p16="http://schemas.microsoft.com/office/powerpoint/2015/main" val="1"/>
-                </p:ext>
-              </p:extLst>
-            </p:nvPr>
-          </p:nvSpPr>
-          <p:spPr bwMode="auto">
-            <a:xfrm>
-              <a:off x="8768289" y="5579"/>
-              <a:ext cx="3417888" cy="2742066"/>
-            </a:xfrm>
-            <a:custGeom>
-              <a:avLst/>
-              <a:gdLst/>
-              <a:ahLst/>
-              <a:cxnLst/>
-              <a:rect l="0" t="0" r="r" b="b"/>
-              <a:pathLst>
-                <a:path w="718" h="575">
-                  <a:moveTo>
-                    <a:pt x="718" y="575"/>
-                  </a:moveTo>
-                  <a:cubicBezTo>
-                    <a:pt x="500" y="360"/>
-                    <a:pt x="260" y="163"/>
-                    <a:pt x="0" y="0"/>
-                  </a:cubicBezTo>
-                </a:path>
-              </a:pathLst>
-            </a:custGeom>
-            <a:noFill/>
-            <a:ln w="9525" cap="flat">
-              <a:solidFill>
-                <a:schemeClr val="tx1">
-                  <a:alpha val="11000"/>
-                </a:schemeClr>
-              </a:solidFill>
-              <a:prstDash val="solid"/>
-              <a:miter lim="800000"/>
-              <a:headEnd/>
-              <a:tailEnd/>
-            </a:ln>
-          </p:spPr>
-        </p:sp>
-        <p:sp>
-          <p:nvSpPr>
-            <p:cNvPr id="53" name="Freeform 21">
-              <a:extLst>
-                <a:ext uri="{FF2B5EF4-FFF2-40B4-BE49-F238E27FC236}">
-                  <a16:creationId xmlns:a16="http://schemas.microsoft.com/office/drawing/2014/main" id="{10D539D8-C2C4-45F9-9778-440E8624863B}"/>
-                </a:ext>
-                <a:ext uri="{C183D7F6-B498-43B3-948B-1728B52AA6E4}">
-                  <adec:decorative xmlns:adec="http://schemas.microsoft.com/office/drawing/2017/decorative" val="1"/>
-                </a:ext>
-              </a:extLst>
-            </p:cNvPr>
-            <p:cNvSpPr/>
-            <p:nvPr>
-              <p:extLst>
-                <p:ext uri="{386F3935-93C4-4BCD-93E2-E3B085C9AB24}">
-                  <p16:designElem xmlns:p16="http://schemas.microsoft.com/office/powerpoint/2015/main" val="1"/>
-                </p:ext>
-              </p:extLst>
-            </p:nvPr>
-          </p:nvSpPr>
-          <p:spPr bwMode="auto">
-            <a:xfrm>
-              <a:off x="9235014" y="10367"/>
-              <a:ext cx="2951163" cy="2555325"/>
-            </a:xfrm>
-            <a:custGeom>
-              <a:avLst/>
-              <a:gdLst/>
-              <a:ahLst/>
-              <a:cxnLst/>
-              <a:rect l="0" t="0" r="r" b="b"/>
-              <a:pathLst>
-                <a:path w="620" h="536">
-                  <a:moveTo>
-                    <a:pt x="620" y="536"/>
-                  </a:moveTo>
-                  <a:cubicBezTo>
-                    <a:pt x="404" y="314"/>
-                    <a:pt x="196" y="138"/>
-                    <a:pt x="0" y="0"/>
-                  </a:cubicBezTo>
-                </a:path>
-              </a:pathLst>
-            </a:custGeom>
-            <a:noFill/>
-            <a:ln w="9525" cap="flat">
-              <a:solidFill>
-                <a:schemeClr val="tx1">
-                  <a:alpha val="10000"/>
-                </a:schemeClr>
-              </a:solidFill>
-              <a:prstDash val="solid"/>
-              <a:miter lim="800000"/>
-              <a:headEnd/>
-              <a:tailEnd/>
-            </a:ln>
-          </p:spPr>
-        </p:sp>
-        <p:sp>
-          <p:nvSpPr>
-            <p:cNvPr id="54" name="Freeform 22">
-              <a:extLst>
-                <a:ext uri="{FF2B5EF4-FFF2-40B4-BE49-F238E27FC236}">
-                  <a16:creationId xmlns:a16="http://schemas.microsoft.com/office/drawing/2014/main" id="{8B003199-95C6-4E08-9D5D-E53DAF421BCD}"/>
-                </a:ext>
-                <a:ext uri="{C183D7F6-B498-43B3-948B-1728B52AA6E4}">
-                  <adec:decorative xmlns:adec="http://schemas.microsoft.com/office/drawing/2017/decorative" val="1"/>
-                </a:ext>
-              </a:extLst>
-            </p:cNvPr>
-            <p:cNvSpPr/>
-            <p:nvPr>
-              <p:extLst>
-                <p:ext uri="{386F3935-93C4-4BCD-93E2-E3B085C9AB24}">
-                  <p16:designElem xmlns:p16="http://schemas.microsoft.com/office/powerpoint/2015/main" val="1"/>
-                </p:ext>
-              </p:extLst>
-            </p:nvPr>
-          </p:nvSpPr>
-          <p:spPr bwMode="auto">
-            <a:xfrm>
-              <a:off x="10020826" y="5579"/>
-              <a:ext cx="2165350" cy="1358265"/>
-            </a:xfrm>
-            <a:custGeom>
-              <a:avLst/>
-              <a:gdLst/>
-              <a:ahLst/>
-              <a:cxnLst/>
-              <a:rect l="0" t="0" r="r" b="b"/>
-              <a:pathLst>
-                <a:path w="455" h="285">
-                  <a:moveTo>
-                    <a:pt x="0" y="0"/>
-                  </a:moveTo>
-                  <a:cubicBezTo>
-                    <a:pt x="153" y="85"/>
-                    <a:pt x="308" y="180"/>
-                    <a:pt x="455" y="285"/>
-                  </a:cubicBezTo>
-                </a:path>
-              </a:pathLst>
-            </a:custGeom>
-            <a:noFill/>
-            <a:ln w="9525" cap="flat">
-              <a:solidFill>
-                <a:schemeClr val="tx1">
-                  <a:alpha val="10000"/>
-                </a:schemeClr>
-              </a:solidFill>
-              <a:prstDash val="dash"/>
-              <a:miter lim="800000"/>
-              <a:headEnd/>
-              <a:tailEnd/>
-            </a:ln>
-          </p:spPr>
-        </p:sp>
-        <p:sp>
-          <p:nvSpPr>
-            <p:cNvPr id="55" name="Freeform 23">
-              <a:extLst>
-                <a:ext uri="{FF2B5EF4-FFF2-40B4-BE49-F238E27FC236}">
-                  <a16:creationId xmlns:a16="http://schemas.microsoft.com/office/drawing/2014/main" id="{6A2507B4-2AA4-44A1-93B1-D65EC73AF544}"/>
-                </a:ext>
-                <a:ext uri="{C183D7F6-B498-43B3-948B-1728B52AA6E4}">
-                  <adec:decorative xmlns:adec="http://schemas.microsoft.com/office/drawing/2017/decorative" val="1"/>
-                </a:ext>
-              </a:extLst>
-            </p:cNvPr>
-            <p:cNvSpPr/>
-            <p:nvPr>
-              <p:extLst>
-                <p:ext uri="{386F3935-93C4-4BCD-93E2-E3B085C9AB24}">
-                  <p16:designElem xmlns:p16="http://schemas.microsoft.com/office/powerpoint/2015/main" val="1"/>
-                </p:ext>
-              </p:extLst>
-            </p:nvPr>
-          </p:nvSpPr>
-          <p:spPr bwMode="auto">
-            <a:xfrm>
-              <a:off x="11290826" y="5579"/>
-              <a:ext cx="895350" cy="534687"/>
-            </a:xfrm>
-            <a:custGeom>
-              <a:avLst/>
-              <a:gdLst/>
-              <a:ahLst/>
-              <a:cxnLst/>
-              <a:rect l="0" t="0" r="r" b="b"/>
-              <a:pathLst>
-                <a:path w="188" h="112">
-                  <a:moveTo>
-                    <a:pt x="0" y="0"/>
-                  </a:moveTo>
-                  <a:cubicBezTo>
-                    <a:pt x="63" y="36"/>
-                    <a:pt x="126" y="73"/>
-                    <a:pt x="188" y="112"/>
-                  </a:cubicBezTo>
-                </a:path>
-              </a:pathLst>
-            </a:custGeom>
-            <a:noFill/>
-            <a:ln w="9525" cap="flat">
-              <a:solidFill>
-                <a:schemeClr val="tx1">
-                  <a:alpha val="10000"/>
-                </a:schemeClr>
-              </a:solidFill>
-              <a:prstDash val="solid"/>
-              <a:miter lim="800000"/>
-              <a:headEnd/>
-              <a:tailEnd/>
-            </a:ln>
-          </p:spPr>
-        </p:sp>
-      </p:grpSp>
       <p:sp>
         <p:nvSpPr>
           <p:cNvPr id="2" name="Título 1">
@@ -5062,8 +3824,108 @@
         </p:nvSpPr>
         <p:spPr>
           <a:xfrm>
-            <a:off x="2002536" y="1261872"/>
-            <a:ext cx="8238744" cy="3118104"/>
+            <a:off x="242910" y="1598246"/>
+            <a:ext cx="4626709" cy="5122985"/>
+          </a:xfrm>
+        </p:spPr>
+        <p:txBody>
+          <a:bodyPr anchor="t">
+            <a:normAutofit/>
+          </a:bodyPr>
+          <a:lstStyle/>
+          <a:p>
+            <a:pPr algn="r"/>
+            <a:r>
+              <a:rPr lang="es-CO" sz="6200" b="1">
+                <a:solidFill>
+                  <a:srgbClr val="FFFFFF"/>
+                </a:solidFill>
+              </a:rPr>
+              <a:t>HarmonyApp</a:t>
+            </a:r>
+          </a:p>
+        </p:txBody>
+      </p:sp>
+      <p:sp>
+        <p:nvSpPr>
+          <p:cNvPr id="3" name="Subtítulo 2">
+            <a:extLst>
+              <a:ext uri="{FF2B5EF4-FFF2-40B4-BE49-F238E27FC236}">
+                <a16:creationId xmlns:a16="http://schemas.microsoft.com/office/drawing/2014/main" id="{6BE2C953-F73F-45FD-BA26-9541E98D576E}"/>
+              </a:ext>
+            </a:extLst>
+          </p:cNvPr>
+          <p:cNvSpPr>
+            <a:spLocks noGrp="1"/>
+          </p:cNvSpPr>
+          <p:nvPr>
+            <p:ph type="subTitle" idx="1"/>
+          </p:nvPr>
+        </p:nvSpPr>
+        <p:spPr>
+          <a:xfrm>
+            <a:off x="5792994" y="1590840"/>
+            <a:ext cx="5672176" cy="5095221"/>
+          </a:xfrm>
+        </p:spPr>
+        <p:txBody>
+          <a:bodyPr vert="horz" lIns="91440" tIns="45720" rIns="91440" bIns="45720" rtlCol="0" anchor="t">
+            <a:normAutofit/>
+          </a:bodyPr>
+          <a:lstStyle/>
+          <a:p>
+            <a:pPr algn="l"/>
+            <a:r>
+              <a:rPr lang="es-CO" sz="4400" b="1" dirty="0">
+                <a:solidFill>
+                  <a:srgbClr val="FFFFFF"/>
+                </a:solidFill>
+              </a:rPr>
+              <a:t>- Daniel Felipe Cadavid Duque</a:t>
+            </a:r>
+            <a:endParaRPr lang="en-US" dirty="0">
+              <a:cs typeface="Calibri" panose="020F0502020204030204"/>
+            </a:endParaRPr>
+          </a:p>
+          <a:p>
+            <a:pPr algn="l"/>
+            <a:r>
+              <a:rPr lang="es-CO" sz="4400" b="1" dirty="0">
+                <a:solidFill>
+                  <a:srgbClr val="FFFFFF"/>
+                </a:solidFill>
+              </a:rPr>
+              <a:t>- Hugo Alejandro Hernández Cárdenas</a:t>
+            </a:r>
+            <a:endParaRPr lang="es-CO" sz="4400" b="1" dirty="0">
+              <a:solidFill>
+                <a:srgbClr val="FFFFFF"/>
+              </a:solidFill>
+              <a:cs typeface="Calibri" panose="020F0502020204030204"/>
+            </a:endParaRPr>
+          </a:p>
+        </p:txBody>
+      </p:sp>
+      <p:sp>
+        <p:nvSpPr>
+          <p:cNvPr id="4" name="Marcador de número de diapositiva 3">
+            <a:extLst>
+              <a:ext uri="{FF2B5EF4-FFF2-40B4-BE49-F238E27FC236}">
+                <a16:creationId xmlns:a16="http://schemas.microsoft.com/office/drawing/2014/main" id="{D6C891A2-EE35-4072-87C2-A56AE2D2AE49}"/>
+              </a:ext>
+            </a:extLst>
+          </p:cNvPr>
+          <p:cNvSpPr>
+            <a:spLocks noGrp="1"/>
+          </p:cNvSpPr>
+          <p:nvPr>
+            <p:ph type="sldNum" sz="quarter" idx="12"/>
+          </p:nvPr>
+        </p:nvSpPr>
+        <p:spPr>
+          <a:xfrm>
+            <a:off x="8610600" y="224937"/>
+            <a:ext cx="2743200" cy="365125"/>
           </a:xfrm>
         </p:spPr>
         <p:txBody>
@@ -5072,72 +3934,47 @@
           </a:bodyPr>
           <a:lstStyle/>
           <a:p>
-            <a:pPr algn="l"/>
-            <a:r>
-              <a:rPr lang="es-CO" sz="6800" b="1"/>
-              <a:t>HarmonyApp</a:t>
-            </a:r>
+            <a:pPr>
+              <a:spcAft>
+                <a:spcPts val="600"/>
+              </a:spcAft>
+            </a:pPr>
+            <a:fld id="{A59AE7EA-4493-405D-9A66-B6513C9897B9}" type="slidenum">
+              <a:rPr lang="es-CO">
+                <a:solidFill>
+                  <a:srgbClr val="FFFFFF"/>
+                </a:solidFill>
+              </a:rPr>
+              <a:pPr>
+                <a:spcAft>
+                  <a:spcPts val="600"/>
+                </a:spcAft>
+              </a:pPr>
+              <a:t>1</a:t>
+            </a:fld>
+            <a:endParaRPr lang="es-CO">
+              <a:solidFill>
+                <a:srgbClr val="FFFFFF"/>
+              </a:solidFill>
+            </a:endParaRPr>
           </a:p>
         </p:txBody>
       </p:sp>
-      <p:sp>
-        <p:nvSpPr>
-          <p:cNvPr id="3" name="Subtítulo 2">
-            <a:extLst>
-              <a:ext uri="{FF2B5EF4-FFF2-40B4-BE49-F238E27FC236}">
-                <a16:creationId xmlns:a16="http://schemas.microsoft.com/office/drawing/2014/main" id="{6BE2C953-F73F-45FD-BA26-9541E98D576E}"/>
-              </a:ext>
-            </a:extLst>
-          </p:cNvPr>
-          <p:cNvSpPr>
-            <a:spLocks noGrp="1"/>
-          </p:cNvSpPr>
-          <p:nvPr>
-            <p:ph type="subTitle" idx="1"/>
-          </p:nvPr>
-        </p:nvSpPr>
-        <p:spPr>
-          <a:xfrm>
-            <a:off x="2002536" y="4562856"/>
-            <a:ext cx="8238744" cy="1225296"/>
-          </a:xfrm>
-        </p:spPr>
-        <p:txBody>
-          <a:bodyPr>
-            <a:normAutofit/>
-          </a:bodyPr>
-          <a:lstStyle/>
-          <a:p>
-            <a:pPr algn="l"/>
-            <a:r>
-              <a:rPr lang="es-CO" b="1"/>
-              <a:t>Daniel Felipe Cadavid Duque</a:t>
-            </a:r>
-          </a:p>
-          <a:p>
-            <a:pPr algn="l"/>
-            <a:r>
-              <a:rPr lang="es-CO" b="1"/>
-              <a:t>Hugo Alejandro Hernández Cárdenas</a:t>
-            </a:r>
-          </a:p>
-        </p:txBody>
-      </p:sp>
-      <p:sp>
-        <p:nvSpPr>
-          <p:cNvPr id="56" name="Isosceles Triangle 30">
-            <a:extLst>
-              <a:ext uri="{FF2B5EF4-FFF2-40B4-BE49-F238E27FC236}">
-                <a16:creationId xmlns:a16="http://schemas.microsoft.com/office/drawing/2014/main" id="{83CB2632-0822-4E49-A707-FA1B8A4D0173}"/>
+      <p:cxnSp>
+        <p:nvCxnSpPr>
+          <p:cNvPr id="78" name="Straight Connector 77">
+            <a:extLst>
+              <a:ext uri="{FF2B5EF4-FFF2-40B4-BE49-F238E27FC236}">
+                <a16:creationId xmlns:a16="http://schemas.microsoft.com/office/drawing/2014/main" id="{56020367-4FD5-4596-8E10-C5F095CD8DBF}"/>
               </a:ext>
               <a:ext uri="{C183D7F6-B498-43B3-948B-1728B52AA6E4}">
                 <adec:decorative xmlns:adec="http://schemas.microsoft.com/office/drawing/2017/decorative" val="1"/>
               </a:ext>
             </a:extLst>
           </p:cNvPr>
-          <p:cNvSpPr>
-            <a:spLocks noGrp="1" noRot="1" noChangeAspect="1" noMove="1" noResize="1" noEditPoints="1" noAdjustHandles="1" noChangeArrowheads="1" noChangeShapeType="1" noTextEdit="1"/>
-          </p:cNvSpPr>
+          <p:cNvCxnSpPr>
+            <a:cxnSpLocks noGrp="1" noRot="1" noChangeAspect="1" noMove="1" noResize="1" noEditPoints="1" noAdjustHandles="1" noChangeArrowheads="1" noChangeShapeType="1"/>
+          </p:cNvCxnSpPr>
           <p:nvPr>
             <p:extLst>
               <p:ext uri="{386F3935-93C4-4BCD-93E2-E3B085C9AB24}">
@@ -5145,79 +3982,37 @@
               </p:ext>
             </p:extLst>
           </p:nvPr>
-        </p:nvSpPr>
+        </p:nvCxnSpPr>
         <p:spPr>
-          <a:xfrm rot="10800000">
-            <a:off x="1435823" y="3320139"/>
-            <a:ext cx="300774" cy="259288"/>
+          <a:xfrm>
+            <a:off x="5447322" y="1589368"/>
+            <a:ext cx="0" cy="5259754"/>
           </a:xfrm>
-          <a:prstGeom prst="triangle">
+          <a:prstGeom prst="line">
             <a:avLst/>
           </a:prstGeom>
-          <a:solidFill>
-            <a:schemeClr val="tx1"/>
-          </a:solidFill>
-          <a:ln>
-            <a:noFill/>
+          <a:ln w="25400" cap="sq">
+            <a:solidFill>
+              <a:srgbClr val="FFFFFF"/>
+            </a:solidFill>
+            <a:bevel/>
           </a:ln>
         </p:spPr>
         <p:style>
-          <a:lnRef idx="2">
-            <a:schemeClr val="accent1">
-              <a:shade val="50000"/>
-            </a:schemeClr>
+          <a:lnRef idx="1">
+            <a:schemeClr val="accent1"/>
           </a:lnRef>
-          <a:fillRef idx="1">
+          <a:fillRef idx="0">
             <a:schemeClr val="accent1"/>
           </a:fillRef>
           <a:effectRef idx="0">
             <a:schemeClr val="accent1"/>
           </a:effectRef>
           <a:fontRef idx="minor">
-            <a:schemeClr val="lt1"/>
+            <a:schemeClr val="tx1"/>
           </a:fontRef>
         </p:style>
-        <p:txBody>
-          <a:bodyPr/>
-          <a:lstStyle/>
-          <a:p>
-            <a:endParaRPr lang="en-US">
-              <a:solidFill>
-                <a:schemeClr val="tx1"/>
-              </a:solidFill>
-            </a:endParaRPr>
-          </a:p>
-        </p:txBody>
-      </p:sp>
-      <p:sp>
-        <p:nvSpPr>
-          <p:cNvPr id="4" name="Marcador de número de diapositiva 3">
-            <a:extLst>
-              <a:ext uri="{FF2B5EF4-FFF2-40B4-BE49-F238E27FC236}">
-                <a16:creationId xmlns:a16="http://schemas.microsoft.com/office/drawing/2014/main" id="{D6C891A2-EE35-4072-87C2-A56AE2D2AE49}"/>
-              </a:ext>
-            </a:extLst>
-          </p:cNvPr>
-          <p:cNvSpPr>
-            <a:spLocks noGrp="1"/>
-          </p:cNvSpPr>
-          <p:nvPr>
-            <p:ph type="sldNum" sz="quarter" idx="12"/>
-          </p:nvPr>
-        </p:nvSpPr>
-        <p:spPr/>
-        <p:txBody>
-          <a:bodyPr/>
-          <a:lstStyle/>
-          <a:p>
-            <a:fld id="{A59AE7EA-4493-405D-9A66-B6513C9897B9}" type="slidenum">
-              <a:rPr lang="es-CO" smtClean="0"/>
-              <a:t>1</a:t>
-            </a:fld>
-            <a:endParaRPr lang="es-CO"/>
-          </a:p>
-        </p:txBody>
-      </p:sp>
+      </p:cxnSp>
     </p:spTree>
     <p:extLst>
       <p:ext uri="{BB962C8B-B14F-4D97-AF65-F5344CB8AC3E}">
@@ -5226,7 +4021,7 @@
     </p:extLst>
   </p:cSld>
   <p:clrMapOvr>
-    <a:overrideClrMapping bg1="dk1" tx1="lt1" bg2="dk2" tx2="lt2" accent1="accent1" accent2="accent2" accent3="accent3" accent4="accent4" accent5="accent5" accent6="accent6" hlink="hlink" folHlink="folHlink"/>
+    <a:masterClrMapping/>
   </p:clrMapOvr>
   <p:timing>
     <p:tnLst>
@@ -5297,44 +4092,6 @@
                                   </p:childTnLst>
                                 </p:cTn>
                               </p:par>
-                              <p:par>
-                                <p:cTn id="8" presetID="10" presetClass="entr" presetSubtype="0" fill="hold" grpId="0" nodeType="withEffect">
-                                  <p:stCondLst>
-                                    <p:cond delay="500"/>
-                                  </p:stCondLst>
-                                  <p:iterate type="lt">
-                                    <p:tmPct val="10000"/>
-                                  </p:iterate>
-                                  <p:childTnLst>
-                                    <p:set>
-                                      <p:cBhvr>
-                                        <p:cTn id="9" dur="1" fill="hold">
-                                          <p:stCondLst>
-                                            <p:cond delay="0"/>
-                                          </p:stCondLst>
-                                        </p:cTn>
-                                        <p:tgtEl>
-                                          <p:spTgt spid="2"/>
-                                        </p:tgtEl>
-                                        <p:attrNameLst>
-                                          <p:attrName>style.visibility</p:attrName>
-                                        </p:attrNameLst>
-                                      </p:cBhvr>
-                                      <p:to>
-                                        <p:strVal val="visible"/>
-                                      </p:to>
-                                    </p:set>
-                                    <p:animEffect transition="in" filter="fade">
-                                      <p:cBhvr>
-                                        <p:cTn id="10" dur="400"/>
-                                        <p:tgtEl>
-                                          <p:spTgt spid="2"/>
-                                        </p:tgtEl>
-                                      </p:cBhvr>
-                                    </p:animEffect>
-                                  </p:childTnLst>
-                                </p:cTn>
-                              </p:par>
                             </p:childTnLst>
                           </p:cTn>
                         </p:par>
@@ -5342,19 +4099,19 @@
                     </p:cTn>
                   </p:par>
                   <p:par>
-                    <p:cTn id="11" fill="hold">
+                    <p:cTn id="8" fill="hold">
                       <p:stCondLst>
                         <p:cond delay="indefinite"/>
                       </p:stCondLst>
                       <p:childTnLst>
                         <p:par>
-                          <p:cTn id="12" fill="hold">
+                          <p:cTn id="9" fill="hold">
                             <p:stCondLst>
                               <p:cond delay="0"/>
                             </p:stCondLst>
                             <p:childTnLst>
                               <p:par>
-                                <p:cTn id="13" presetID="10" presetClass="entr" presetSubtype="0" fill="hold" grpId="0" nodeType="clickEffect">
+                                <p:cTn id="10" presetID="10" presetClass="entr" presetSubtype="0" fill="hold" grpId="0" nodeType="clickEffect">
                                   <p:stCondLst>
                                     <p:cond delay="2000"/>
                                   </p:stCondLst>
@@ -5364,7 +4121,7 @@
                                   <p:childTnLst>
                                     <p:set>
                                       <p:cBhvr>
-                                        <p:cTn id="14" dur="1" fill="hold">
+                                        <p:cTn id="11" dur="1" fill="hold">
                                           <p:stCondLst>
                                             <p:cond delay="0"/>
                                           </p:stCondLst>
@@ -5386,13 +4143,51 @@
                                     </p:set>
                                     <p:animEffect transition="in" filter="fade">
                                       <p:cBhvr>
-                                        <p:cTn id="15" dur="400"/>
+                                        <p:cTn id="12" dur="400"/>
                                         <p:tgtEl>
                                           <p:spTgt spid="3">
                                             <p:txEl>
                                               <p:pRg st="1" end="1"/>
                                             </p:txEl>
                                           </p:spTgt>
+                                        </p:tgtEl>
+                                      </p:cBhvr>
+                                    </p:animEffect>
+                                  </p:childTnLst>
+                                </p:cTn>
+                              </p:par>
+                              <p:par>
+                                <p:cTn id="13" presetID="10" presetClass="entr" presetSubtype="0" fill="hold" grpId="0" nodeType="withEffect">
+                                  <p:stCondLst>
+                                    <p:cond delay="500"/>
+                                  </p:stCondLst>
+                                  <p:iterate type="lt">
+                                    <p:tmPct val="10000"/>
+                                  </p:iterate>
+                                  <p:childTnLst>
+                                    <p:set>
+                                      <p:cBhvr>
+                                        <p:cTn id="14" dur="1" fill="hold">
+                                          <p:stCondLst>
+                                            <p:cond delay="0"/>
+                                          </p:stCondLst>
+                                        </p:cTn>
+                                        <p:tgtEl>
+                                          <p:spTgt spid="2"/>
+                                        </p:tgtEl>
+                                        <p:attrNameLst>
+                                          <p:attrName>style.visibility</p:attrName>
+                                        </p:attrNameLst>
+                                      </p:cBhvr>
+                                      <p:to>
+                                        <p:strVal val="visible"/>
+                                      </p:to>
+                                    </p:set>
+                                    <p:animEffect transition="in" filter="fade">
+                                      <p:cBhvr>
+                                        <p:cTn id="15" dur="400"/>
+                                        <p:tgtEl>
+                                          <p:spTgt spid="2"/>
                                         </p:tgtEl>
                                       </p:cBhvr>
                                     </p:animEffect>
@@ -5440,9 +4235,7 @@
     <p:bg>
       <p:bgPr>
         <a:solidFill>
-          <a:srgbClr val="790568">
-            <a:alpha val="71000"/>
-          </a:srgbClr>
+          <a:schemeClr val="bg1"/>
         </a:solidFill>
         <a:effectLst/>
       </p:bgPr>
@@ -5463,68 +4256,103 @@
       </p:grpSpPr>
       <p:sp>
         <p:nvSpPr>
-          <p:cNvPr id="2" name="Título 1">
-            <a:extLst>
-              <a:ext uri="{FF2B5EF4-FFF2-40B4-BE49-F238E27FC236}">
-                <a16:creationId xmlns:a16="http://schemas.microsoft.com/office/drawing/2014/main" id="{A1BC85FE-BAC2-409F-B9FB-D0EC41AC2B1C}"/>
+          <p:cNvPr id="35" name="Rectangle 34">
+            <a:extLst>
+              <a:ext uri="{FF2B5EF4-FFF2-40B4-BE49-F238E27FC236}">
+                <a16:creationId xmlns:a16="http://schemas.microsoft.com/office/drawing/2014/main" id="{16B067B1-F4E5-4FDF-813D-C9E872E80075}"/>
+              </a:ext>
+              <a:ext uri="{C183D7F6-B498-43B3-948B-1728B52AA6E4}">
+                <adec:decorative xmlns:adec="http://schemas.microsoft.com/office/drawing/2017/decorative" val="1"/>
               </a:ext>
             </a:extLst>
           </p:cNvPr>
           <p:cNvSpPr>
-            <a:spLocks noGrp="1"/>
+            <a:spLocks noGrp="1" noRot="1" noChangeAspect="1" noMove="1" noResize="1" noEditPoints="1" noAdjustHandles="1" noChangeArrowheads="1" noChangeShapeType="1" noTextEdit="1"/>
           </p:cNvSpPr>
           <p:nvPr>
-            <p:ph type="title"/>
+            <p:extLst>
+              <p:ext uri="{386F3935-93C4-4BCD-93E2-E3B085C9AB24}">
+                <p16:designElem xmlns:p16="http://schemas.microsoft.com/office/powerpoint/2015/main" val="1"/>
+              </p:ext>
+            </p:extLst>
           </p:nvPr>
         </p:nvSpPr>
         <p:spPr>
           <a:xfrm>
-            <a:off x="838200" y="365125"/>
-            <a:ext cx="10663238" cy="1460500"/>
+            <a:off x="0" y="0"/>
+            <a:ext cx="12192000" cy="6858000"/>
           </a:xfrm>
+          <a:prstGeom prst="rect">
+            <a:avLst/>
+          </a:prstGeom>
+          <a:gradFill flip="none" rotWithShape="1">
+            <a:gsLst>
+              <a:gs pos="0">
+                <a:schemeClr val="accent1"/>
+              </a:gs>
+              <a:gs pos="100000">
+                <a:schemeClr val="accent2"/>
+              </a:gs>
+            </a:gsLst>
+            <a:lin ang="2700000" scaled="1"/>
+            <a:tileRect/>
+          </a:gradFill>
+          <a:ln>
+            <a:noFill/>
+          </a:ln>
         </p:spPr>
+        <p:style>
+          <a:lnRef idx="2">
+            <a:schemeClr val="accent1">
+              <a:shade val="50000"/>
+            </a:schemeClr>
+          </a:lnRef>
+          <a:fillRef idx="1">
+            <a:schemeClr val="accent1"/>
+          </a:fillRef>
+          <a:effectRef idx="0">
+            <a:schemeClr val="accent1"/>
+          </a:effectRef>
+          <a:fontRef idx="minor">
+            <a:schemeClr val="lt1"/>
+          </a:fontRef>
+        </p:style>
         <p:txBody>
-          <a:bodyPr/>
+          <a:bodyPr rtlCol="0" anchor="ctr"/>
           <a:lstStyle/>
           <a:p>
-            <a:r>
-              <a:rPr lang="es-CO" b="1">
-                <a:solidFill>
-                  <a:schemeClr val="bg1"/>
-                </a:solidFill>
-              </a:rPr>
-              <a:t>Repositorio – Branch: Documentación</a:t>
-            </a:r>
+            <a:pPr algn="ctr"/>
+            <a:endParaRPr lang="en-US"/>
           </a:p>
         </p:txBody>
       </p:sp>
       <p:pic>
         <p:nvPicPr>
-          <p:cNvPr id="7" name="Marcador de contenido 6">
-            <a:extLst>
-              <a:ext uri="{FF2B5EF4-FFF2-40B4-BE49-F238E27FC236}">
-                <a16:creationId xmlns:a16="http://schemas.microsoft.com/office/drawing/2014/main" id="{10A4679F-2E50-4A56-9FD7-30DAEC86822B}"/>
+          <p:cNvPr id="10" name="Picture 10" descr="Text&#10;&#10;Description automatically generated">
+            <a:extLst>
+              <a:ext uri="{FF2B5EF4-FFF2-40B4-BE49-F238E27FC236}">
+                <a16:creationId xmlns:a16="http://schemas.microsoft.com/office/drawing/2014/main" id="{9BFF64F8-6A1F-4CE8-8628-9926DC7F8814}"/>
               </a:ext>
             </a:extLst>
           </p:cNvPr>
           <p:cNvPicPr>
-            <a:picLocks noGrp="1" noChangeAspect="1"/>
+            <a:picLocks noChangeAspect="1"/>
           </p:cNvPicPr>
-          <p:nvPr>
-            <p:ph idx="1"/>
-          </p:nvPr>
+          <p:nvPr/>
         </p:nvPicPr>
-        <p:blipFill>
+        <p:blipFill rotWithShape="1">
           <a:blip r:embed="rId2"/>
-          <a:stretch>
-            <a:fillRect/>
-          </a:stretch>
+          <a:srcRect r="10917" b="1"/>
+          <a:stretch/>
         </p:blipFill>
         <p:spPr>
           <a:xfrm>
-            <a:off x="981075" y="2205831"/>
-            <a:ext cx="10229850" cy="3590925"/>
+            <a:off x="307775" y="261437"/>
+            <a:ext cx="11576450" cy="6335126"/>
           </a:xfrm>
+          <a:prstGeom prst="rect">
+            <a:avLst/>
+          </a:prstGeom>
         </p:spPr>
       </p:pic>
       <p:sp>
@@ -5543,16 +4371,41 @@
             <p:ph type="sldNum" sz="quarter" idx="12"/>
           </p:nvPr>
         </p:nvSpPr>
-        <p:spPr/>
+        <p:spPr>
+          <a:xfrm>
+            <a:off x="8610600" y="6356350"/>
+            <a:ext cx="2743200" cy="365125"/>
+          </a:xfrm>
+        </p:spPr>
         <p:txBody>
-          <a:bodyPr/>
+          <a:bodyPr vert="horz" lIns="91440" tIns="45720" rIns="91440" bIns="45720" rtlCol="0" anchor="ctr">
+            <a:normAutofit/>
+          </a:bodyPr>
           <a:lstStyle/>
           <a:p>
+            <a:pPr>
+              <a:spcAft>
+                <a:spcPts val="600"/>
+              </a:spcAft>
+            </a:pPr>
             <a:fld id="{A59AE7EA-4493-405D-9A66-B6513C9897B9}" type="slidenum">
-              <a:rPr lang="es-CO" smtClean="0"/>
+              <a:rPr lang="en-US">
+                <a:solidFill>
+                  <a:srgbClr val="FFFFFF"/>
+                </a:solidFill>
+              </a:rPr>
+              <a:pPr>
+                <a:spcAft>
+                  <a:spcPts val="600"/>
+                </a:spcAft>
+              </a:pPr>
               <a:t>10</a:t>
             </a:fld>
-            <a:endParaRPr lang="es-CO"/>
+            <a:endParaRPr lang="en-US">
+              <a:solidFill>
+                <a:srgbClr val="FFFFFF"/>
+              </a:solidFill>
+            </a:endParaRPr>
           </a:p>
         </p:txBody>
       </p:sp>
@@ -5575,9 +4428,7 @@
     <p:bg>
       <p:bgPr>
         <a:solidFill>
-          <a:srgbClr val="790568">
-            <a:alpha val="59000"/>
-          </a:srgbClr>
+          <a:schemeClr val="bg1"/>
         </a:solidFill>
         <a:effectLst/>
       </p:bgPr>
@@ -5598,10 +4449,10 @@
       </p:grpSpPr>
       <p:sp useBgFill="1">
         <p:nvSpPr>
-          <p:cNvPr id="40" name="Rectangle 12">
-            <a:extLst>
-              <a:ext uri="{FF2B5EF4-FFF2-40B4-BE49-F238E27FC236}">
-                <a16:creationId xmlns:a16="http://schemas.microsoft.com/office/drawing/2014/main" id="{8537B233-9CDD-4A90-AABB-A8963DEE4FBC}"/>
+          <p:cNvPr id="61" name="Rectangle 60">
+            <a:extLst>
+              <a:ext uri="{FF2B5EF4-FFF2-40B4-BE49-F238E27FC236}">
+                <a16:creationId xmlns:a16="http://schemas.microsoft.com/office/drawing/2014/main" id="{5BF4DF2C-F028-4921-9C23-41303F650A62}"/>
               </a:ext>
               <a:ext uri="{C183D7F6-B498-43B3-948B-1728B52AA6E4}">
                 <adec:decorative xmlns:adec="http://schemas.microsoft.com/office/drawing/2017/decorative" val="1"/>
@@ -5621,7 +4472,7 @@
         </p:nvSpPr>
         <p:spPr>
           <a:xfrm>
-            <a:off x="0" y="1"/>
+            <a:off x="0" y="0"/>
             <a:ext cx="12192000" cy="6858000"/>
           </a:xfrm>
           <a:prstGeom prst="rect">
@@ -5651,36 +4502,83 @@
           <a:bodyPr rtlCol="0" anchor="ctr"/>
           <a:lstStyle/>
           <a:p>
-            <a:pPr marL="0" marR="0" lvl="0" indent="0" algn="ctr" defTabSz="914400" rtl="0" eaLnBrk="1" fontAlgn="auto" latinLnBrk="0" hangingPunct="1">
-              <a:lnSpc>
-                <a:spcPct val="100000"/>
-              </a:lnSpc>
-              <a:spcBef>
-                <a:spcPts val="0"/>
-              </a:spcBef>
-              <a:spcAft>
-                <a:spcPts val="0"/>
-              </a:spcAft>
-              <a:buClrTx/>
-              <a:buSzTx/>
-              <a:buFontTx/>
-              <a:buNone/>
-              <a:tabLst/>
-              <a:defRPr/>
-            </a:pPr>
-            <a:endParaRPr kumimoji="0" lang="en-US" sz="1800" b="0" i="0" u="none" strike="noStrike" kern="1200" cap="none" spc="0" normalizeH="0" baseline="0" noProof="0">
-              <a:ln>
-                <a:noFill/>
-              </a:ln>
+            <a:pPr algn="ctr"/>
+            <a:endParaRPr lang="en-US"/>
+          </a:p>
+        </p:txBody>
+      </p:sp>
+      <p:sp>
+        <p:nvSpPr>
+          <p:cNvPr id="63" name="Rectangle 62">
+            <a:extLst>
+              <a:ext uri="{FF2B5EF4-FFF2-40B4-BE49-F238E27FC236}">
+                <a16:creationId xmlns:a16="http://schemas.microsoft.com/office/drawing/2014/main" id="{158B3569-73B2-4D05-8E95-886A6EE17F1F}"/>
+              </a:ext>
+              <a:ext uri="{C183D7F6-B498-43B3-948B-1728B52AA6E4}">
+                <adec:decorative xmlns:adec="http://schemas.microsoft.com/office/drawing/2017/decorative" val="1"/>
+              </a:ext>
+            </a:extLst>
+          </p:cNvPr>
+          <p:cNvSpPr>
+            <a:spLocks noGrp="1" noRot="1" noChangeAspect="1" noMove="1" noResize="1" noEditPoints="1" noAdjustHandles="1" noChangeArrowheads="1" noChangeShapeType="1" noTextEdit="1"/>
+          </p:cNvSpPr>
+          <p:nvPr>
+            <p:extLst>
+              <p:ext uri="{386F3935-93C4-4BCD-93E2-E3B085C9AB24}">
+                <p16:designElem xmlns:p16="http://schemas.microsoft.com/office/powerpoint/2015/main" val="1"/>
+              </p:ext>
+            </p:extLst>
+          </p:nvPr>
+        </p:nvSpPr>
+        <p:spPr>
+          <a:xfrm>
+            <a:off x="0" y="0"/>
+            <a:ext cx="12192000" cy="6858000"/>
+          </a:xfrm>
+          <a:prstGeom prst="rect">
+            <a:avLst/>
+          </a:prstGeom>
+          <a:gradFill flip="none" rotWithShape="1">
+            <a:gsLst>
+              <a:gs pos="0">
+                <a:schemeClr val="accent1"/>
+              </a:gs>
+              <a:gs pos="100000">
+                <a:schemeClr val="accent2"/>
+              </a:gs>
+            </a:gsLst>
+            <a:lin ang="2700000" scaled="1"/>
+            <a:tileRect/>
+          </a:gradFill>
+          <a:ln>
+            <a:noFill/>
+          </a:ln>
+        </p:spPr>
+        <p:style>
+          <a:lnRef idx="2">
+            <a:schemeClr val="accent1">
+              <a:shade val="50000"/>
+            </a:schemeClr>
+          </a:lnRef>
+          <a:fillRef idx="1">
+            <a:schemeClr val="accent1"/>
+          </a:fillRef>
+          <a:effectRef idx="0">
+            <a:schemeClr val="accent1"/>
+          </a:effectRef>
+          <a:fontRef idx="minor">
+            <a:schemeClr val="lt1"/>
+          </a:fontRef>
+        </p:style>
+        <p:txBody>
+          <a:bodyPr rtlCol="0" anchor="ctr"/>
+          <a:lstStyle/>
+          <a:p>
+            <a:pPr algn="ctr"/>
+            <a:endParaRPr lang="en-US">
               <a:solidFill>
-                <a:prstClr val="white"/>
+                <a:srgbClr val="FFFFFF"/>
               </a:solidFill>
-              <a:effectLst/>
-              <a:uLnTx/>
-              <a:uFillTx/>
-              <a:latin typeface="Tw Cen MT" panose="020B0602020104020603"/>
-              <a:ea typeface="+mn-ea"/>
-              <a:cs typeface="+mn-cs"/>
             </a:endParaRPr>
           </a:p>
         </p:txBody>
@@ -5703,20 +4601,21 @@
         </p:nvSpPr>
         <p:spPr>
           <a:xfrm>
-            <a:off x="841248" y="818457"/>
-            <a:ext cx="3322317" cy="2975876"/>
+            <a:off x="457200" y="1598246"/>
+            <a:ext cx="4412419" cy="3626217"/>
           </a:xfrm>
         </p:spPr>
         <p:txBody>
-          <a:bodyPr vert="horz" lIns="91440" tIns="45720" rIns="91440" bIns="45720" rtlCol="0" anchor="b">
+          <a:bodyPr vert="horz" lIns="91440" tIns="45720" rIns="91440" bIns="45720" rtlCol="0" anchor="t">
             <a:normAutofit/>
           </a:bodyPr>
           <a:lstStyle/>
           <a:p>
+            <a:pPr algn="r"/>
             <a:r>
-              <a:rPr lang="en-US" b="1" kern="1200">
+              <a:rPr lang="en-US" sz="7400" b="1" kern="1200">
                 <a:solidFill>
-                  <a:schemeClr val="tx1"/>
+                  <a:srgbClr val="FFFFFF"/>
                 </a:solidFill>
                 <a:latin typeface="+mj-lt"/>
                 <a:ea typeface="+mj-ea"/>
@@ -5727,12 +4626,68 @@
           </a:p>
         </p:txBody>
       </p:sp>
+      <p:sp>
+        <p:nvSpPr>
+          <p:cNvPr id="6" name="Marcador de número de diapositiva 5">
+            <a:extLst>
+              <a:ext uri="{FF2B5EF4-FFF2-40B4-BE49-F238E27FC236}">
+                <a16:creationId xmlns:a16="http://schemas.microsoft.com/office/drawing/2014/main" id="{CED93883-02C8-4DCA-8BAF-ADC3D8D4D135}"/>
+              </a:ext>
+            </a:extLst>
+          </p:cNvPr>
+          <p:cNvSpPr>
+            <a:spLocks noGrp="1"/>
+          </p:cNvSpPr>
+          <p:nvPr>
+            <p:ph type="sldNum" sz="quarter" idx="12"/>
+          </p:nvPr>
+        </p:nvSpPr>
+        <p:spPr>
+          <a:xfrm>
+            <a:off x="8610600" y="224937"/>
+            <a:ext cx="2743200" cy="365125"/>
+          </a:xfrm>
+        </p:spPr>
+        <p:txBody>
+          <a:bodyPr vert="horz" lIns="91440" tIns="45720" rIns="91440" bIns="45720" rtlCol="0" anchor="ctr">
+            <a:normAutofit/>
+          </a:bodyPr>
+          <a:lstStyle/>
+          <a:p>
+            <a:pPr>
+              <a:spcAft>
+                <a:spcPts val="600"/>
+              </a:spcAft>
+              <a:defRPr/>
+            </a:pPr>
+            <a:fld id="{A59AE7EA-4493-405D-9A66-B6513C9897B9}" type="slidenum">
+              <a:rPr lang="en-US">
+                <a:solidFill>
+                  <a:srgbClr val="FFFFFF"/>
+                </a:solidFill>
+              </a:rPr>
+              <a:pPr>
+                <a:spcAft>
+                  <a:spcPts val="600"/>
+                </a:spcAft>
+                <a:defRPr/>
+              </a:pPr>
+              <a:t>2</a:t>
+            </a:fld>
+            <a:endParaRPr lang="en-US">
+              <a:solidFill>
+                <a:srgbClr val="FFFFFF"/>
+              </a:solidFill>
+            </a:endParaRPr>
+          </a:p>
+        </p:txBody>
+      </p:sp>
       <p:cxnSp>
         <p:nvCxnSpPr>
-          <p:cNvPr id="41" name="Straight Connector 14">
-            <a:extLst>
-              <a:ext uri="{FF2B5EF4-FFF2-40B4-BE49-F238E27FC236}">
-                <a16:creationId xmlns:a16="http://schemas.microsoft.com/office/drawing/2014/main" id="{040575EE-C594-4566-BC00-663004E52AB5}"/>
+          <p:cNvPr id="65" name="Straight Connector 64">
+            <a:extLst>
+              <a:ext uri="{FF2B5EF4-FFF2-40B4-BE49-F238E27FC236}">
+                <a16:creationId xmlns:a16="http://schemas.microsoft.com/office/drawing/2014/main" id="{56020367-4FD5-4596-8E10-C5F095CD8DBF}"/>
               </a:ext>
               <a:ext uri="{C183D7F6-B498-43B3-948B-1728B52AA6E4}">
                 <adec:decorative xmlns:adec="http://schemas.microsoft.com/office/drawing/2017/decorative" val="1"/>
@@ -5752,16 +4707,17 @@
         </p:nvCxnSpPr>
         <p:spPr>
           <a:xfrm>
-            <a:off x="4763566" y="1417320"/>
-            <a:ext cx="0" cy="4023360"/>
+            <a:off x="5447322" y="1589368"/>
+            <a:ext cx="0" cy="5259754"/>
           </a:xfrm>
           <a:prstGeom prst="line">
             <a:avLst/>
           </a:prstGeom>
-          <a:ln w="15875">
+          <a:ln w="25400" cap="sq">
             <a:solidFill>
-              <a:schemeClr val="tx1"/>
+              <a:srgbClr val="FFFFFF"/>
             </a:solidFill>
+            <a:bevel/>
           </a:ln>
         </p:spPr>
         <p:style>
@@ -5781,10 +4737,10 @@
       </p:cxnSp>
       <p:pic>
         <p:nvPicPr>
-          <p:cNvPr id="5" name="Marcador de contenido 4" descr="Interfaz de usuario gráfica&#10;&#10;Descripción generada automáticamente">
-            <a:extLst>
-              <a:ext uri="{FF2B5EF4-FFF2-40B4-BE49-F238E27FC236}">
-                <a16:creationId xmlns:a16="http://schemas.microsoft.com/office/drawing/2014/main" id="{4B2A0D18-0550-4694-8F5F-5BB92A38D45D}"/>
+          <p:cNvPr id="3" name="Picture 3" descr="Graphical user interface&#10;&#10;Description automatically generated">
+            <a:extLst>
+              <a:ext uri="{FF2B5EF4-FFF2-40B4-BE49-F238E27FC236}">
+                <a16:creationId xmlns:a16="http://schemas.microsoft.com/office/drawing/2014/main" id="{182767E0-F10F-41F6-B1FA-368871EC9898}"/>
               </a:ext>
             </a:extLst>
           </p:cNvPr>
@@ -5794,56 +4750,422 @@
           <p:nvPr/>
         </p:nvPicPr>
         <p:blipFill>
-          <a:blip r:embed="rId2">
-            <a:extLst>
-              <a:ext uri="{28A0092B-C50C-407E-A947-70E740481C1C}">
-                <a14:useLocalDpi xmlns:a14="http://schemas.microsoft.com/office/drawing/2010/main" val="0"/>
-              </a:ext>
-            </a:extLst>
-          </a:blip>
+          <a:blip r:embed="rId2"/>
           <a:stretch>
             <a:fillRect/>
           </a:stretch>
         </p:blipFill>
         <p:spPr>
           <a:xfrm>
-            <a:off x="5344678" y="894609"/>
-            <a:ext cx="6436548" cy="5068781"/>
+            <a:off x="5986925" y="1720790"/>
+            <a:ext cx="5664133" cy="4474665"/>
           </a:xfrm>
           <a:prstGeom prst="rect">
             <a:avLst/>
           </a:prstGeom>
         </p:spPr>
       </p:pic>
-      <p:sp>
-        <p:nvSpPr>
-          <p:cNvPr id="6" name="Marcador de número de diapositiva 5">
-            <a:extLst>
-              <a:ext uri="{FF2B5EF4-FFF2-40B4-BE49-F238E27FC236}">
-                <a16:creationId xmlns:a16="http://schemas.microsoft.com/office/drawing/2014/main" id="{CED93883-02C8-4DCA-8BAF-ADC3D8D4D135}"/>
-              </a:ext>
-            </a:extLst>
-          </p:cNvPr>
-          <p:cNvSpPr>
-            <a:spLocks noGrp="1"/>
-          </p:cNvSpPr>
-          <p:nvPr>
-            <p:ph type="sldNum" sz="quarter" idx="12"/>
-          </p:nvPr>
-        </p:nvSpPr>
-        <p:spPr/>
-        <p:txBody>
-          <a:bodyPr/>
-          <a:lstStyle/>
-          <a:p>
-            <a:fld id="{A59AE7EA-4493-405D-9A66-B6513C9897B9}" type="slidenum">
-              <a:rPr lang="es-CO" smtClean="0"/>
-              <a:t>2</a:t>
-            </a:fld>
-            <a:endParaRPr lang="es-CO"/>
-          </a:p>
-        </p:txBody>
-      </p:sp>
+      <p:grpSp>
+        <p:nvGrpSpPr>
+          <p:cNvPr id="67" name="Group 66">
+            <a:extLst>
+              <a:ext uri="{FF2B5EF4-FFF2-40B4-BE49-F238E27FC236}">
+                <a16:creationId xmlns:a16="http://schemas.microsoft.com/office/drawing/2014/main" id="{892B7B61-D701-474B-AE8F-EA238B550A78}"/>
+              </a:ext>
+              <a:ext uri="{C183D7F6-B498-43B3-948B-1728B52AA6E4}">
+                <adec:decorative xmlns:adec="http://schemas.microsoft.com/office/drawing/2017/decorative" val="1"/>
+              </a:ext>
+            </a:extLst>
+          </p:cNvPr>
+          <p:cNvGrpSpPr>
+            <a:grpSpLocks noGrp="1" noUngrp="1" noRot="1" noChangeAspect="1" noMove="1" noResize="1"/>
+          </p:cNvGrpSpPr>
+          <p:nvPr>
+            <p:extLst>
+              <p:ext uri="{386F3935-93C4-4BCD-93E2-E3B085C9AB24}">
+                <p16:designElem xmlns:p16="http://schemas.microsoft.com/office/powerpoint/2015/main" val="1"/>
+              </p:ext>
+            </p:extLst>
+          </p:nvPr>
+        </p:nvGrpSpPr>
+        <p:grpSpPr>
+          <a:xfrm>
+            <a:off x="11512034" y="1267063"/>
+            <a:ext cx="368480" cy="519967"/>
+            <a:chOff x="11512034" y="1267063"/>
+            <a:chExt cx="368480" cy="519967"/>
+          </a:xfrm>
+          <a:solidFill>
+            <a:srgbClr val="FFFFFF"/>
+          </a:solidFill>
+        </p:grpSpPr>
+        <p:sp>
+          <p:nvSpPr>
+            <p:cNvPr id="68" name="Graphic 17">
+              <a:extLst>
+                <a:ext uri="{FF2B5EF4-FFF2-40B4-BE49-F238E27FC236}">
+                  <a16:creationId xmlns:a16="http://schemas.microsoft.com/office/drawing/2014/main" id="{B71758F4-3F46-45DA-8AC5-4E508DA080BA}"/>
+                </a:ext>
+                <a:ext uri="{C183D7F6-B498-43B3-948B-1728B52AA6E4}">
+                  <adec:decorative xmlns:adec="http://schemas.microsoft.com/office/drawing/2017/decorative" val="1"/>
+                </a:ext>
+              </a:extLst>
+            </p:cNvPr>
+            <p:cNvSpPr/>
+            <p:nvPr>
+              <p:extLst>
+                <p:ext uri="{386F3935-93C4-4BCD-93E2-E3B085C9AB24}">
+                  <p16:designElem xmlns:p16="http://schemas.microsoft.com/office/powerpoint/2015/main" val="1"/>
+                </p:ext>
+              </p:extLst>
+            </p:nvPr>
+          </p:nvSpPr>
+          <p:spPr>
+            <a:xfrm>
+              <a:off x="11512034" y="1267063"/>
+              <a:ext cx="139037" cy="139039"/>
+            </a:xfrm>
+            <a:custGeom>
+              <a:avLst/>
+              <a:gdLst>
+                <a:gd name="connsiteX0" fmla="*/ 129600 w 139037"/>
+                <a:gd name="connsiteY0" fmla="*/ 60082 h 139039"/>
+                <a:gd name="connsiteX1" fmla="*/ 78955 w 139037"/>
+                <a:gd name="connsiteY1" fmla="*/ 60082 h 139039"/>
+                <a:gd name="connsiteX2" fmla="*/ 78955 w 139037"/>
+                <a:gd name="connsiteY2" fmla="*/ 9437 h 139039"/>
+                <a:gd name="connsiteX3" fmla="*/ 69519 w 139037"/>
+                <a:gd name="connsiteY3" fmla="*/ 0 h 139039"/>
+                <a:gd name="connsiteX4" fmla="*/ 60082 w 139037"/>
+                <a:gd name="connsiteY4" fmla="*/ 9437 h 139039"/>
+                <a:gd name="connsiteX5" fmla="*/ 60082 w 139037"/>
+                <a:gd name="connsiteY5" fmla="*/ 60082 h 139039"/>
+                <a:gd name="connsiteX6" fmla="*/ 9437 w 139037"/>
+                <a:gd name="connsiteY6" fmla="*/ 60082 h 139039"/>
+                <a:gd name="connsiteX7" fmla="*/ 0 w 139037"/>
+                <a:gd name="connsiteY7" fmla="*/ 69520 h 139039"/>
+                <a:gd name="connsiteX8" fmla="*/ 9437 w 139037"/>
+                <a:gd name="connsiteY8" fmla="*/ 78957 h 139039"/>
+                <a:gd name="connsiteX9" fmla="*/ 60082 w 139037"/>
+                <a:gd name="connsiteY9" fmla="*/ 78957 h 139039"/>
+                <a:gd name="connsiteX10" fmla="*/ 60082 w 139037"/>
+                <a:gd name="connsiteY10" fmla="*/ 129602 h 139039"/>
+                <a:gd name="connsiteX11" fmla="*/ 69519 w 139037"/>
+                <a:gd name="connsiteY11" fmla="*/ 139039 h 139039"/>
+                <a:gd name="connsiteX12" fmla="*/ 78955 w 139037"/>
+                <a:gd name="connsiteY12" fmla="*/ 129602 h 139039"/>
+                <a:gd name="connsiteX13" fmla="*/ 78955 w 139037"/>
+                <a:gd name="connsiteY13" fmla="*/ 78957 h 139039"/>
+                <a:gd name="connsiteX14" fmla="*/ 129600 w 139037"/>
+                <a:gd name="connsiteY14" fmla="*/ 78957 h 139039"/>
+                <a:gd name="connsiteX15" fmla="*/ 139037 w 139037"/>
+                <a:gd name="connsiteY15" fmla="*/ 69520 h 139039"/>
+                <a:gd name="connsiteX16" fmla="*/ 129600 w 139037"/>
+                <a:gd name="connsiteY16" fmla="*/ 60082 h 139039"/>
+              </a:gdLst>
+              <a:ahLst/>
+              <a:cxnLst>
+                <a:cxn ang="0">
+                  <a:pos x="connsiteX0" y="connsiteY0"/>
+                </a:cxn>
+                <a:cxn ang="0">
+                  <a:pos x="connsiteX1" y="connsiteY1"/>
+                </a:cxn>
+                <a:cxn ang="0">
+                  <a:pos x="connsiteX2" y="connsiteY2"/>
+                </a:cxn>
+                <a:cxn ang="0">
+                  <a:pos x="connsiteX3" y="connsiteY3"/>
+                </a:cxn>
+                <a:cxn ang="0">
+                  <a:pos x="connsiteX4" y="connsiteY4"/>
+                </a:cxn>
+                <a:cxn ang="0">
+                  <a:pos x="connsiteX5" y="connsiteY5"/>
+                </a:cxn>
+                <a:cxn ang="0">
+                  <a:pos x="connsiteX6" y="connsiteY6"/>
+                </a:cxn>
+                <a:cxn ang="0">
+                  <a:pos x="connsiteX7" y="connsiteY7"/>
+                </a:cxn>
+                <a:cxn ang="0">
+                  <a:pos x="connsiteX8" y="connsiteY8"/>
+                </a:cxn>
+                <a:cxn ang="0">
+                  <a:pos x="connsiteX9" y="connsiteY9"/>
+                </a:cxn>
+                <a:cxn ang="0">
+                  <a:pos x="connsiteX10" y="connsiteY10"/>
+                </a:cxn>
+                <a:cxn ang="0">
+                  <a:pos x="connsiteX11" y="connsiteY11"/>
+                </a:cxn>
+                <a:cxn ang="0">
+                  <a:pos x="connsiteX12" y="connsiteY12"/>
+                </a:cxn>
+                <a:cxn ang="0">
+                  <a:pos x="connsiteX13" y="connsiteY13"/>
+                </a:cxn>
+                <a:cxn ang="0">
+                  <a:pos x="connsiteX14" y="connsiteY14"/>
+                </a:cxn>
+                <a:cxn ang="0">
+                  <a:pos x="connsiteX15" y="connsiteY15"/>
+                </a:cxn>
+                <a:cxn ang="0">
+                  <a:pos x="connsiteX16" y="connsiteY16"/>
+                </a:cxn>
+              </a:cxnLst>
+              <a:rect l="l" t="t" r="r" b="b"/>
+              <a:pathLst>
+                <a:path w="139037" h="139039">
+                  <a:moveTo>
+                    <a:pt x="129600" y="60082"/>
+                  </a:moveTo>
+                  <a:lnTo>
+                    <a:pt x="78955" y="60082"/>
+                  </a:lnTo>
+                  <a:lnTo>
+                    <a:pt x="78955" y="9437"/>
+                  </a:lnTo>
+                  <a:cubicBezTo>
+                    <a:pt x="78955" y="4225"/>
+                    <a:pt x="74730" y="0"/>
+                    <a:pt x="69519" y="0"/>
+                  </a:cubicBezTo>
+                  <a:cubicBezTo>
+                    <a:pt x="64307" y="0"/>
+                    <a:pt x="60082" y="4225"/>
+                    <a:pt x="60082" y="9437"/>
+                  </a:cubicBezTo>
+                  <a:lnTo>
+                    <a:pt x="60082" y="60082"/>
+                  </a:lnTo>
+                  <a:lnTo>
+                    <a:pt x="9437" y="60082"/>
+                  </a:lnTo>
+                  <a:cubicBezTo>
+                    <a:pt x="4225" y="60082"/>
+                    <a:pt x="0" y="64308"/>
+                    <a:pt x="0" y="69520"/>
+                  </a:cubicBezTo>
+                  <a:cubicBezTo>
+                    <a:pt x="0" y="74731"/>
+                    <a:pt x="4225" y="78957"/>
+                    <a:pt x="9437" y="78957"/>
+                  </a:cubicBezTo>
+                  <a:lnTo>
+                    <a:pt x="60082" y="78957"/>
+                  </a:lnTo>
+                  <a:lnTo>
+                    <a:pt x="60082" y="129602"/>
+                  </a:lnTo>
+                  <a:cubicBezTo>
+                    <a:pt x="60082" y="134814"/>
+                    <a:pt x="64307" y="139039"/>
+                    <a:pt x="69519" y="139039"/>
+                  </a:cubicBezTo>
+                  <a:cubicBezTo>
+                    <a:pt x="74730" y="139039"/>
+                    <a:pt x="78955" y="134814"/>
+                    <a:pt x="78955" y="129602"/>
+                  </a:cubicBezTo>
+                  <a:lnTo>
+                    <a:pt x="78955" y="78957"/>
+                  </a:lnTo>
+                  <a:lnTo>
+                    <a:pt x="129600" y="78957"/>
+                  </a:lnTo>
+                  <a:cubicBezTo>
+                    <a:pt x="134812" y="78957"/>
+                    <a:pt x="139037" y="74731"/>
+                    <a:pt x="139037" y="69520"/>
+                  </a:cubicBezTo>
+                  <a:cubicBezTo>
+                    <a:pt x="139037" y="64308"/>
+                    <a:pt x="134812" y="60082"/>
+                    <a:pt x="129600" y="60082"/>
+                  </a:cubicBezTo>
+                  <a:close/>
+                </a:path>
+              </a:pathLst>
+            </a:custGeom>
+            <a:grpFill/>
+            <a:ln w="603" cap="flat">
+              <a:noFill/>
+              <a:prstDash val="solid"/>
+              <a:miter/>
+            </a:ln>
+          </p:spPr>
+          <p:txBody>
+            <a:bodyPr rtlCol="0" anchor="ctr"/>
+            <a:lstStyle/>
+            <a:p>
+              <a:endParaRPr lang="en-US">
+                <a:solidFill>
+                  <a:srgbClr val="FFFFFF"/>
+                </a:solidFill>
+              </a:endParaRPr>
+            </a:p>
+          </p:txBody>
+        </p:sp>
+        <p:sp>
+          <p:nvSpPr>
+            <p:cNvPr id="69" name="Graphic 21">
+              <a:extLst>
+                <a:ext uri="{FF2B5EF4-FFF2-40B4-BE49-F238E27FC236}">
+                  <a16:creationId xmlns:a16="http://schemas.microsoft.com/office/drawing/2014/main" id="{8D61482F-F3C5-4D66-8C5D-C6BBE3E1275C}"/>
+                </a:ext>
+                <a:ext uri="{C183D7F6-B498-43B3-948B-1728B52AA6E4}">
+                  <adec:decorative xmlns:adec="http://schemas.microsoft.com/office/drawing/2017/decorative" val="1"/>
+                </a:ext>
+              </a:extLst>
+            </p:cNvPr>
+            <p:cNvSpPr/>
+            <p:nvPr>
+              <p:extLst>
+                <p:ext uri="{386F3935-93C4-4BCD-93E2-E3B085C9AB24}">
+                  <p16:designElem xmlns:p16="http://schemas.microsoft.com/office/powerpoint/2015/main" val="1"/>
+                </p:ext>
+              </p:extLst>
+            </p:nvPr>
+          </p:nvSpPr>
+          <p:spPr>
+            <a:xfrm>
+              <a:off x="11752801" y="1659316"/>
+              <a:ext cx="127713" cy="127714"/>
+            </a:xfrm>
+            <a:custGeom>
+              <a:avLst/>
+              <a:gdLst>
+                <a:gd name="connsiteX0" fmla="*/ 63857 w 127713"/>
+                <a:gd name="connsiteY0" fmla="*/ 18874 h 127714"/>
+                <a:gd name="connsiteX1" fmla="*/ 108839 w 127713"/>
+                <a:gd name="connsiteY1" fmla="*/ 63857 h 127714"/>
+                <a:gd name="connsiteX2" fmla="*/ 63857 w 127713"/>
+                <a:gd name="connsiteY2" fmla="*/ 108840 h 127714"/>
+                <a:gd name="connsiteX3" fmla="*/ 18874 w 127713"/>
+                <a:gd name="connsiteY3" fmla="*/ 63857 h 127714"/>
+                <a:gd name="connsiteX4" fmla="*/ 63857 w 127713"/>
+                <a:gd name="connsiteY4" fmla="*/ 18874 h 127714"/>
+                <a:gd name="connsiteX5" fmla="*/ 63857 w 127713"/>
+                <a:gd name="connsiteY5" fmla="*/ 0 h 127714"/>
+                <a:gd name="connsiteX6" fmla="*/ 0 w 127713"/>
+                <a:gd name="connsiteY6" fmla="*/ 63857 h 127714"/>
+                <a:gd name="connsiteX7" fmla="*/ 63857 w 127713"/>
+                <a:gd name="connsiteY7" fmla="*/ 127714 h 127714"/>
+                <a:gd name="connsiteX8" fmla="*/ 127713 w 127713"/>
+                <a:gd name="connsiteY8" fmla="*/ 63857 h 127714"/>
+                <a:gd name="connsiteX9" fmla="*/ 63857 w 127713"/>
+                <a:gd name="connsiteY9" fmla="*/ 0 h 127714"/>
+              </a:gdLst>
+              <a:ahLst/>
+              <a:cxnLst>
+                <a:cxn ang="0">
+                  <a:pos x="connsiteX0" y="connsiteY0"/>
+                </a:cxn>
+                <a:cxn ang="0">
+                  <a:pos x="connsiteX1" y="connsiteY1"/>
+                </a:cxn>
+                <a:cxn ang="0">
+                  <a:pos x="connsiteX2" y="connsiteY2"/>
+                </a:cxn>
+                <a:cxn ang="0">
+                  <a:pos x="connsiteX3" y="connsiteY3"/>
+                </a:cxn>
+                <a:cxn ang="0">
+                  <a:pos x="connsiteX4" y="connsiteY4"/>
+                </a:cxn>
+                <a:cxn ang="0">
+                  <a:pos x="connsiteX5" y="connsiteY5"/>
+                </a:cxn>
+                <a:cxn ang="0">
+                  <a:pos x="connsiteX6" y="connsiteY6"/>
+                </a:cxn>
+                <a:cxn ang="0">
+                  <a:pos x="connsiteX7" y="connsiteY7"/>
+                </a:cxn>
+                <a:cxn ang="0">
+                  <a:pos x="connsiteX8" y="connsiteY8"/>
+                </a:cxn>
+                <a:cxn ang="0">
+                  <a:pos x="connsiteX9" y="connsiteY9"/>
+                </a:cxn>
+              </a:cxnLst>
+              <a:rect l="l" t="t" r="r" b="b"/>
+              <a:pathLst>
+                <a:path w="127713" h="127714">
+                  <a:moveTo>
+                    <a:pt x="63857" y="18874"/>
+                  </a:moveTo>
+                  <a:cubicBezTo>
+                    <a:pt x="88700" y="18874"/>
+                    <a:pt x="108839" y="39014"/>
+                    <a:pt x="108839" y="63857"/>
+                  </a:cubicBezTo>
+                  <a:cubicBezTo>
+                    <a:pt x="108839" y="88700"/>
+                    <a:pt x="88700" y="108840"/>
+                    <a:pt x="63857" y="108840"/>
+                  </a:cubicBezTo>
+                  <a:cubicBezTo>
+                    <a:pt x="39013" y="108840"/>
+                    <a:pt x="18874" y="88700"/>
+                    <a:pt x="18874" y="63857"/>
+                  </a:cubicBezTo>
+                  <a:cubicBezTo>
+                    <a:pt x="18898" y="39024"/>
+                    <a:pt x="39023" y="18898"/>
+                    <a:pt x="63857" y="18874"/>
+                  </a:cubicBezTo>
+                  <a:moveTo>
+                    <a:pt x="63857" y="0"/>
+                  </a:moveTo>
+                  <a:cubicBezTo>
+                    <a:pt x="28590" y="0"/>
+                    <a:pt x="0" y="28590"/>
+                    <a:pt x="0" y="63857"/>
+                  </a:cubicBezTo>
+                  <a:cubicBezTo>
+                    <a:pt x="0" y="99124"/>
+                    <a:pt x="28590" y="127714"/>
+                    <a:pt x="63857" y="127714"/>
+                  </a:cubicBezTo>
+                  <a:cubicBezTo>
+                    <a:pt x="99124" y="127714"/>
+                    <a:pt x="127713" y="99124"/>
+                    <a:pt x="127713" y="63857"/>
+                  </a:cubicBezTo>
+                  <a:cubicBezTo>
+                    <a:pt x="127713" y="28590"/>
+                    <a:pt x="99124" y="0"/>
+                    <a:pt x="63857" y="0"/>
+                  </a:cubicBezTo>
+                  <a:close/>
+                </a:path>
+              </a:pathLst>
+            </a:custGeom>
+            <a:grpFill/>
+            <a:ln w="610" cap="flat">
+              <a:noFill/>
+              <a:prstDash val="solid"/>
+              <a:miter/>
+            </a:ln>
+          </p:spPr>
+          <p:txBody>
+            <a:bodyPr rtlCol="0" anchor="ctr"/>
+            <a:lstStyle/>
+            <a:p>
+              <a:endParaRPr lang="en-US">
+                <a:solidFill>
+                  <a:srgbClr val="FFFFFF"/>
+                </a:solidFill>
+              </a:endParaRPr>
+            </a:p>
+          </p:txBody>
+        </p:sp>
+      </p:grpSp>
     </p:spTree>
     <p:extLst>
       <p:ext uri="{BB962C8B-B14F-4D97-AF65-F5344CB8AC3E}">
@@ -5852,7 +5174,7 @@
     </p:extLst>
   </p:cSld>
   <p:clrMapOvr>
-    <a:overrideClrMapping bg1="dk1" tx1="lt1" bg2="dk2" tx2="lt2" accent1="accent1" accent2="accent2" accent3="accent3" accent4="accent4" accent5="accent5" accent6="accent6" hlink="hlink" folHlink="folHlink"/>
+    <a:masterClrMapping/>
   </p:clrMapOvr>
 </p:sld>
 </file>
@@ -5863,9 +5185,7 @@
     <p:bg>
       <p:bgPr>
         <a:solidFill>
-          <a:srgbClr val="790568">
-            <a:alpha val="59000"/>
-          </a:srgbClr>
+          <a:schemeClr val="bg1"/>
         </a:solidFill>
         <a:effectLst/>
       </p:bgPr>
@@ -5886,10 +5206,10 @@
       </p:grpSpPr>
       <p:sp useBgFill="1">
         <p:nvSpPr>
-          <p:cNvPr id="28" name="Rectangle 20">
-            <a:extLst>
-              <a:ext uri="{FF2B5EF4-FFF2-40B4-BE49-F238E27FC236}">
-                <a16:creationId xmlns:a16="http://schemas.microsoft.com/office/drawing/2014/main" id="{8537B233-9CDD-4A90-AABB-A8963DEE4FBC}"/>
+          <p:cNvPr id="49" name="Rectangle 48">
+            <a:extLst>
+              <a:ext uri="{FF2B5EF4-FFF2-40B4-BE49-F238E27FC236}">
+                <a16:creationId xmlns:a16="http://schemas.microsoft.com/office/drawing/2014/main" id="{5BF4DF2C-F028-4921-9C23-41303F650A62}"/>
               </a:ext>
               <a:ext uri="{C183D7F6-B498-43B3-948B-1728B52AA6E4}">
                 <adec:decorative xmlns:adec="http://schemas.microsoft.com/office/drawing/2017/decorative" val="1"/>
@@ -5909,7 +5229,7 @@
         </p:nvSpPr>
         <p:spPr>
           <a:xfrm>
-            <a:off x="0" y="1"/>
+            <a:off x="0" y="0"/>
             <a:ext cx="12192000" cy="6858000"/>
           </a:xfrm>
           <a:prstGeom prst="rect">
@@ -5939,36 +5259,83 @@
           <a:bodyPr rtlCol="0" anchor="ctr"/>
           <a:lstStyle/>
           <a:p>
-            <a:pPr marL="0" marR="0" lvl="0" indent="0" algn="ctr" defTabSz="914400" rtl="0" eaLnBrk="1" fontAlgn="auto" latinLnBrk="0" hangingPunct="1">
-              <a:lnSpc>
-                <a:spcPct val="100000"/>
-              </a:lnSpc>
-              <a:spcBef>
-                <a:spcPts val="0"/>
-              </a:spcBef>
-              <a:spcAft>
-                <a:spcPts val="0"/>
-              </a:spcAft>
-              <a:buClrTx/>
-              <a:buSzTx/>
-              <a:buFontTx/>
-              <a:buNone/>
-              <a:tabLst/>
-              <a:defRPr/>
-            </a:pPr>
-            <a:endParaRPr kumimoji="0" lang="en-US" sz="1800" b="0" i="0" u="none" strike="noStrike" kern="1200" cap="none" spc="0" normalizeH="0" baseline="0" noProof="0">
-              <a:ln>
-                <a:noFill/>
-              </a:ln>
+            <a:pPr algn="ctr"/>
+            <a:endParaRPr lang="en-US"/>
+          </a:p>
+        </p:txBody>
+      </p:sp>
+      <p:sp>
+        <p:nvSpPr>
+          <p:cNvPr id="51" name="Rectangle 50">
+            <a:extLst>
+              <a:ext uri="{FF2B5EF4-FFF2-40B4-BE49-F238E27FC236}">
+                <a16:creationId xmlns:a16="http://schemas.microsoft.com/office/drawing/2014/main" id="{158B3569-73B2-4D05-8E95-886A6EE17F1F}"/>
+              </a:ext>
+              <a:ext uri="{C183D7F6-B498-43B3-948B-1728B52AA6E4}">
+                <adec:decorative xmlns:adec="http://schemas.microsoft.com/office/drawing/2017/decorative" val="1"/>
+              </a:ext>
+            </a:extLst>
+          </p:cNvPr>
+          <p:cNvSpPr>
+            <a:spLocks noGrp="1" noRot="1" noChangeAspect="1" noMove="1" noResize="1" noEditPoints="1" noAdjustHandles="1" noChangeArrowheads="1" noChangeShapeType="1" noTextEdit="1"/>
+          </p:cNvSpPr>
+          <p:nvPr>
+            <p:extLst>
+              <p:ext uri="{386F3935-93C4-4BCD-93E2-E3B085C9AB24}">
+                <p16:designElem xmlns:p16="http://schemas.microsoft.com/office/powerpoint/2015/main" val="1"/>
+              </p:ext>
+            </p:extLst>
+          </p:nvPr>
+        </p:nvSpPr>
+        <p:spPr>
+          <a:xfrm>
+            <a:off x="0" y="0"/>
+            <a:ext cx="12192000" cy="6858000"/>
+          </a:xfrm>
+          <a:prstGeom prst="rect">
+            <a:avLst/>
+          </a:prstGeom>
+          <a:gradFill flip="none" rotWithShape="1">
+            <a:gsLst>
+              <a:gs pos="0">
+                <a:schemeClr val="accent1"/>
+              </a:gs>
+              <a:gs pos="100000">
+                <a:schemeClr val="accent2"/>
+              </a:gs>
+            </a:gsLst>
+            <a:lin ang="2700000" scaled="1"/>
+            <a:tileRect/>
+          </a:gradFill>
+          <a:ln>
+            <a:noFill/>
+          </a:ln>
+        </p:spPr>
+        <p:style>
+          <a:lnRef idx="2">
+            <a:schemeClr val="accent1">
+              <a:shade val="50000"/>
+            </a:schemeClr>
+          </a:lnRef>
+          <a:fillRef idx="1">
+            <a:schemeClr val="accent1"/>
+          </a:fillRef>
+          <a:effectRef idx="0">
+            <a:schemeClr val="accent1"/>
+          </a:effectRef>
+          <a:fontRef idx="minor">
+            <a:schemeClr val="lt1"/>
+          </a:fontRef>
+        </p:style>
+        <p:txBody>
+          <a:bodyPr rtlCol="0" anchor="ctr"/>
+          <a:lstStyle/>
+          <a:p>
+            <a:pPr algn="ctr"/>
+            <a:endParaRPr lang="en-US">
               <a:solidFill>
-                <a:prstClr val="white"/>
+                <a:srgbClr val="FFFFFF"/>
               </a:solidFill>
-              <a:effectLst/>
-              <a:uLnTx/>
-              <a:uFillTx/>
-              <a:latin typeface="Tw Cen MT" panose="020B0602020104020603"/>
-              <a:ea typeface="+mn-ea"/>
-              <a:cs typeface="+mn-cs"/>
             </a:endParaRPr>
           </a:p>
         </p:txBody>
@@ -5991,20 +5358,21 @@
         </p:nvSpPr>
         <p:spPr>
           <a:xfrm>
-            <a:off x="841248" y="818457"/>
-            <a:ext cx="3322317" cy="2975876"/>
+            <a:off x="457200" y="1598246"/>
+            <a:ext cx="4412419" cy="3626217"/>
           </a:xfrm>
         </p:spPr>
         <p:txBody>
-          <a:bodyPr vert="horz" lIns="91440" tIns="45720" rIns="91440" bIns="45720" rtlCol="0" anchor="b">
+          <a:bodyPr vert="horz" lIns="91440" tIns="45720" rIns="91440" bIns="45720" rtlCol="0" anchor="t">
             <a:normAutofit/>
           </a:bodyPr>
           <a:lstStyle/>
           <a:p>
+            <a:pPr algn="r"/>
             <a:r>
-              <a:rPr lang="en-US" b="1" kern="1200">
+              <a:rPr lang="en-US" sz="7400" b="1" kern="1200">
                 <a:solidFill>
-                  <a:schemeClr val="tx1"/>
+                  <a:srgbClr val="FFFFFF"/>
                 </a:solidFill>
                 <a:latin typeface="+mj-lt"/>
                 <a:ea typeface="+mj-ea"/>
@@ -6015,12 +5383,66 @@
           </a:p>
         </p:txBody>
       </p:sp>
+      <p:sp>
+        <p:nvSpPr>
+          <p:cNvPr id="8" name="Marcador de número de diapositiva 7">
+            <a:extLst>
+              <a:ext uri="{FF2B5EF4-FFF2-40B4-BE49-F238E27FC236}">
+                <a16:creationId xmlns:a16="http://schemas.microsoft.com/office/drawing/2014/main" id="{9134F91B-66C9-4E40-BC74-8988C7BDC721}"/>
+              </a:ext>
+            </a:extLst>
+          </p:cNvPr>
+          <p:cNvSpPr>
+            <a:spLocks noGrp="1"/>
+          </p:cNvSpPr>
+          <p:nvPr>
+            <p:ph type="sldNum" sz="quarter" idx="12"/>
+          </p:nvPr>
+        </p:nvSpPr>
+        <p:spPr>
+          <a:xfrm>
+            <a:off x="8610600" y="224937"/>
+            <a:ext cx="2743200" cy="365125"/>
+          </a:xfrm>
+        </p:spPr>
+        <p:txBody>
+          <a:bodyPr vert="horz" lIns="91440" tIns="45720" rIns="91440" bIns="45720" rtlCol="0" anchor="ctr">
+            <a:normAutofit/>
+          </a:bodyPr>
+          <a:lstStyle/>
+          <a:p>
+            <a:pPr>
+              <a:spcAft>
+                <a:spcPts val="600"/>
+              </a:spcAft>
+            </a:pPr>
+            <a:fld id="{A59AE7EA-4493-405D-9A66-B6513C9897B9}" type="slidenum">
+              <a:rPr lang="en-US">
+                <a:solidFill>
+                  <a:srgbClr val="FFFFFF"/>
+                </a:solidFill>
+              </a:rPr>
+              <a:pPr>
+                <a:spcAft>
+                  <a:spcPts val="600"/>
+                </a:spcAft>
+              </a:pPr>
+              <a:t>3</a:t>
+            </a:fld>
+            <a:endParaRPr lang="en-US">
+              <a:solidFill>
+                <a:srgbClr val="FFFFFF"/>
+              </a:solidFill>
+            </a:endParaRPr>
+          </a:p>
+        </p:txBody>
+      </p:sp>
       <p:cxnSp>
         <p:nvCxnSpPr>
-          <p:cNvPr id="29" name="Straight Connector 22">
-            <a:extLst>
-              <a:ext uri="{FF2B5EF4-FFF2-40B4-BE49-F238E27FC236}">
-                <a16:creationId xmlns:a16="http://schemas.microsoft.com/office/drawing/2014/main" id="{040575EE-C594-4566-BC00-663004E52AB5}"/>
+          <p:cNvPr id="53" name="Straight Connector 52">
+            <a:extLst>
+              <a:ext uri="{FF2B5EF4-FFF2-40B4-BE49-F238E27FC236}">
+                <a16:creationId xmlns:a16="http://schemas.microsoft.com/office/drawing/2014/main" id="{56020367-4FD5-4596-8E10-C5F095CD8DBF}"/>
               </a:ext>
               <a:ext uri="{C183D7F6-B498-43B3-948B-1728B52AA6E4}">
                 <adec:decorative xmlns:adec="http://schemas.microsoft.com/office/drawing/2017/decorative" val="1"/>
@@ -6040,16 +5462,17 @@
         </p:nvCxnSpPr>
         <p:spPr>
           <a:xfrm>
-            <a:off x="4763566" y="1417320"/>
-            <a:ext cx="0" cy="4023360"/>
+            <a:off x="5447322" y="1589368"/>
+            <a:ext cx="0" cy="5259754"/>
           </a:xfrm>
           <a:prstGeom prst="line">
             <a:avLst/>
           </a:prstGeom>
-          <a:ln w="15875">
+          <a:ln w="25400" cap="sq">
             <a:solidFill>
-              <a:schemeClr val="tx1"/>
+              <a:srgbClr val="FFFFFF"/>
             </a:solidFill>
+            <a:bevel/>
           </a:ln>
         </p:spPr>
         <p:style>
@@ -6095,43 +5518,415 @@
         </p:blipFill>
         <p:spPr>
           <a:xfrm>
-            <a:off x="5216102" y="818458"/>
-            <a:ext cx="6565124" cy="5120796"/>
+            <a:off x="5986925" y="1749111"/>
+            <a:ext cx="5664133" cy="4418023"/>
           </a:xfrm>
           <a:prstGeom prst="rect">
             <a:avLst/>
           </a:prstGeom>
         </p:spPr>
       </p:pic>
-      <p:sp>
-        <p:nvSpPr>
-          <p:cNvPr id="8" name="Marcador de número de diapositiva 7">
-            <a:extLst>
-              <a:ext uri="{FF2B5EF4-FFF2-40B4-BE49-F238E27FC236}">
-                <a16:creationId xmlns:a16="http://schemas.microsoft.com/office/drawing/2014/main" id="{9134F91B-66C9-4E40-BC74-8988C7BDC721}"/>
-              </a:ext>
-            </a:extLst>
-          </p:cNvPr>
-          <p:cNvSpPr>
-            <a:spLocks noGrp="1"/>
-          </p:cNvSpPr>
-          <p:nvPr>
-            <p:ph type="sldNum" sz="quarter" idx="12"/>
-          </p:nvPr>
-        </p:nvSpPr>
-        <p:spPr/>
-        <p:txBody>
-          <a:bodyPr/>
-          <a:lstStyle/>
-          <a:p>
-            <a:fld id="{A59AE7EA-4493-405D-9A66-B6513C9897B9}" type="slidenum">
-              <a:rPr lang="es-CO" smtClean="0"/>
-              <a:t>3</a:t>
-            </a:fld>
-            <a:endParaRPr lang="es-CO"/>
-          </a:p>
-        </p:txBody>
-      </p:sp>
+      <p:grpSp>
+        <p:nvGrpSpPr>
+          <p:cNvPr id="55" name="Group 54">
+            <a:extLst>
+              <a:ext uri="{FF2B5EF4-FFF2-40B4-BE49-F238E27FC236}">
+                <a16:creationId xmlns:a16="http://schemas.microsoft.com/office/drawing/2014/main" id="{892B7B61-D701-474B-AE8F-EA238B550A78}"/>
+              </a:ext>
+              <a:ext uri="{C183D7F6-B498-43B3-948B-1728B52AA6E4}">
+                <adec:decorative xmlns:adec="http://schemas.microsoft.com/office/drawing/2017/decorative" val="1"/>
+              </a:ext>
+            </a:extLst>
+          </p:cNvPr>
+          <p:cNvGrpSpPr>
+            <a:grpSpLocks noGrp="1" noUngrp="1" noRot="1" noChangeAspect="1" noMove="1" noResize="1"/>
+          </p:cNvGrpSpPr>
+          <p:nvPr>
+            <p:extLst>
+              <p:ext uri="{386F3935-93C4-4BCD-93E2-E3B085C9AB24}">
+                <p16:designElem xmlns:p16="http://schemas.microsoft.com/office/powerpoint/2015/main" val="1"/>
+              </p:ext>
+            </p:extLst>
+          </p:nvPr>
+        </p:nvGrpSpPr>
+        <p:grpSpPr>
+          <a:xfrm>
+            <a:off x="11512034" y="1267063"/>
+            <a:ext cx="368480" cy="519967"/>
+            <a:chOff x="11512034" y="1267063"/>
+            <a:chExt cx="368480" cy="519967"/>
+          </a:xfrm>
+          <a:solidFill>
+            <a:srgbClr val="FFFFFF"/>
+          </a:solidFill>
+        </p:grpSpPr>
+        <p:sp>
+          <p:nvSpPr>
+            <p:cNvPr id="56" name="Graphic 17">
+              <a:extLst>
+                <a:ext uri="{FF2B5EF4-FFF2-40B4-BE49-F238E27FC236}">
+                  <a16:creationId xmlns:a16="http://schemas.microsoft.com/office/drawing/2014/main" id="{B71758F4-3F46-45DA-8AC5-4E508DA080BA}"/>
+                </a:ext>
+                <a:ext uri="{C183D7F6-B498-43B3-948B-1728B52AA6E4}">
+                  <adec:decorative xmlns:adec="http://schemas.microsoft.com/office/drawing/2017/decorative" val="1"/>
+                </a:ext>
+              </a:extLst>
+            </p:cNvPr>
+            <p:cNvSpPr/>
+            <p:nvPr>
+              <p:extLst>
+                <p:ext uri="{386F3935-93C4-4BCD-93E2-E3B085C9AB24}">
+                  <p16:designElem xmlns:p16="http://schemas.microsoft.com/office/powerpoint/2015/main" val="1"/>
+                </p:ext>
+              </p:extLst>
+            </p:nvPr>
+          </p:nvSpPr>
+          <p:spPr>
+            <a:xfrm>
+              <a:off x="11512034" y="1267063"/>
+              <a:ext cx="139037" cy="139039"/>
+            </a:xfrm>
+            <a:custGeom>
+              <a:avLst/>
+              <a:gdLst>
+                <a:gd name="connsiteX0" fmla="*/ 129600 w 139037"/>
+                <a:gd name="connsiteY0" fmla="*/ 60082 h 139039"/>
+                <a:gd name="connsiteX1" fmla="*/ 78955 w 139037"/>
+                <a:gd name="connsiteY1" fmla="*/ 60082 h 139039"/>
+                <a:gd name="connsiteX2" fmla="*/ 78955 w 139037"/>
+                <a:gd name="connsiteY2" fmla="*/ 9437 h 139039"/>
+                <a:gd name="connsiteX3" fmla="*/ 69519 w 139037"/>
+                <a:gd name="connsiteY3" fmla="*/ 0 h 139039"/>
+                <a:gd name="connsiteX4" fmla="*/ 60082 w 139037"/>
+                <a:gd name="connsiteY4" fmla="*/ 9437 h 139039"/>
+                <a:gd name="connsiteX5" fmla="*/ 60082 w 139037"/>
+                <a:gd name="connsiteY5" fmla="*/ 60082 h 139039"/>
+                <a:gd name="connsiteX6" fmla="*/ 9437 w 139037"/>
+                <a:gd name="connsiteY6" fmla="*/ 60082 h 139039"/>
+                <a:gd name="connsiteX7" fmla="*/ 0 w 139037"/>
+                <a:gd name="connsiteY7" fmla="*/ 69520 h 139039"/>
+                <a:gd name="connsiteX8" fmla="*/ 9437 w 139037"/>
+                <a:gd name="connsiteY8" fmla="*/ 78957 h 139039"/>
+                <a:gd name="connsiteX9" fmla="*/ 60082 w 139037"/>
+                <a:gd name="connsiteY9" fmla="*/ 78957 h 139039"/>
+                <a:gd name="connsiteX10" fmla="*/ 60082 w 139037"/>
+                <a:gd name="connsiteY10" fmla="*/ 129602 h 139039"/>
+                <a:gd name="connsiteX11" fmla="*/ 69519 w 139037"/>
+                <a:gd name="connsiteY11" fmla="*/ 139039 h 139039"/>
+                <a:gd name="connsiteX12" fmla="*/ 78955 w 139037"/>
+                <a:gd name="connsiteY12" fmla="*/ 129602 h 139039"/>
+                <a:gd name="connsiteX13" fmla="*/ 78955 w 139037"/>
+                <a:gd name="connsiteY13" fmla="*/ 78957 h 139039"/>
+                <a:gd name="connsiteX14" fmla="*/ 129600 w 139037"/>
+                <a:gd name="connsiteY14" fmla="*/ 78957 h 139039"/>
+                <a:gd name="connsiteX15" fmla="*/ 139037 w 139037"/>
+                <a:gd name="connsiteY15" fmla="*/ 69520 h 139039"/>
+                <a:gd name="connsiteX16" fmla="*/ 129600 w 139037"/>
+                <a:gd name="connsiteY16" fmla="*/ 60082 h 139039"/>
+              </a:gdLst>
+              <a:ahLst/>
+              <a:cxnLst>
+                <a:cxn ang="0">
+                  <a:pos x="connsiteX0" y="connsiteY0"/>
+                </a:cxn>
+                <a:cxn ang="0">
+                  <a:pos x="connsiteX1" y="connsiteY1"/>
+                </a:cxn>
+                <a:cxn ang="0">
+                  <a:pos x="connsiteX2" y="connsiteY2"/>
+                </a:cxn>
+                <a:cxn ang="0">
+                  <a:pos x="connsiteX3" y="connsiteY3"/>
+                </a:cxn>
+                <a:cxn ang="0">
+                  <a:pos x="connsiteX4" y="connsiteY4"/>
+                </a:cxn>
+                <a:cxn ang="0">
+                  <a:pos x="connsiteX5" y="connsiteY5"/>
+                </a:cxn>
+                <a:cxn ang="0">
+                  <a:pos x="connsiteX6" y="connsiteY6"/>
+                </a:cxn>
+                <a:cxn ang="0">
+                  <a:pos x="connsiteX7" y="connsiteY7"/>
+                </a:cxn>
+                <a:cxn ang="0">
+                  <a:pos x="connsiteX8" y="connsiteY8"/>
+                </a:cxn>
+                <a:cxn ang="0">
+                  <a:pos x="connsiteX9" y="connsiteY9"/>
+                </a:cxn>
+                <a:cxn ang="0">
+                  <a:pos x="connsiteX10" y="connsiteY10"/>
+                </a:cxn>
+                <a:cxn ang="0">
+                  <a:pos x="connsiteX11" y="connsiteY11"/>
+                </a:cxn>
+                <a:cxn ang="0">
+                  <a:pos x="connsiteX12" y="connsiteY12"/>
+                </a:cxn>
+                <a:cxn ang="0">
+                  <a:pos x="connsiteX13" y="connsiteY13"/>
+                </a:cxn>
+                <a:cxn ang="0">
+                  <a:pos x="connsiteX14" y="connsiteY14"/>
+                </a:cxn>
+                <a:cxn ang="0">
+                  <a:pos x="connsiteX15" y="connsiteY15"/>
+                </a:cxn>
+                <a:cxn ang="0">
+                  <a:pos x="connsiteX16" y="connsiteY16"/>
+                </a:cxn>
+              </a:cxnLst>
+              <a:rect l="l" t="t" r="r" b="b"/>
+              <a:pathLst>
+                <a:path w="139037" h="139039">
+                  <a:moveTo>
+                    <a:pt x="129600" y="60082"/>
+                  </a:moveTo>
+                  <a:lnTo>
+                    <a:pt x="78955" y="60082"/>
+                  </a:lnTo>
+                  <a:lnTo>
+                    <a:pt x="78955" y="9437"/>
+                  </a:lnTo>
+                  <a:cubicBezTo>
+                    <a:pt x="78955" y="4225"/>
+                    <a:pt x="74730" y="0"/>
+                    <a:pt x="69519" y="0"/>
+                  </a:cubicBezTo>
+                  <a:cubicBezTo>
+                    <a:pt x="64307" y="0"/>
+                    <a:pt x="60082" y="4225"/>
+                    <a:pt x="60082" y="9437"/>
+                  </a:cubicBezTo>
+                  <a:lnTo>
+                    <a:pt x="60082" y="60082"/>
+                  </a:lnTo>
+                  <a:lnTo>
+                    <a:pt x="9437" y="60082"/>
+                  </a:lnTo>
+                  <a:cubicBezTo>
+                    <a:pt x="4225" y="60082"/>
+                    <a:pt x="0" y="64308"/>
+                    <a:pt x="0" y="69520"/>
+                  </a:cubicBezTo>
+                  <a:cubicBezTo>
+                    <a:pt x="0" y="74731"/>
+                    <a:pt x="4225" y="78957"/>
+                    <a:pt x="9437" y="78957"/>
+                  </a:cubicBezTo>
+                  <a:lnTo>
+                    <a:pt x="60082" y="78957"/>
+                  </a:lnTo>
+                  <a:lnTo>
+                    <a:pt x="60082" y="129602"/>
+                  </a:lnTo>
+                  <a:cubicBezTo>
+                    <a:pt x="60082" y="134814"/>
+                    <a:pt x="64307" y="139039"/>
+                    <a:pt x="69519" y="139039"/>
+                  </a:cubicBezTo>
+                  <a:cubicBezTo>
+                    <a:pt x="74730" y="139039"/>
+                    <a:pt x="78955" y="134814"/>
+                    <a:pt x="78955" y="129602"/>
+                  </a:cubicBezTo>
+                  <a:lnTo>
+                    <a:pt x="78955" y="78957"/>
+                  </a:lnTo>
+                  <a:lnTo>
+                    <a:pt x="129600" y="78957"/>
+                  </a:lnTo>
+                  <a:cubicBezTo>
+                    <a:pt x="134812" y="78957"/>
+                    <a:pt x="139037" y="74731"/>
+                    <a:pt x="139037" y="69520"/>
+                  </a:cubicBezTo>
+                  <a:cubicBezTo>
+                    <a:pt x="139037" y="64308"/>
+                    <a:pt x="134812" y="60082"/>
+                    <a:pt x="129600" y="60082"/>
+                  </a:cubicBezTo>
+                  <a:close/>
+                </a:path>
+              </a:pathLst>
+            </a:custGeom>
+            <a:grpFill/>
+            <a:ln w="603" cap="flat">
+              <a:noFill/>
+              <a:prstDash val="solid"/>
+              <a:miter/>
+            </a:ln>
+          </p:spPr>
+          <p:txBody>
+            <a:bodyPr rtlCol="0" anchor="ctr"/>
+            <a:lstStyle/>
+            <a:p>
+              <a:endParaRPr lang="en-US">
+                <a:solidFill>
+                  <a:srgbClr val="FFFFFF"/>
+                </a:solidFill>
+              </a:endParaRPr>
+            </a:p>
+          </p:txBody>
+        </p:sp>
+        <p:sp>
+          <p:nvSpPr>
+            <p:cNvPr id="57" name="Graphic 21">
+              <a:extLst>
+                <a:ext uri="{FF2B5EF4-FFF2-40B4-BE49-F238E27FC236}">
+                  <a16:creationId xmlns:a16="http://schemas.microsoft.com/office/drawing/2014/main" id="{8D61482F-F3C5-4D66-8C5D-C6BBE3E1275C}"/>
+                </a:ext>
+                <a:ext uri="{C183D7F6-B498-43B3-948B-1728B52AA6E4}">
+                  <adec:decorative xmlns:adec="http://schemas.microsoft.com/office/drawing/2017/decorative" val="1"/>
+                </a:ext>
+              </a:extLst>
+            </p:cNvPr>
+            <p:cNvSpPr/>
+            <p:nvPr>
+              <p:extLst>
+                <p:ext uri="{386F3935-93C4-4BCD-93E2-E3B085C9AB24}">
+                  <p16:designElem xmlns:p16="http://schemas.microsoft.com/office/powerpoint/2015/main" val="1"/>
+                </p:ext>
+              </p:extLst>
+            </p:nvPr>
+          </p:nvSpPr>
+          <p:spPr>
+            <a:xfrm>
+              <a:off x="11752801" y="1659316"/>
+              <a:ext cx="127713" cy="127714"/>
+            </a:xfrm>
+            <a:custGeom>
+              <a:avLst/>
+              <a:gdLst>
+                <a:gd name="connsiteX0" fmla="*/ 63857 w 127713"/>
+                <a:gd name="connsiteY0" fmla="*/ 18874 h 127714"/>
+                <a:gd name="connsiteX1" fmla="*/ 108839 w 127713"/>
+                <a:gd name="connsiteY1" fmla="*/ 63857 h 127714"/>
+                <a:gd name="connsiteX2" fmla="*/ 63857 w 127713"/>
+                <a:gd name="connsiteY2" fmla="*/ 108840 h 127714"/>
+                <a:gd name="connsiteX3" fmla="*/ 18874 w 127713"/>
+                <a:gd name="connsiteY3" fmla="*/ 63857 h 127714"/>
+                <a:gd name="connsiteX4" fmla="*/ 63857 w 127713"/>
+                <a:gd name="connsiteY4" fmla="*/ 18874 h 127714"/>
+                <a:gd name="connsiteX5" fmla="*/ 63857 w 127713"/>
+                <a:gd name="connsiteY5" fmla="*/ 0 h 127714"/>
+                <a:gd name="connsiteX6" fmla="*/ 0 w 127713"/>
+                <a:gd name="connsiteY6" fmla="*/ 63857 h 127714"/>
+                <a:gd name="connsiteX7" fmla="*/ 63857 w 127713"/>
+                <a:gd name="connsiteY7" fmla="*/ 127714 h 127714"/>
+                <a:gd name="connsiteX8" fmla="*/ 127713 w 127713"/>
+                <a:gd name="connsiteY8" fmla="*/ 63857 h 127714"/>
+                <a:gd name="connsiteX9" fmla="*/ 63857 w 127713"/>
+                <a:gd name="connsiteY9" fmla="*/ 0 h 127714"/>
+              </a:gdLst>
+              <a:ahLst/>
+              <a:cxnLst>
+                <a:cxn ang="0">
+                  <a:pos x="connsiteX0" y="connsiteY0"/>
+                </a:cxn>
+                <a:cxn ang="0">
+                  <a:pos x="connsiteX1" y="connsiteY1"/>
+                </a:cxn>
+                <a:cxn ang="0">
+                  <a:pos x="connsiteX2" y="connsiteY2"/>
+                </a:cxn>
+                <a:cxn ang="0">
+                  <a:pos x="connsiteX3" y="connsiteY3"/>
+                </a:cxn>
+                <a:cxn ang="0">
+                  <a:pos x="connsiteX4" y="connsiteY4"/>
+                </a:cxn>
+                <a:cxn ang="0">
+                  <a:pos x="connsiteX5" y="connsiteY5"/>
+                </a:cxn>
+                <a:cxn ang="0">
+                  <a:pos x="connsiteX6" y="connsiteY6"/>
+                </a:cxn>
+                <a:cxn ang="0">
+                  <a:pos x="connsiteX7" y="connsiteY7"/>
+                </a:cxn>
+                <a:cxn ang="0">
+                  <a:pos x="connsiteX8" y="connsiteY8"/>
+                </a:cxn>
+                <a:cxn ang="0">
+                  <a:pos x="connsiteX9" y="connsiteY9"/>
+                </a:cxn>
+              </a:cxnLst>
+              <a:rect l="l" t="t" r="r" b="b"/>
+              <a:pathLst>
+                <a:path w="127713" h="127714">
+                  <a:moveTo>
+                    <a:pt x="63857" y="18874"/>
+                  </a:moveTo>
+                  <a:cubicBezTo>
+                    <a:pt x="88700" y="18874"/>
+                    <a:pt x="108839" y="39014"/>
+                    <a:pt x="108839" y="63857"/>
+                  </a:cubicBezTo>
+                  <a:cubicBezTo>
+                    <a:pt x="108839" y="88700"/>
+                    <a:pt x="88700" y="108840"/>
+                    <a:pt x="63857" y="108840"/>
+                  </a:cubicBezTo>
+                  <a:cubicBezTo>
+                    <a:pt x="39013" y="108840"/>
+                    <a:pt x="18874" y="88700"/>
+                    <a:pt x="18874" y="63857"/>
+                  </a:cubicBezTo>
+                  <a:cubicBezTo>
+                    <a:pt x="18898" y="39024"/>
+                    <a:pt x="39023" y="18898"/>
+                    <a:pt x="63857" y="18874"/>
+                  </a:cubicBezTo>
+                  <a:moveTo>
+                    <a:pt x="63857" y="0"/>
+                  </a:moveTo>
+                  <a:cubicBezTo>
+                    <a:pt x="28590" y="0"/>
+                    <a:pt x="0" y="28590"/>
+                    <a:pt x="0" y="63857"/>
+                  </a:cubicBezTo>
+                  <a:cubicBezTo>
+                    <a:pt x="0" y="99124"/>
+                    <a:pt x="28590" y="127714"/>
+                    <a:pt x="63857" y="127714"/>
+                  </a:cubicBezTo>
+                  <a:cubicBezTo>
+                    <a:pt x="99124" y="127714"/>
+                    <a:pt x="127713" y="99124"/>
+                    <a:pt x="127713" y="63857"/>
+                  </a:cubicBezTo>
+                  <a:cubicBezTo>
+                    <a:pt x="127713" y="28590"/>
+                    <a:pt x="99124" y="0"/>
+                    <a:pt x="63857" y="0"/>
+                  </a:cubicBezTo>
+                  <a:close/>
+                </a:path>
+              </a:pathLst>
+            </a:custGeom>
+            <a:grpFill/>
+            <a:ln w="610" cap="flat">
+              <a:noFill/>
+              <a:prstDash val="solid"/>
+              <a:miter/>
+            </a:ln>
+          </p:spPr>
+          <p:txBody>
+            <a:bodyPr rtlCol="0" anchor="ctr"/>
+            <a:lstStyle/>
+            <a:p>
+              <a:endParaRPr lang="en-US">
+                <a:solidFill>
+                  <a:srgbClr val="FFFFFF"/>
+                </a:solidFill>
+              </a:endParaRPr>
+            </a:p>
+          </p:txBody>
+        </p:sp>
+      </p:grpSp>
     </p:spTree>
     <p:extLst>
       <p:ext uri="{BB962C8B-B14F-4D97-AF65-F5344CB8AC3E}">
@@ -6140,7 +5935,7 @@
     </p:extLst>
   </p:cSld>
   <p:clrMapOvr>
-    <a:overrideClrMapping bg1="dk1" tx1="lt1" bg2="dk2" tx2="lt2" accent1="accent1" accent2="accent2" accent3="accent3" accent4="accent4" accent5="accent5" accent6="accent6" hlink="hlink" folHlink="folHlink"/>
+    <a:masterClrMapping/>
   </p:clrMapOvr>
 </p:sld>
 </file>
@@ -6151,9 +5946,7 @@
     <p:bg>
       <p:bgPr>
         <a:solidFill>
-          <a:srgbClr val="790568">
-            <a:alpha val="59000"/>
-          </a:srgbClr>
+          <a:schemeClr val="bg1"/>
         </a:solidFill>
         <a:effectLst/>
       </p:bgPr>
@@ -6174,10 +5967,10 @@
       </p:grpSpPr>
       <p:sp useBgFill="1">
         <p:nvSpPr>
-          <p:cNvPr id="25" name="Rectangle 24">
-            <a:extLst>
-              <a:ext uri="{FF2B5EF4-FFF2-40B4-BE49-F238E27FC236}">
-                <a16:creationId xmlns:a16="http://schemas.microsoft.com/office/drawing/2014/main" id="{8537B233-9CDD-4A90-AABB-A8963DEE4FBC}"/>
+          <p:cNvPr id="46" name="Rectangle 45">
+            <a:extLst>
+              <a:ext uri="{FF2B5EF4-FFF2-40B4-BE49-F238E27FC236}">
+                <a16:creationId xmlns:a16="http://schemas.microsoft.com/office/drawing/2014/main" id="{840C6A03-A965-473C-ADDE-B0F1C5C5C30D}"/>
               </a:ext>
               <a:ext uri="{C183D7F6-B498-43B3-948B-1728B52AA6E4}">
                 <adec:decorative xmlns:adec="http://schemas.microsoft.com/office/drawing/2017/decorative" val="1"/>
@@ -6197,7 +5990,756 @@
         </p:nvSpPr>
         <p:spPr>
           <a:xfrm>
-            <a:off x="0" y="1"/>
+            <a:off x="0" y="0"/>
+            <a:ext cx="12192000" cy="6858000"/>
+          </a:xfrm>
+          <a:prstGeom prst="rect">
+            <a:avLst/>
+          </a:prstGeom>
+          <a:ln w="12700" cap="flat" cmpd="sng" algn="ctr">
+            <a:noFill/>
+            <a:prstDash val="solid"/>
+            <a:miter lim="800000"/>
+          </a:ln>
+          <a:effectLst/>
+        </p:spPr>
+        <p:style>
+          <a:lnRef idx="2">
+            <a:schemeClr val="accent1">
+              <a:shade val="50000"/>
+            </a:schemeClr>
+          </a:lnRef>
+          <a:fillRef idx="1">
+            <a:schemeClr val="accent1"/>
+          </a:fillRef>
+          <a:effectRef idx="0">
+            <a:schemeClr val="accent1"/>
+          </a:effectRef>
+          <a:fontRef idx="minor">
+            <a:schemeClr val="lt1"/>
+          </a:fontRef>
+        </p:style>
+        <p:txBody>
+          <a:bodyPr rtlCol="0" anchor="ctr"/>
+          <a:lstStyle/>
+          <a:p>
+            <a:pPr algn="ctr"/>
+            <a:endParaRPr lang="en-US"/>
+          </a:p>
+        </p:txBody>
+      </p:sp>
+      <p:sp>
+        <p:nvSpPr>
+          <p:cNvPr id="48" name="Rectangle 47">
+            <a:extLst>
+              <a:ext uri="{FF2B5EF4-FFF2-40B4-BE49-F238E27FC236}">
+                <a16:creationId xmlns:a16="http://schemas.microsoft.com/office/drawing/2014/main" id="{158B3569-73B2-4D05-8E95-886A6EE17F1F}"/>
+              </a:ext>
+              <a:ext uri="{C183D7F6-B498-43B3-948B-1728B52AA6E4}">
+                <adec:decorative xmlns:adec="http://schemas.microsoft.com/office/drawing/2017/decorative" val="1"/>
+              </a:ext>
+            </a:extLst>
+          </p:cNvPr>
+          <p:cNvSpPr>
+            <a:spLocks noGrp="1" noRot="1" noChangeAspect="1" noMove="1" noResize="1" noEditPoints="1" noAdjustHandles="1" noChangeArrowheads="1" noChangeShapeType="1" noTextEdit="1"/>
+          </p:cNvSpPr>
+          <p:nvPr>
+            <p:extLst>
+              <p:ext uri="{386F3935-93C4-4BCD-93E2-E3B085C9AB24}">
+                <p16:designElem xmlns:p16="http://schemas.microsoft.com/office/powerpoint/2015/main" val="1"/>
+              </p:ext>
+            </p:extLst>
+          </p:nvPr>
+        </p:nvSpPr>
+        <p:spPr>
+          <a:xfrm>
+            <a:off x="0" y="0"/>
+            <a:ext cx="12192000" cy="6858000"/>
+          </a:xfrm>
+          <a:prstGeom prst="rect">
+            <a:avLst/>
+          </a:prstGeom>
+          <a:gradFill flip="none" rotWithShape="1">
+            <a:gsLst>
+              <a:gs pos="0">
+                <a:schemeClr val="accent1"/>
+              </a:gs>
+              <a:gs pos="100000">
+                <a:schemeClr val="accent2"/>
+              </a:gs>
+            </a:gsLst>
+            <a:lin ang="2700000" scaled="1"/>
+            <a:tileRect/>
+          </a:gradFill>
+          <a:ln>
+            <a:noFill/>
+          </a:ln>
+        </p:spPr>
+        <p:style>
+          <a:lnRef idx="2">
+            <a:schemeClr val="accent1">
+              <a:shade val="50000"/>
+            </a:schemeClr>
+          </a:lnRef>
+          <a:fillRef idx="1">
+            <a:schemeClr val="accent1"/>
+          </a:fillRef>
+          <a:effectRef idx="0">
+            <a:schemeClr val="accent1"/>
+          </a:effectRef>
+          <a:fontRef idx="minor">
+            <a:schemeClr val="lt1"/>
+          </a:fontRef>
+        </p:style>
+        <p:txBody>
+          <a:bodyPr rtlCol="0" anchor="ctr"/>
+          <a:lstStyle/>
+          <a:p>
+            <a:pPr algn="ctr"/>
+            <a:endParaRPr lang="en-US">
+              <a:solidFill>
+                <a:srgbClr val="FFFFFF"/>
+              </a:solidFill>
+            </a:endParaRPr>
+          </a:p>
+        </p:txBody>
+      </p:sp>
+      <p:sp>
+        <p:nvSpPr>
+          <p:cNvPr id="2" name="Título 1">
+            <a:extLst>
+              <a:ext uri="{FF2B5EF4-FFF2-40B4-BE49-F238E27FC236}">
+                <a16:creationId xmlns:a16="http://schemas.microsoft.com/office/drawing/2014/main" id="{C7F5A10C-D0E1-4EC4-B32D-97D90DFC8FBD}"/>
+              </a:ext>
+            </a:extLst>
+          </p:cNvPr>
+          <p:cNvSpPr>
+            <a:spLocks noGrp="1"/>
+          </p:cNvSpPr>
+          <p:nvPr>
+            <p:ph type="title"/>
+          </p:nvPr>
+        </p:nvSpPr>
+        <p:spPr>
+          <a:xfrm>
+            <a:off x="457200" y="1598246"/>
+            <a:ext cx="4412419" cy="3626217"/>
+          </a:xfrm>
+        </p:spPr>
+        <p:txBody>
+          <a:bodyPr vert="horz" lIns="91440" tIns="45720" rIns="91440" bIns="45720" rtlCol="0" anchor="t">
+            <a:normAutofit/>
+          </a:bodyPr>
+          <a:lstStyle/>
+          <a:p>
+            <a:pPr algn="r"/>
+            <a:r>
+              <a:rPr lang="en-US" sz="7400" b="1">
+                <a:solidFill>
+                  <a:srgbClr val="FFFFFF"/>
+                </a:solidFill>
+              </a:rPr>
+              <a:t>Wireframe</a:t>
+            </a:r>
+            <a:br>
+              <a:rPr lang="en-US" sz="7400" b="1">
+                <a:solidFill>
+                  <a:srgbClr val="FFFFFF"/>
+                </a:solidFill>
+              </a:rPr>
+            </a:br>
+            <a:endParaRPr lang="en-US" sz="7400" b="1">
+              <a:solidFill>
+                <a:srgbClr val="FFFFFF"/>
+              </a:solidFill>
+            </a:endParaRPr>
+          </a:p>
+        </p:txBody>
+      </p:sp>
+      <p:sp>
+        <p:nvSpPr>
+          <p:cNvPr id="12" name="Marcador de número de diapositiva 11">
+            <a:extLst>
+              <a:ext uri="{FF2B5EF4-FFF2-40B4-BE49-F238E27FC236}">
+                <a16:creationId xmlns:a16="http://schemas.microsoft.com/office/drawing/2014/main" id="{4F7C8F25-FB7E-4BB0-B240-CEE9279B777A}"/>
+              </a:ext>
+            </a:extLst>
+          </p:cNvPr>
+          <p:cNvSpPr>
+            <a:spLocks noGrp="1"/>
+          </p:cNvSpPr>
+          <p:nvPr>
+            <p:ph type="sldNum" sz="quarter" idx="12"/>
+          </p:nvPr>
+        </p:nvSpPr>
+        <p:spPr>
+          <a:xfrm>
+            <a:off x="8610600" y="224937"/>
+            <a:ext cx="2743200" cy="365125"/>
+          </a:xfrm>
+        </p:spPr>
+        <p:txBody>
+          <a:bodyPr vert="horz" lIns="91440" tIns="45720" rIns="91440" bIns="45720" rtlCol="0" anchor="ctr">
+            <a:normAutofit/>
+          </a:bodyPr>
+          <a:lstStyle/>
+          <a:p>
+            <a:pPr>
+              <a:spcAft>
+                <a:spcPts val="600"/>
+              </a:spcAft>
+              <a:defRPr/>
+            </a:pPr>
+            <a:fld id="{A59AE7EA-4493-405D-9A66-B6513C9897B9}" type="slidenum">
+              <a:rPr lang="en-US">
+                <a:solidFill>
+                  <a:srgbClr val="FFFFFF"/>
+                </a:solidFill>
+                <a:latin typeface="Calibri" panose="020F0502020204030204"/>
+              </a:rPr>
+              <a:pPr>
+                <a:spcAft>
+                  <a:spcPts val="600"/>
+                </a:spcAft>
+                <a:defRPr/>
+              </a:pPr>
+              <a:t>4</a:t>
+            </a:fld>
+            <a:endParaRPr lang="en-US">
+              <a:solidFill>
+                <a:srgbClr val="FFFFFF"/>
+              </a:solidFill>
+              <a:latin typeface="Calibri" panose="020F0502020204030204"/>
+            </a:endParaRPr>
+          </a:p>
+        </p:txBody>
+      </p:sp>
+      <p:sp>
+        <p:nvSpPr>
+          <p:cNvPr id="50" name="!!plus graphic">
+            <a:extLst>
+              <a:ext uri="{FF2B5EF4-FFF2-40B4-BE49-F238E27FC236}">
+                <a16:creationId xmlns:a16="http://schemas.microsoft.com/office/drawing/2014/main" id="{B71758F4-3F46-45DA-8AC5-4E508DA080BA}"/>
+              </a:ext>
+              <a:ext uri="{C183D7F6-B498-43B3-948B-1728B52AA6E4}">
+                <adec:decorative xmlns:adec="http://schemas.microsoft.com/office/drawing/2017/decorative" val="1"/>
+              </a:ext>
+            </a:extLst>
+          </p:cNvPr>
+          <p:cNvSpPr>
+            <a:spLocks noGrp="1" noRot="1" noChangeAspect="1" noMove="1" noResize="1" noEditPoints="1" noAdjustHandles="1" noChangeArrowheads="1" noChangeShapeType="1" noTextEdit="1"/>
+          </p:cNvSpPr>
+          <p:nvPr>
+            <p:extLst>
+              <p:ext uri="{386F3935-93C4-4BCD-93E2-E3B085C9AB24}">
+                <p16:designElem xmlns:p16="http://schemas.microsoft.com/office/powerpoint/2015/main" val="1"/>
+              </p:ext>
+            </p:extLst>
+          </p:nvPr>
+        </p:nvSpPr>
+        <p:spPr>
+          <a:xfrm>
+            <a:off x="11512034" y="1267063"/>
+            <a:ext cx="139037" cy="139039"/>
+          </a:xfrm>
+          <a:custGeom>
+            <a:avLst/>
+            <a:gdLst>
+              <a:gd name="connsiteX0" fmla="*/ 129600 w 139037"/>
+              <a:gd name="connsiteY0" fmla="*/ 60082 h 139039"/>
+              <a:gd name="connsiteX1" fmla="*/ 78955 w 139037"/>
+              <a:gd name="connsiteY1" fmla="*/ 60082 h 139039"/>
+              <a:gd name="connsiteX2" fmla="*/ 78955 w 139037"/>
+              <a:gd name="connsiteY2" fmla="*/ 9437 h 139039"/>
+              <a:gd name="connsiteX3" fmla="*/ 69519 w 139037"/>
+              <a:gd name="connsiteY3" fmla="*/ 0 h 139039"/>
+              <a:gd name="connsiteX4" fmla="*/ 60082 w 139037"/>
+              <a:gd name="connsiteY4" fmla="*/ 9437 h 139039"/>
+              <a:gd name="connsiteX5" fmla="*/ 60082 w 139037"/>
+              <a:gd name="connsiteY5" fmla="*/ 60082 h 139039"/>
+              <a:gd name="connsiteX6" fmla="*/ 9437 w 139037"/>
+              <a:gd name="connsiteY6" fmla="*/ 60082 h 139039"/>
+              <a:gd name="connsiteX7" fmla="*/ 0 w 139037"/>
+              <a:gd name="connsiteY7" fmla="*/ 69520 h 139039"/>
+              <a:gd name="connsiteX8" fmla="*/ 9437 w 139037"/>
+              <a:gd name="connsiteY8" fmla="*/ 78957 h 139039"/>
+              <a:gd name="connsiteX9" fmla="*/ 60082 w 139037"/>
+              <a:gd name="connsiteY9" fmla="*/ 78957 h 139039"/>
+              <a:gd name="connsiteX10" fmla="*/ 60082 w 139037"/>
+              <a:gd name="connsiteY10" fmla="*/ 129602 h 139039"/>
+              <a:gd name="connsiteX11" fmla="*/ 69519 w 139037"/>
+              <a:gd name="connsiteY11" fmla="*/ 139039 h 139039"/>
+              <a:gd name="connsiteX12" fmla="*/ 78955 w 139037"/>
+              <a:gd name="connsiteY12" fmla="*/ 129602 h 139039"/>
+              <a:gd name="connsiteX13" fmla="*/ 78955 w 139037"/>
+              <a:gd name="connsiteY13" fmla="*/ 78957 h 139039"/>
+              <a:gd name="connsiteX14" fmla="*/ 129600 w 139037"/>
+              <a:gd name="connsiteY14" fmla="*/ 78957 h 139039"/>
+              <a:gd name="connsiteX15" fmla="*/ 139037 w 139037"/>
+              <a:gd name="connsiteY15" fmla="*/ 69520 h 139039"/>
+              <a:gd name="connsiteX16" fmla="*/ 129600 w 139037"/>
+              <a:gd name="connsiteY16" fmla="*/ 60082 h 139039"/>
+            </a:gdLst>
+            <a:ahLst/>
+            <a:cxnLst>
+              <a:cxn ang="0">
+                <a:pos x="connsiteX0" y="connsiteY0"/>
+              </a:cxn>
+              <a:cxn ang="0">
+                <a:pos x="connsiteX1" y="connsiteY1"/>
+              </a:cxn>
+              <a:cxn ang="0">
+                <a:pos x="connsiteX2" y="connsiteY2"/>
+              </a:cxn>
+              <a:cxn ang="0">
+                <a:pos x="connsiteX3" y="connsiteY3"/>
+              </a:cxn>
+              <a:cxn ang="0">
+                <a:pos x="connsiteX4" y="connsiteY4"/>
+              </a:cxn>
+              <a:cxn ang="0">
+                <a:pos x="connsiteX5" y="connsiteY5"/>
+              </a:cxn>
+              <a:cxn ang="0">
+                <a:pos x="connsiteX6" y="connsiteY6"/>
+              </a:cxn>
+              <a:cxn ang="0">
+                <a:pos x="connsiteX7" y="connsiteY7"/>
+              </a:cxn>
+              <a:cxn ang="0">
+                <a:pos x="connsiteX8" y="connsiteY8"/>
+              </a:cxn>
+              <a:cxn ang="0">
+                <a:pos x="connsiteX9" y="connsiteY9"/>
+              </a:cxn>
+              <a:cxn ang="0">
+                <a:pos x="connsiteX10" y="connsiteY10"/>
+              </a:cxn>
+              <a:cxn ang="0">
+                <a:pos x="connsiteX11" y="connsiteY11"/>
+              </a:cxn>
+              <a:cxn ang="0">
+                <a:pos x="connsiteX12" y="connsiteY12"/>
+              </a:cxn>
+              <a:cxn ang="0">
+                <a:pos x="connsiteX13" y="connsiteY13"/>
+              </a:cxn>
+              <a:cxn ang="0">
+                <a:pos x="connsiteX14" y="connsiteY14"/>
+              </a:cxn>
+              <a:cxn ang="0">
+                <a:pos x="connsiteX15" y="connsiteY15"/>
+              </a:cxn>
+              <a:cxn ang="0">
+                <a:pos x="connsiteX16" y="connsiteY16"/>
+              </a:cxn>
+            </a:cxnLst>
+            <a:rect l="l" t="t" r="r" b="b"/>
+            <a:pathLst>
+              <a:path w="139037" h="139039">
+                <a:moveTo>
+                  <a:pt x="129600" y="60082"/>
+                </a:moveTo>
+                <a:lnTo>
+                  <a:pt x="78955" y="60082"/>
+                </a:lnTo>
+                <a:lnTo>
+                  <a:pt x="78955" y="9437"/>
+                </a:lnTo>
+                <a:cubicBezTo>
+                  <a:pt x="78955" y="4225"/>
+                  <a:pt x="74730" y="0"/>
+                  <a:pt x="69519" y="0"/>
+                </a:cubicBezTo>
+                <a:cubicBezTo>
+                  <a:pt x="64307" y="0"/>
+                  <a:pt x="60082" y="4225"/>
+                  <a:pt x="60082" y="9437"/>
+                </a:cubicBezTo>
+                <a:lnTo>
+                  <a:pt x="60082" y="60082"/>
+                </a:lnTo>
+                <a:lnTo>
+                  <a:pt x="9437" y="60082"/>
+                </a:lnTo>
+                <a:cubicBezTo>
+                  <a:pt x="4225" y="60082"/>
+                  <a:pt x="0" y="64308"/>
+                  <a:pt x="0" y="69520"/>
+                </a:cubicBezTo>
+                <a:cubicBezTo>
+                  <a:pt x="0" y="74731"/>
+                  <a:pt x="4225" y="78957"/>
+                  <a:pt x="9437" y="78957"/>
+                </a:cubicBezTo>
+                <a:lnTo>
+                  <a:pt x="60082" y="78957"/>
+                </a:lnTo>
+                <a:lnTo>
+                  <a:pt x="60082" y="129602"/>
+                </a:lnTo>
+                <a:cubicBezTo>
+                  <a:pt x="60082" y="134814"/>
+                  <a:pt x="64307" y="139039"/>
+                  <a:pt x="69519" y="139039"/>
+                </a:cubicBezTo>
+                <a:cubicBezTo>
+                  <a:pt x="74730" y="139039"/>
+                  <a:pt x="78955" y="134814"/>
+                  <a:pt x="78955" y="129602"/>
+                </a:cubicBezTo>
+                <a:lnTo>
+                  <a:pt x="78955" y="78957"/>
+                </a:lnTo>
+                <a:lnTo>
+                  <a:pt x="129600" y="78957"/>
+                </a:lnTo>
+                <a:cubicBezTo>
+                  <a:pt x="134812" y="78957"/>
+                  <a:pt x="139037" y="74731"/>
+                  <a:pt x="139037" y="69520"/>
+                </a:cubicBezTo>
+                <a:cubicBezTo>
+                  <a:pt x="139037" y="64308"/>
+                  <a:pt x="134812" y="60082"/>
+                  <a:pt x="129600" y="60082"/>
+                </a:cubicBezTo>
+                <a:close/>
+              </a:path>
+            </a:pathLst>
+          </a:custGeom>
+          <a:solidFill>
+            <a:srgbClr val="FFFFFF"/>
+          </a:solidFill>
+          <a:ln w="603" cap="flat">
+            <a:noFill/>
+            <a:prstDash val="solid"/>
+            <a:miter/>
+          </a:ln>
+        </p:spPr>
+        <p:txBody>
+          <a:bodyPr rtlCol="0" anchor="ctr"/>
+          <a:lstStyle/>
+          <a:p>
+            <a:endParaRPr lang="en-US">
+              <a:solidFill>
+                <a:srgbClr val="FFFFFF"/>
+              </a:solidFill>
+            </a:endParaRPr>
+          </a:p>
+        </p:txBody>
+      </p:sp>
+      <p:cxnSp>
+        <p:nvCxnSpPr>
+          <p:cNvPr id="52" name="!!Straight Connector">
+            <a:extLst>
+              <a:ext uri="{FF2B5EF4-FFF2-40B4-BE49-F238E27FC236}">
+                <a16:creationId xmlns:a16="http://schemas.microsoft.com/office/drawing/2014/main" id="{56020367-4FD5-4596-8E10-C5F095CD8DBF}"/>
+              </a:ext>
+              <a:ext uri="{C183D7F6-B498-43B3-948B-1728B52AA6E4}">
+                <adec:decorative xmlns:adec="http://schemas.microsoft.com/office/drawing/2017/decorative" val="1"/>
+              </a:ext>
+            </a:extLst>
+          </p:cNvPr>
+          <p:cNvCxnSpPr>
+            <a:cxnSpLocks noGrp="1" noRot="1" noChangeAspect="1" noMove="1" noResize="1" noEditPoints="1" noAdjustHandles="1" noChangeArrowheads="1" noChangeShapeType="1"/>
+          </p:cNvCxnSpPr>
+          <p:nvPr>
+            <p:extLst>
+              <p:ext uri="{386F3935-93C4-4BCD-93E2-E3B085C9AB24}">
+                <p16:designElem xmlns:p16="http://schemas.microsoft.com/office/powerpoint/2015/main" val="1"/>
+              </p:ext>
+            </p:extLst>
+          </p:nvPr>
+        </p:nvCxnSpPr>
+        <p:spPr>
+          <a:xfrm>
+            <a:off x="5447322" y="1598246"/>
+            <a:ext cx="0" cy="5259754"/>
+          </a:xfrm>
+          <a:prstGeom prst="line">
+            <a:avLst/>
+          </a:prstGeom>
+          <a:ln w="25400" cap="sq">
+            <a:solidFill>
+              <a:srgbClr val="FFFFFF"/>
+            </a:solidFill>
+            <a:bevel/>
+          </a:ln>
+        </p:spPr>
+        <p:style>
+          <a:lnRef idx="1">
+            <a:schemeClr val="accent1"/>
+          </a:lnRef>
+          <a:fillRef idx="0">
+            <a:schemeClr val="accent1"/>
+          </a:fillRef>
+          <a:effectRef idx="0">
+            <a:schemeClr val="accent1"/>
+          </a:effectRef>
+          <a:fontRef idx="minor">
+            <a:schemeClr val="tx1"/>
+          </a:fontRef>
+        </p:style>
+      </p:cxnSp>
+      <p:pic>
+        <p:nvPicPr>
+          <p:cNvPr id="11" name="Marcador de contenido 10" descr="Interfaz de usuario gráfica&#10;&#10;Descripción generada automáticamente">
+            <a:extLst>
+              <a:ext uri="{FF2B5EF4-FFF2-40B4-BE49-F238E27FC236}">
+                <a16:creationId xmlns:a16="http://schemas.microsoft.com/office/drawing/2014/main" id="{8CEE1B02-FCA3-408B-94BA-91EC3B1EA854}"/>
+              </a:ext>
+            </a:extLst>
+          </p:cNvPr>
+          <p:cNvPicPr>
+            <a:picLocks noChangeAspect="1"/>
+          </p:cNvPicPr>
+          <p:nvPr/>
+        </p:nvPicPr>
+        <p:blipFill rotWithShape="1">
+          <a:blip r:embed="rId2">
+            <a:extLst>
+              <a:ext uri="{28A0092B-C50C-407E-A947-70E740481C1C}">
+                <a14:useLocalDpi xmlns:a14="http://schemas.microsoft.com/office/drawing/2010/main" val="0"/>
+              </a:ext>
+            </a:extLst>
+          </a:blip>
+          <a:srcRect l="9469"/>
+          <a:stretch/>
+        </p:blipFill>
+        <p:spPr>
+          <a:xfrm>
+            <a:off x="5986926" y="1598246"/>
+            <a:ext cx="5569864" cy="4783504"/>
+          </a:xfrm>
+          <a:prstGeom prst="rect">
+            <a:avLst/>
+          </a:prstGeom>
+        </p:spPr>
+      </p:pic>
+      <p:sp>
+        <p:nvSpPr>
+          <p:cNvPr id="54" name="!!circle graphic">
+            <a:extLst>
+              <a:ext uri="{FF2B5EF4-FFF2-40B4-BE49-F238E27FC236}">
+                <a16:creationId xmlns:a16="http://schemas.microsoft.com/office/drawing/2014/main" id="{8D61482F-F3C5-4D66-8C5D-C6BBE3E1275C}"/>
+              </a:ext>
+              <a:ext uri="{C183D7F6-B498-43B3-948B-1728B52AA6E4}">
+                <adec:decorative xmlns:adec="http://schemas.microsoft.com/office/drawing/2017/decorative" val="1"/>
+              </a:ext>
+            </a:extLst>
+          </p:cNvPr>
+          <p:cNvSpPr>
+            <a:spLocks noGrp="1" noRot="1" noChangeAspect="1" noMove="1" noResize="1" noEditPoints="1" noAdjustHandles="1" noChangeArrowheads="1" noChangeShapeType="1" noTextEdit="1"/>
+          </p:cNvSpPr>
+          <p:nvPr>
+            <p:extLst>
+              <p:ext uri="{386F3935-93C4-4BCD-93E2-E3B085C9AB24}">
+                <p16:designElem xmlns:p16="http://schemas.microsoft.com/office/powerpoint/2015/main" val="1"/>
+              </p:ext>
+            </p:extLst>
+          </p:nvPr>
+        </p:nvSpPr>
+        <p:spPr>
+          <a:xfrm>
+            <a:off x="11752801" y="1659316"/>
+            <a:ext cx="127713" cy="127714"/>
+          </a:xfrm>
+          <a:custGeom>
+            <a:avLst/>
+            <a:gdLst>
+              <a:gd name="connsiteX0" fmla="*/ 63857 w 127713"/>
+              <a:gd name="connsiteY0" fmla="*/ 18874 h 127714"/>
+              <a:gd name="connsiteX1" fmla="*/ 108839 w 127713"/>
+              <a:gd name="connsiteY1" fmla="*/ 63857 h 127714"/>
+              <a:gd name="connsiteX2" fmla="*/ 63857 w 127713"/>
+              <a:gd name="connsiteY2" fmla="*/ 108840 h 127714"/>
+              <a:gd name="connsiteX3" fmla="*/ 18874 w 127713"/>
+              <a:gd name="connsiteY3" fmla="*/ 63857 h 127714"/>
+              <a:gd name="connsiteX4" fmla="*/ 63857 w 127713"/>
+              <a:gd name="connsiteY4" fmla="*/ 18874 h 127714"/>
+              <a:gd name="connsiteX5" fmla="*/ 63857 w 127713"/>
+              <a:gd name="connsiteY5" fmla="*/ 0 h 127714"/>
+              <a:gd name="connsiteX6" fmla="*/ 0 w 127713"/>
+              <a:gd name="connsiteY6" fmla="*/ 63857 h 127714"/>
+              <a:gd name="connsiteX7" fmla="*/ 63857 w 127713"/>
+              <a:gd name="connsiteY7" fmla="*/ 127714 h 127714"/>
+              <a:gd name="connsiteX8" fmla="*/ 127713 w 127713"/>
+              <a:gd name="connsiteY8" fmla="*/ 63857 h 127714"/>
+              <a:gd name="connsiteX9" fmla="*/ 63857 w 127713"/>
+              <a:gd name="connsiteY9" fmla="*/ 0 h 127714"/>
+            </a:gdLst>
+            <a:ahLst/>
+            <a:cxnLst>
+              <a:cxn ang="0">
+                <a:pos x="connsiteX0" y="connsiteY0"/>
+              </a:cxn>
+              <a:cxn ang="0">
+                <a:pos x="connsiteX1" y="connsiteY1"/>
+              </a:cxn>
+              <a:cxn ang="0">
+                <a:pos x="connsiteX2" y="connsiteY2"/>
+              </a:cxn>
+              <a:cxn ang="0">
+                <a:pos x="connsiteX3" y="connsiteY3"/>
+              </a:cxn>
+              <a:cxn ang="0">
+                <a:pos x="connsiteX4" y="connsiteY4"/>
+              </a:cxn>
+              <a:cxn ang="0">
+                <a:pos x="connsiteX5" y="connsiteY5"/>
+              </a:cxn>
+              <a:cxn ang="0">
+                <a:pos x="connsiteX6" y="connsiteY6"/>
+              </a:cxn>
+              <a:cxn ang="0">
+                <a:pos x="connsiteX7" y="connsiteY7"/>
+              </a:cxn>
+              <a:cxn ang="0">
+                <a:pos x="connsiteX8" y="connsiteY8"/>
+              </a:cxn>
+              <a:cxn ang="0">
+                <a:pos x="connsiteX9" y="connsiteY9"/>
+              </a:cxn>
+            </a:cxnLst>
+            <a:rect l="l" t="t" r="r" b="b"/>
+            <a:pathLst>
+              <a:path w="127713" h="127714">
+                <a:moveTo>
+                  <a:pt x="63857" y="18874"/>
+                </a:moveTo>
+                <a:cubicBezTo>
+                  <a:pt x="88700" y="18874"/>
+                  <a:pt x="108839" y="39014"/>
+                  <a:pt x="108839" y="63857"/>
+                </a:cubicBezTo>
+                <a:cubicBezTo>
+                  <a:pt x="108839" y="88700"/>
+                  <a:pt x="88700" y="108840"/>
+                  <a:pt x="63857" y="108840"/>
+                </a:cubicBezTo>
+                <a:cubicBezTo>
+                  <a:pt x="39013" y="108840"/>
+                  <a:pt x="18874" y="88700"/>
+                  <a:pt x="18874" y="63857"/>
+                </a:cubicBezTo>
+                <a:cubicBezTo>
+                  <a:pt x="18898" y="39024"/>
+                  <a:pt x="39023" y="18898"/>
+                  <a:pt x="63857" y="18874"/>
+                </a:cubicBezTo>
+                <a:moveTo>
+                  <a:pt x="63857" y="0"/>
+                </a:moveTo>
+                <a:cubicBezTo>
+                  <a:pt x="28590" y="0"/>
+                  <a:pt x="0" y="28590"/>
+                  <a:pt x="0" y="63857"/>
+                </a:cubicBezTo>
+                <a:cubicBezTo>
+                  <a:pt x="0" y="99124"/>
+                  <a:pt x="28590" y="127714"/>
+                  <a:pt x="63857" y="127714"/>
+                </a:cubicBezTo>
+                <a:cubicBezTo>
+                  <a:pt x="99124" y="127714"/>
+                  <a:pt x="127713" y="99124"/>
+                  <a:pt x="127713" y="63857"/>
+                </a:cubicBezTo>
+                <a:cubicBezTo>
+                  <a:pt x="127713" y="28590"/>
+                  <a:pt x="99124" y="0"/>
+                  <a:pt x="63857" y="0"/>
+                </a:cubicBezTo>
+                <a:close/>
+              </a:path>
+            </a:pathLst>
+          </a:custGeom>
+          <a:solidFill>
+            <a:srgbClr val="FFFFFF"/>
+          </a:solidFill>
+          <a:ln w="610" cap="flat">
+            <a:noFill/>
+            <a:prstDash val="solid"/>
+            <a:miter/>
+          </a:ln>
+        </p:spPr>
+        <p:txBody>
+          <a:bodyPr rtlCol="0" anchor="ctr"/>
+          <a:lstStyle/>
+          <a:p>
+            <a:endParaRPr lang="en-US">
+              <a:solidFill>
+                <a:srgbClr val="FFFFFF"/>
+              </a:solidFill>
+            </a:endParaRPr>
+          </a:p>
+        </p:txBody>
+      </p:sp>
+    </p:spTree>
+    <p:extLst>
+      <p:ext uri="{BB962C8B-B14F-4D97-AF65-F5344CB8AC3E}">
+        <p14:creationId xmlns:p14="http://schemas.microsoft.com/office/powerpoint/2010/main" val="1594578221"/>
+      </p:ext>
+    </p:extLst>
+  </p:cSld>
+  <p:clrMapOvr>
+    <a:masterClrMapping/>
+  </p:clrMapOvr>
+</p:sld>
+</file>
+
+<file path=ppt/slides/slide5.xml><?xml version="1.0" encoding="utf-8"?>
+<p:sld xmlns:a="http://schemas.openxmlformats.org/drawingml/2006/main" xmlns:r="http://schemas.openxmlformats.org/officeDocument/2006/relationships" xmlns:p="http://schemas.openxmlformats.org/presentationml/2006/main">
+  <p:cSld>
+    <p:bg>
+      <p:bgPr>
+        <a:solidFill>
+          <a:schemeClr val="bg1"/>
+        </a:solidFill>
+        <a:effectLst/>
+      </p:bgPr>
+    </p:bg>
+    <p:spTree>
+      <p:nvGrpSpPr>
+        <p:cNvPr id="1" name=""/>
+        <p:cNvGrpSpPr/>
+        <p:nvPr/>
+      </p:nvGrpSpPr>
+      <p:grpSpPr>
+        <a:xfrm>
+          <a:off x="0" y="0"/>
+          <a:ext cx="0" cy="0"/>
+          <a:chOff x="0" y="0"/>
+          <a:chExt cx="0" cy="0"/>
+        </a:xfrm>
+      </p:grpSpPr>
+      <p:sp useBgFill="1">
+        <p:nvSpPr>
+          <p:cNvPr id="91" name="Rectangle 90">
+            <a:extLst>
+              <a:ext uri="{FF2B5EF4-FFF2-40B4-BE49-F238E27FC236}">
+                <a16:creationId xmlns:a16="http://schemas.microsoft.com/office/drawing/2014/main" id="{5BF4DF2C-F028-4921-9C23-41303F650A62}"/>
+              </a:ext>
+              <a:ext uri="{C183D7F6-B498-43B3-948B-1728B52AA6E4}">
+                <adec:decorative xmlns:adec="http://schemas.microsoft.com/office/drawing/2017/decorative" val="1"/>
+              </a:ext>
+            </a:extLst>
+          </p:cNvPr>
+          <p:cNvSpPr>
+            <a:spLocks noGrp="1" noRot="1" noChangeAspect="1" noMove="1" noResize="1" noEditPoints="1" noAdjustHandles="1" noChangeArrowheads="1" noChangeShapeType="1" noTextEdit="1"/>
+          </p:cNvSpPr>
+          <p:nvPr>
+            <p:extLst>
+              <p:ext uri="{386F3935-93C4-4BCD-93E2-E3B085C9AB24}">
+                <p16:designElem xmlns:p16="http://schemas.microsoft.com/office/powerpoint/2015/main" val="1"/>
+              </p:ext>
+            </p:extLst>
+          </p:nvPr>
+        </p:nvSpPr>
+        <p:spPr>
+          <a:xfrm>
+            <a:off x="0" y="0"/>
             <a:ext cx="12192000" cy="6858000"/>
           </a:xfrm>
           <a:prstGeom prst="rect">
@@ -6227,36 +6769,83 @@
           <a:bodyPr rtlCol="0" anchor="ctr"/>
           <a:lstStyle/>
           <a:p>
-            <a:pPr marL="0" marR="0" lvl="0" indent="0" algn="ctr" defTabSz="914400" rtl="0" eaLnBrk="1" fontAlgn="auto" latinLnBrk="0" hangingPunct="1">
-              <a:lnSpc>
-                <a:spcPct val="100000"/>
-              </a:lnSpc>
-              <a:spcBef>
-                <a:spcPts val="0"/>
-              </a:spcBef>
-              <a:spcAft>
-                <a:spcPts val="0"/>
-              </a:spcAft>
-              <a:buClrTx/>
-              <a:buSzTx/>
-              <a:buFontTx/>
-              <a:buNone/>
-              <a:tabLst/>
-              <a:defRPr/>
-            </a:pPr>
-            <a:endParaRPr kumimoji="0" lang="en-US" sz="1800" b="0" i="0" u="none" strike="noStrike" kern="1200" cap="none" spc="0" normalizeH="0" baseline="0" noProof="0">
-              <a:ln>
-                <a:noFill/>
-              </a:ln>
+            <a:pPr algn="ctr"/>
+            <a:endParaRPr lang="en-US"/>
+          </a:p>
+        </p:txBody>
+      </p:sp>
+      <p:sp>
+        <p:nvSpPr>
+          <p:cNvPr id="93" name="Rectangle 92">
+            <a:extLst>
+              <a:ext uri="{FF2B5EF4-FFF2-40B4-BE49-F238E27FC236}">
+                <a16:creationId xmlns:a16="http://schemas.microsoft.com/office/drawing/2014/main" id="{158B3569-73B2-4D05-8E95-886A6EE17F1F}"/>
+              </a:ext>
+              <a:ext uri="{C183D7F6-B498-43B3-948B-1728B52AA6E4}">
+                <adec:decorative xmlns:adec="http://schemas.microsoft.com/office/drawing/2017/decorative" val="1"/>
+              </a:ext>
+            </a:extLst>
+          </p:cNvPr>
+          <p:cNvSpPr>
+            <a:spLocks noGrp="1" noRot="1" noChangeAspect="1" noMove="1" noResize="1" noEditPoints="1" noAdjustHandles="1" noChangeArrowheads="1" noChangeShapeType="1" noTextEdit="1"/>
+          </p:cNvSpPr>
+          <p:nvPr>
+            <p:extLst>
+              <p:ext uri="{386F3935-93C4-4BCD-93E2-E3B085C9AB24}">
+                <p16:designElem xmlns:p16="http://schemas.microsoft.com/office/powerpoint/2015/main" val="1"/>
+              </p:ext>
+            </p:extLst>
+          </p:nvPr>
+        </p:nvSpPr>
+        <p:spPr>
+          <a:xfrm>
+            <a:off x="0" y="0"/>
+            <a:ext cx="12192000" cy="6858000"/>
+          </a:xfrm>
+          <a:prstGeom prst="rect">
+            <a:avLst/>
+          </a:prstGeom>
+          <a:gradFill flip="none" rotWithShape="1">
+            <a:gsLst>
+              <a:gs pos="0">
+                <a:schemeClr val="accent1"/>
+              </a:gs>
+              <a:gs pos="100000">
+                <a:schemeClr val="accent2"/>
+              </a:gs>
+            </a:gsLst>
+            <a:lin ang="2700000" scaled="1"/>
+            <a:tileRect/>
+          </a:gradFill>
+          <a:ln>
+            <a:noFill/>
+          </a:ln>
+        </p:spPr>
+        <p:style>
+          <a:lnRef idx="2">
+            <a:schemeClr val="accent1">
+              <a:shade val="50000"/>
+            </a:schemeClr>
+          </a:lnRef>
+          <a:fillRef idx="1">
+            <a:schemeClr val="accent1"/>
+          </a:fillRef>
+          <a:effectRef idx="0">
+            <a:schemeClr val="accent1"/>
+          </a:effectRef>
+          <a:fontRef idx="minor">
+            <a:schemeClr val="lt1"/>
+          </a:fontRef>
+        </p:style>
+        <p:txBody>
+          <a:bodyPr rtlCol="0" anchor="ctr"/>
+          <a:lstStyle/>
+          <a:p>
+            <a:pPr algn="ctr"/>
+            <a:endParaRPr lang="en-US">
               <a:solidFill>
-                <a:prstClr val="white"/>
+                <a:srgbClr val="FFFFFF"/>
               </a:solidFill>
-              <a:effectLst/>
-              <a:uLnTx/>
-              <a:uFillTx/>
-              <a:latin typeface="Tw Cen MT" panose="020B0602020104020603"/>
-              <a:ea typeface="+mn-ea"/>
-              <a:cs typeface="+mn-cs"/>
             </a:endParaRPr>
           </a:p>
         </p:txBody>
@@ -6279,20 +6868,21 @@
         </p:nvSpPr>
         <p:spPr>
           <a:xfrm>
-            <a:off x="841248" y="818457"/>
-            <a:ext cx="3322317" cy="2975876"/>
+            <a:off x="457200" y="1598246"/>
+            <a:ext cx="4412419" cy="3626217"/>
           </a:xfrm>
         </p:spPr>
         <p:txBody>
-          <a:bodyPr vert="horz" lIns="91440" tIns="45720" rIns="91440" bIns="45720" rtlCol="0" anchor="b">
+          <a:bodyPr vert="horz" lIns="91440" tIns="45720" rIns="91440" bIns="45720" rtlCol="0" anchor="t">
             <a:normAutofit/>
           </a:bodyPr>
           <a:lstStyle/>
           <a:p>
+            <a:pPr algn="r"/>
             <a:r>
-              <a:rPr lang="en-US" b="1" kern="1200">
+              <a:rPr lang="en-US" sz="7400" b="1" kern="1200">
                 <a:solidFill>
-                  <a:schemeClr val="tx1"/>
+                  <a:srgbClr val="FFFFFF"/>
                 </a:solidFill>
                 <a:latin typeface="+mj-lt"/>
                 <a:ea typeface="+mj-ea"/>
@@ -6300,33 +6890,69 @@
               </a:rPr>
               <a:t>Wireframe</a:t>
             </a:r>
-            <a:br>
-              <a:rPr lang="en-US" b="1" kern="1200">
+          </a:p>
+        </p:txBody>
+      </p:sp>
+      <p:sp>
+        <p:nvSpPr>
+          <p:cNvPr id="8" name="Marcador de número de diapositiva 7">
+            <a:extLst>
+              <a:ext uri="{FF2B5EF4-FFF2-40B4-BE49-F238E27FC236}">
+                <a16:creationId xmlns:a16="http://schemas.microsoft.com/office/drawing/2014/main" id="{70F12140-2ED5-4804-9DDC-99FA7430BD47}"/>
+              </a:ext>
+            </a:extLst>
+          </p:cNvPr>
+          <p:cNvSpPr>
+            <a:spLocks noGrp="1"/>
+          </p:cNvSpPr>
+          <p:nvPr>
+            <p:ph type="sldNum" sz="quarter" idx="12"/>
+          </p:nvPr>
+        </p:nvSpPr>
+        <p:spPr>
+          <a:xfrm>
+            <a:off x="8610600" y="224937"/>
+            <a:ext cx="2743200" cy="365125"/>
+          </a:xfrm>
+        </p:spPr>
+        <p:txBody>
+          <a:bodyPr vert="horz" lIns="91440" tIns="45720" rIns="91440" bIns="45720" rtlCol="0" anchor="ctr">
+            <a:normAutofit/>
+          </a:bodyPr>
+          <a:lstStyle/>
+          <a:p>
+            <a:pPr>
+              <a:spcAft>
+                <a:spcPts val="600"/>
+              </a:spcAft>
+            </a:pPr>
+            <a:fld id="{A59AE7EA-4493-405D-9A66-B6513C9897B9}" type="slidenum">
+              <a:rPr lang="en-US">
                 <a:solidFill>
-                  <a:schemeClr val="tx1"/>
+                  <a:srgbClr val="FFFFFF"/>
                 </a:solidFill>
-                <a:latin typeface="+mj-lt"/>
-                <a:ea typeface="+mj-ea"/>
-                <a:cs typeface="+mj-cs"/>
               </a:rPr>
-            </a:br>
-            <a:endParaRPr lang="en-US" b="1" kern="1200">
+              <a:pPr>
+                <a:spcAft>
+                  <a:spcPts val="600"/>
+                </a:spcAft>
+              </a:pPr>
+              <a:t>5</a:t>
+            </a:fld>
+            <a:endParaRPr lang="en-US">
               <a:solidFill>
-                <a:schemeClr val="tx1"/>
+                <a:srgbClr val="FFFFFF"/>
               </a:solidFill>
-              <a:latin typeface="+mj-lt"/>
-              <a:ea typeface="+mj-ea"/>
-              <a:cs typeface="+mj-cs"/>
             </a:endParaRPr>
           </a:p>
         </p:txBody>
       </p:sp>
       <p:cxnSp>
         <p:nvCxnSpPr>
-          <p:cNvPr id="27" name="Straight Connector 26">
-            <a:extLst>
-              <a:ext uri="{FF2B5EF4-FFF2-40B4-BE49-F238E27FC236}">
-                <a16:creationId xmlns:a16="http://schemas.microsoft.com/office/drawing/2014/main" id="{040575EE-C594-4566-BC00-663004E52AB5}"/>
+          <p:cNvPr id="95" name="Straight Connector 94">
+            <a:extLst>
+              <a:ext uri="{FF2B5EF4-FFF2-40B4-BE49-F238E27FC236}">
+                <a16:creationId xmlns:a16="http://schemas.microsoft.com/office/drawing/2014/main" id="{56020367-4FD5-4596-8E10-C5F095CD8DBF}"/>
               </a:ext>
               <a:ext uri="{C183D7F6-B498-43B3-948B-1728B52AA6E4}">
                 <adec:decorative xmlns:adec="http://schemas.microsoft.com/office/drawing/2017/decorative" val="1"/>
@@ -6346,16 +6972,17 @@
         </p:nvCxnSpPr>
         <p:spPr>
           <a:xfrm>
-            <a:off x="4763566" y="1417320"/>
-            <a:ext cx="0" cy="4023360"/>
+            <a:off x="5447322" y="1589368"/>
+            <a:ext cx="0" cy="5259754"/>
           </a:xfrm>
           <a:prstGeom prst="line">
             <a:avLst/>
           </a:prstGeom>
-          <a:ln w="15875">
+          <a:ln w="25400" cap="sq">
             <a:solidFill>
-              <a:schemeClr val="tx1"/>
+              <a:srgbClr val="FFFFFF"/>
             </a:solidFill>
+            <a:bevel/>
           </a:ln>
         </p:spPr>
         <p:style>
@@ -6375,10 +7002,10 @@
       </p:cxnSp>
       <p:pic>
         <p:nvPicPr>
-          <p:cNvPr id="11" name="Marcador de contenido 10" descr="Interfaz de usuario gráfica&#10;&#10;Descripción generada automáticamente">
-            <a:extLst>
-              <a:ext uri="{FF2B5EF4-FFF2-40B4-BE49-F238E27FC236}">
-                <a16:creationId xmlns:a16="http://schemas.microsoft.com/office/drawing/2014/main" id="{8CEE1B02-FCA3-408B-94BA-91EC3B1EA854}"/>
+          <p:cNvPr id="7" name="Marcador de contenido 6" descr="Interfaz de usuario gráfica&#10;&#10;Descripción generada automáticamente">
+            <a:extLst>
+              <a:ext uri="{FF2B5EF4-FFF2-40B4-BE49-F238E27FC236}">
+                <a16:creationId xmlns:a16="http://schemas.microsoft.com/office/drawing/2014/main" id="{B0E097AE-5462-4770-9726-13509580A438}"/>
               </a:ext>
             </a:extLst>
           </p:cNvPr>
@@ -6401,65 +7028,435 @@
         </p:blipFill>
         <p:spPr>
           <a:xfrm>
-            <a:off x="5344678" y="926792"/>
-            <a:ext cx="6436548" cy="5004415"/>
+            <a:off x="7497460" y="1598246"/>
+            <a:ext cx="2643062" cy="4719754"/>
           </a:xfrm>
           <a:prstGeom prst="rect">
             <a:avLst/>
           </a:prstGeom>
         </p:spPr>
       </p:pic>
-      <p:sp>
-        <p:nvSpPr>
-          <p:cNvPr id="12" name="Marcador de número de diapositiva 11">
-            <a:extLst>
-              <a:ext uri="{FF2B5EF4-FFF2-40B4-BE49-F238E27FC236}">
-                <a16:creationId xmlns:a16="http://schemas.microsoft.com/office/drawing/2014/main" id="{4F7C8F25-FB7E-4BB0-B240-CEE9279B777A}"/>
-              </a:ext>
-            </a:extLst>
-          </p:cNvPr>
-          <p:cNvSpPr>
-            <a:spLocks noGrp="1"/>
-          </p:cNvSpPr>
-          <p:nvPr>
-            <p:ph type="sldNum" sz="quarter" idx="12"/>
-          </p:nvPr>
-        </p:nvSpPr>
-        <p:spPr/>
-        <p:txBody>
-          <a:bodyPr/>
-          <a:lstStyle/>
-          <a:p>
-            <a:fld id="{A59AE7EA-4493-405D-9A66-B6513C9897B9}" type="slidenum">
-              <a:rPr lang="es-CO" smtClean="0"/>
-              <a:t>4</a:t>
-            </a:fld>
-            <a:endParaRPr lang="es-CO"/>
-          </a:p>
-        </p:txBody>
-      </p:sp>
+      <p:grpSp>
+        <p:nvGrpSpPr>
+          <p:cNvPr id="97" name="Group 96">
+            <a:extLst>
+              <a:ext uri="{FF2B5EF4-FFF2-40B4-BE49-F238E27FC236}">
+                <a16:creationId xmlns:a16="http://schemas.microsoft.com/office/drawing/2014/main" id="{892B7B61-D701-474B-AE8F-EA238B550A78}"/>
+              </a:ext>
+              <a:ext uri="{C183D7F6-B498-43B3-948B-1728B52AA6E4}">
+                <adec:decorative xmlns:adec="http://schemas.microsoft.com/office/drawing/2017/decorative" val="1"/>
+              </a:ext>
+            </a:extLst>
+          </p:cNvPr>
+          <p:cNvGrpSpPr>
+            <a:grpSpLocks noGrp="1" noUngrp="1" noRot="1" noChangeAspect="1" noMove="1" noResize="1"/>
+          </p:cNvGrpSpPr>
+          <p:nvPr>
+            <p:extLst>
+              <p:ext uri="{386F3935-93C4-4BCD-93E2-E3B085C9AB24}">
+                <p16:designElem xmlns:p16="http://schemas.microsoft.com/office/powerpoint/2015/main" val="1"/>
+              </p:ext>
+            </p:extLst>
+          </p:nvPr>
+        </p:nvGrpSpPr>
+        <p:grpSpPr>
+          <a:xfrm>
+            <a:off x="11512034" y="1267063"/>
+            <a:ext cx="368480" cy="519967"/>
+            <a:chOff x="11512034" y="1267063"/>
+            <a:chExt cx="368480" cy="519967"/>
+          </a:xfrm>
+          <a:solidFill>
+            <a:srgbClr val="FFFFFF"/>
+          </a:solidFill>
+        </p:grpSpPr>
+        <p:sp>
+          <p:nvSpPr>
+            <p:cNvPr id="98" name="Graphic 17">
+              <a:extLst>
+                <a:ext uri="{FF2B5EF4-FFF2-40B4-BE49-F238E27FC236}">
+                  <a16:creationId xmlns:a16="http://schemas.microsoft.com/office/drawing/2014/main" id="{B71758F4-3F46-45DA-8AC5-4E508DA080BA}"/>
+                </a:ext>
+                <a:ext uri="{C183D7F6-B498-43B3-948B-1728B52AA6E4}">
+                  <adec:decorative xmlns:adec="http://schemas.microsoft.com/office/drawing/2017/decorative" val="1"/>
+                </a:ext>
+              </a:extLst>
+            </p:cNvPr>
+            <p:cNvSpPr/>
+            <p:nvPr>
+              <p:extLst>
+                <p:ext uri="{386F3935-93C4-4BCD-93E2-E3B085C9AB24}">
+                  <p16:designElem xmlns:p16="http://schemas.microsoft.com/office/powerpoint/2015/main" val="1"/>
+                </p:ext>
+              </p:extLst>
+            </p:nvPr>
+          </p:nvSpPr>
+          <p:spPr>
+            <a:xfrm>
+              <a:off x="11512034" y="1267063"/>
+              <a:ext cx="139037" cy="139039"/>
+            </a:xfrm>
+            <a:custGeom>
+              <a:avLst/>
+              <a:gdLst>
+                <a:gd name="connsiteX0" fmla="*/ 129600 w 139037"/>
+                <a:gd name="connsiteY0" fmla="*/ 60082 h 139039"/>
+                <a:gd name="connsiteX1" fmla="*/ 78955 w 139037"/>
+                <a:gd name="connsiteY1" fmla="*/ 60082 h 139039"/>
+                <a:gd name="connsiteX2" fmla="*/ 78955 w 139037"/>
+                <a:gd name="connsiteY2" fmla="*/ 9437 h 139039"/>
+                <a:gd name="connsiteX3" fmla="*/ 69519 w 139037"/>
+                <a:gd name="connsiteY3" fmla="*/ 0 h 139039"/>
+                <a:gd name="connsiteX4" fmla="*/ 60082 w 139037"/>
+                <a:gd name="connsiteY4" fmla="*/ 9437 h 139039"/>
+                <a:gd name="connsiteX5" fmla="*/ 60082 w 139037"/>
+                <a:gd name="connsiteY5" fmla="*/ 60082 h 139039"/>
+                <a:gd name="connsiteX6" fmla="*/ 9437 w 139037"/>
+                <a:gd name="connsiteY6" fmla="*/ 60082 h 139039"/>
+                <a:gd name="connsiteX7" fmla="*/ 0 w 139037"/>
+                <a:gd name="connsiteY7" fmla="*/ 69520 h 139039"/>
+                <a:gd name="connsiteX8" fmla="*/ 9437 w 139037"/>
+                <a:gd name="connsiteY8" fmla="*/ 78957 h 139039"/>
+                <a:gd name="connsiteX9" fmla="*/ 60082 w 139037"/>
+                <a:gd name="connsiteY9" fmla="*/ 78957 h 139039"/>
+                <a:gd name="connsiteX10" fmla="*/ 60082 w 139037"/>
+                <a:gd name="connsiteY10" fmla="*/ 129602 h 139039"/>
+                <a:gd name="connsiteX11" fmla="*/ 69519 w 139037"/>
+                <a:gd name="connsiteY11" fmla="*/ 139039 h 139039"/>
+                <a:gd name="connsiteX12" fmla="*/ 78955 w 139037"/>
+                <a:gd name="connsiteY12" fmla="*/ 129602 h 139039"/>
+                <a:gd name="connsiteX13" fmla="*/ 78955 w 139037"/>
+                <a:gd name="connsiteY13" fmla="*/ 78957 h 139039"/>
+                <a:gd name="connsiteX14" fmla="*/ 129600 w 139037"/>
+                <a:gd name="connsiteY14" fmla="*/ 78957 h 139039"/>
+                <a:gd name="connsiteX15" fmla="*/ 139037 w 139037"/>
+                <a:gd name="connsiteY15" fmla="*/ 69520 h 139039"/>
+                <a:gd name="connsiteX16" fmla="*/ 129600 w 139037"/>
+                <a:gd name="connsiteY16" fmla="*/ 60082 h 139039"/>
+              </a:gdLst>
+              <a:ahLst/>
+              <a:cxnLst>
+                <a:cxn ang="0">
+                  <a:pos x="connsiteX0" y="connsiteY0"/>
+                </a:cxn>
+                <a:cxn ang="0">
+                  <a:pos x="connsiteX1" y="connsiteY1"/>
+                </a:cxn>
+                <a:cxn ang="0">
+                  <a:pos x="connsiteX2" y="connsiteY2"/>
+                </a:cxn>
+                <a:cxn ang="0">
+                  <a:pos x="connsiteX3" y="connsiteY3"/>
+                </a:cxn>
+                <a:cxn ang="0">
+                  <a:pos x="connsiteX4" y="connsiteY4"/>
+                </a:cxn>
+                <a:cxn ang="0">
+                  <a:pos x="connsiteX5" y="connsiteY5"/>
+                </a:cxn>
+                <a:cxn ang="0">
+                  <a:pos x="connsiteX6" y="connsiteY6"/>
+                </a:cxn>
+                <a:cxn ang="0">
+                  <a:pos x="connsiteX7" y="connsiteY7"/>
+                </a:cxn>
+                <a:cxn ang="0">
+                  <a:pos x="connsiteX8" y="connsiteY8"/>
+                </a:cxn>
+                <a:cxn ang="0">
+                  <a:pos x="connsiteX9" y="connsiteY9"/>
+                </a:cxn>
+                <a:cxn ang="0">
+                  <a:pos x="connsiteX10" y="connsiteY10"/>
+                </a:cxn>
+                <a:cxn ang="0">
+                  <a:pos x="connsiteX11" y="connsiteY11"/>
+                </a:cxn>
+                <a:cxn ang="0">
+                  <a:pos x="connsiteX12" y="connsiteY12"/>
+                </a:cxn>
+                <a:cxn ang="0">
+                  <a:pos x="connsiteX13" y="connsiteY13"/>
+                </a:cxn>
+                <a:cxn ang="0">
+                  <a:pos x="connsiteX14" y="connsiteY14"/>
+                </a:cxn>
+                <a:cxn ang="0">
+                  <a:pos x="connsiteX15" y="connsiteY15"/>
+                </a:cxn>
+                <a:cxn ang="0">
+                  <a:pos x="connsiteX16" y="connsiteY16"/>
+                </a:cxn>
+              </a:cxnLst>
+              <a:rect l="l" t="t" r="r" b="b"/>
+              <a:pathLst>
+                <a:path w="139037" h="139039">
+                  <a:moveTo>
+                    <a:pt x="129600" y="60082"/>
+                  </a:moveTo>
+                  <a:lnTo>
+                    <a:pt x="78955" y="60082"/>
+                  </a:lnTo>
+                  <a:lnTo>
+                    <a:pt x="78955" y="9437"/>
+                  </a:lnTo>
+                  <a:cubicBezTo>
+                    <a:pt x="78955" y="4225"/>
+                    <a:pt x="74730" y="0"/>
+                    <a:pt x="69519" y="0"/>
+                  </a:cubicBezTo>
+                  <a:cubicBezTo>
+                    <a:pt x="64307" y="0"/>
+                    <a:pt x="60082" y="4225"/>
+                    <a:pt x="60082" y="9437"/>
+                  </a:cubicBezTo>
+                  <a:lnTo>
+                    <a:pt x="60082" y="60082"/>
+                  </a:lnTo>
+                  <a:lnTo>
+                    <a:pt x="9437" y="60082"/>
+                  </a:lnTo>
+                  <a:cubicBezTo>
+                    <a:pt x="4225" y="60082"/>
+                    <a:pt x="0" y="64308"/>
+                    <a:pt x="0" y="69520"/>
+                  </a:cubicBezTo>
+                  <a:cubicBezTo>
+                    <a:pt x="0" y="74731"/>
+                    <a:pt x="4225" y="78957"/>
+                    <a:pt x="9437" y="78957"/>
+                  </a:cubicBezTo>
+                  <a:lnTo>
+                    <a:pt x="60082" y="78957"/>
+                  </a:lnTo>
+                  <a:lnTo>
+                    <a:pt x="60082" y="129602"/>
+                  </a:lnTo>
+                  <a:cubicBezTo>
+                    <a:pt x="60082" y="134814"/>
+                    <a:pt x="64307" y="139039"/>
+                    <a:pt x="69519" y="139039"/>
+                  </a:cubicBezTo>
+                  <a:cubicBezTo>
+                    <a:pt x="74730" y="139039"/>
+                    <a:pt x="78955" y="134814"/>
+                    <a:pt x="78955" y="129602"/>
+                  </a:cubicBezTo>
+                  <a:lnTo>
+                    <a:pt x="78955" y="78957"/>
+                  </a:lnTo>
+                  <a:lnTo>
+                    <a:pt x="129600" y="78957"/>
+                  </a:lnTo>
+                  <a:cubicBezTo>
+                    <a:pt x="134812" y="78957"/>
+                    <a:pt x="139037" y="74731"/>
+                    <a:pt x="139037" y="69520"/>
+                  </a:cubicBezTo>
+                  <a:cubicBezTo>
+                    <a:pt x="139037" y="64308"/>
+                    <a:pt x="134812" y="60082"/>
+                    <a:pt x="129600" y="60082"/>
+                  </a:cubicBezTo>
+                  <a:close/>
+                </a:path>
+              </a:pathLst>
+            </a:custGeom>
+            <a:grpFill/>
+            <a:ln w="603" cap="flat">
+              <a:noFill/>
+              <a:prstDash val="solid"/>
+              <a:miter/>
+            </a:ln>
+          </p:spPr>
+          <p:txBody>
+            <a:bodyPr rtlCol="0" anchor="ctr"/>
+            <a:lstStyle/>
+            <a:p>
+              <a:endParaRPr lang="en-US">
+                <a:solidFill>
+                  <a:srgbClr val="FFFFFF"/>
+                </a:solidFill>
+              </a:endParaRPr>
+            </a:p>
+          </p:txBody>
+        </p:sp>
+        <p:sp>
+          <p:nvSpPr>
+            <p:cNvPr id="99" name="Graphic 21">
+              <a:extLst>
+                <a:ext uri="{FF2B5EF4-FFF2-40B4-BE49-F238E27FC236}">
+                  <a16:creationId xmlns:a16="http://schemas.microsoft.com/office/drawing/2014/main" id="{8D61482F-F3C5-4D66-8C5D-C6BBE3E1275C}"/>
+                </a:ext>
+                <a:ext uri="{C183D7F6-B498-43B3-948B-1728B52AA6E4}">
+                  <adec:decorative xmlns:adec="http://schemas.microsoft.com/office/drawing/2017/decorative" val="1"/>
+                </a:ext>
+              </a:extLst>
+            </p:cNvPr>
+            <p:cNvSpPr/>
+            <p:nvPr>
+              <p:extLst>
+                <p:ext uri="{386F3935-93C4-4BCD-93E2-E3B085C9AB24}">
+                  <p16:designElem xmlns:p16="http://schemas.microsoft.com/office/powerpoint/2015/main" val="1"/>
+                </p:ext>
+              </p:extLst>
+            </p:nvPr>
+          </p:nvSpPr>
+          <p:spPr>
+            <a:xfrm>
+              <a:off x="11752801" y="1659316"/>
+              <a:ext cx="127713" cy="127714"/>
+            </a:xfrm>
+            <a:custGeom>
+              <a:avLst/>
+              <a:gdLst>
+                <a:gd name="connsiteX0" fmla="*/ 63857 w 127713"/>
+                <a:gd name="connsiteY0" fmla="*/ 18874 h 127714"/>
+                <a:gd name="connsiteX1" fmla="*/ 108839 w 127713"/>
+                <a:gd name="connsiteY1" fmla="*/ 63857 h 127714"/>
+                <a:gd name="connsiteX2" fmla="*/ 63857 w 127713"/>
+                <a:gd name="connsiteY2" fmla="*/ 108840 h 127714"/>
+                <a:gd name="connsiteX3" fmla="*/ 18874 w 127713"/>
+                <a:gd name="connsiteY3" fmla="*/ 63857 h 127714"/>
+                <a:gd name="connsiteX4" fmla="*/ 63857 w 127713"/>
+                <a:gd name="connsiteY4" fmla="*/ 18874 h 127714"/>
+                <a:gd name="connsiteX5" fmla="*/ 63857 w 127713"/>
+                <a:gd name="connsiteY5" fmla="*/ 0 h 127714"/>
+                <a:gd name="connsiteX6" fmla="*/ 0 w 127713"/>
+                <a:gd name="connsiteY6" fmla="*/ 63857 h 127714"/>
+                <a:gd name="connsiteX7" fmla="*/ 63857 w 127713"/>
+                <a:gd name="connsiteY7" fmla="*/ 127714 h 127714"/>
+                <a:gd name="connsiteX8" fmla="*/ 127713 w 127713"/>
+                <a:gd name="connsiteY8" fmla="*/ 63857 h 127714"/>
+                <a:gd name="connsiteX9" fmla="*/ 63857 w 127713"/>
+                <a:gd name="connsiteY9" fmla="*/ 0 h 127714"/>
+              </a:gdLst>
+              <a:ahLst/>
+              <a:cxnLst>
+                <a:cxn ang="0">
+                  <a:pos x="connsiteX0" y="connsiteY0"/>
+                </a:cxn>
+                <a:cxn ang="0">
+                  <a:pos x="connsiteX1" y="connsiteY1"/>
+                </a:cxn>
+                <a:cxn ang="0">
+                  <a:pos x="connsiteX2" y="connsiteY2"/>
+                </a:cxn>
+                <a:cxn ang="0">
+                  <a:pos x="connsiteX3" y="connsiteY3"/>
+                </a:cxn>
+                <a:cxn ang="0">
+                  <a:pos x="connsiteX4" y="connsiteY4"/>
+                </a:cxn>
+                <a:cxn ang="0">
+                  <a:pos x="connsiteX5" y="connsiteY5"/>
+                </a:cxn>
+                <a:cxn ang="0">
+                  <a:pos x="connsiteX6" y="connsiteY6"/>
+                </a:cxn>
+                <a:cxn ang="0">
+                  <a:pos x="connsiteX7" y="connsiteY7"/>
+                </a:cxn>
+                <a:cxn ang="0">
+                  <a:pos x="connsiteX8" y="connsiteY8"/>
+                </a:cxn>
+                <a:cxn ang="0">
+                  <a:pos x="connsiteX9" y="connsiteY9"/>
+                </a:cxn>
+              </a:cxnLst>
+              <a:rect l="l" t="t" r="r" b="b"/>
+              <a:pathLst>
+                <a:path w="127713" h="127714">
+                  <a:moveTo>
+                    <a:pt x="63857" y="18874"/>
+                  </a:moveTo>
+                  <a:cubicBezTo>
+                    <a:pt x="88700" y="18874"/>
+                    <a:pt x="108839" y="39014"/>
+                    <a:pt x="108839" y="63857"/>
+                  </a:cubicBezTo>
+                  <a:cubicBezTo>
+                    <a:pt x="108839" y="88700"/>
+                    <a:pt x="88700" y="108840"/>
+                    <a:pt x="63857" y="108840"/>
+                  </a:cubicBezTo>
+                  <a:cubicBezTo>
+                    <a:pt x="39013" y="108840"/>
+                    <a:pt x="18874" y="88700"/>
+                    <a:pt x="18874" y="63857"/>
+                  </a:cubicBezTo>
+                  <a:cubicBezTo>
+                    <a:pt x="18898" y="39024"/>
+                    <a:pt x="39023" y="18898"/>
+                    <a:pt x="63857" y="18874"/>
+                  </a:cubicBezTo>
+                  <a:moveTo>
+                    <a:pt x="63857" y="0"/>
+                  </a:moveTo>
+                  <a:cubicBezTo>
+                    <a:pt x="28590" y="0"/>
+                    <a:pt x="0" y="28590"/>
+                    <a:pt x="0" y="63857"/>
+                  </a:cubicBezTo>
+                  <a:cubicBezTo>
+                    <a:pt x="0" y="99124"/>
+                    <a:pt x="28590" y="127714"/>
+                    <a:pt x="63857" y="127714"/>
+                  </a:cubicBezTo>
+                  <a:cubicBezTo>
+                    <a:pt x="99124" y="127714"/>
+                    <a:pt x="127713" y="99124"/>
+                    <a:pt x="127713" y="63857"/>
+                  </a:cubicBezTo>
+                  <a:cubicBezTo>
+                    <a:pt x="127713" y="28590"/>
+                    <a:pt x="99124" y="0"/>
+                    <a:pt x="63857" y="0"/>
+                  </a:cubicBezTo>
+                  <a:close/>
+                </a:path>
+              </a:pathLst>
+            </a:custGeom>
+            <a:grpFill/>
+            <a:ln w="610" cap="flat">
+              <a:noFill/>
+              <a:prstDash val="solid"/>
+              <a:miter/>
+            </a:ln>
+          </p:spPr>
+          <p:txBody>
+            <a:bodyPr rtlCol="0" anchor="ctr"/>
+            <a:lstStyle/>
+            <a:p>
+              <a:endParaRPr lang="en-US">
+                <a:solidFill>
+                  <a:srgbClr val="FFFFFF"/>
+                </a:solidFill>
+              </a:endParaRPr>
+            </a:p>
+          </p:txBody>
+        </p:sp>
+      </p:grpSp>
     </p:spTree>
     <p:extLst>
       <p:ext uri="{BB962C8B-B14F-4D97-AF65-F5344CB8AC3E}">
-        <p14:creationId xmlns:p14="http://schemas.microsoft.com/office/powerpoint/2010/main" val="1594578221"/>
+        <p14:creationId xmlns:p14="http://schemas.microsoft.com/office/powerpoint/2010/main" val="2022562581"/>
       </p:ext>
     </p:extLst>
   </p:cSld>
   <p:clrMapOvr>
-    <a:overrideClrMapping bg1="dk1" tx1="lt1" bg2="dk2" tx2="lt2" accent1="accent1" accent2="accent2" accent3="accent3" accent4="accent4" accent5="accent5" accent6="accent6" hlink="hlink" folHlink="folHlink"/>
+    <a:masterClrMapping/>
   </p:clrMapOvr>
 </p:sld>
 </file>
 
-<file path=ppt/slides/slide5.xml><?xml version="1.0" encoding="utf-8"?>
+<file path=ppt/slides/slide6.xml><?xml version="1.0" encoding="utf-8"?>
 <p:sld xmlns:a="http://schemas.openxmlformats.org/drawingml/2006/main" xmlns:r="http://schemas.openxmlformats.org/officeDocument/2006/relationships" xmlns:p="http://schemas.openxmlformats.org/presentationml/2006/main">
   <p:cSld>
     <p:bg>
       <p:bgPr>
         <a:solidFill>
-          <a:srgbClr val="790568">
-            <a:alpha val="59000"/>
-          </a:srgbClr>
+          <a:schemeClr val="bg1"/>
         </a:solidFill>
         <a:effectLst/>
       </p:bgPr>
@@ -6480,10 +7477,10 @@
       </p:grpSpPr>
       <p:sp useBgFill="1">
         <p:nvSpPr>
-          <p:cNvPr id="70" name="Rectangle 20">
-            <a:extLst>
-              <a:ext uri="{FF2B5EF4-FFF2-40B4-BE49-F238E27FC236}">
-                <a16:creationId xmlns:a16="http://schemas.microsoft.com/office/drawing/2014/main" id="{8537B233-9CDD-4A90-AABB-A8963DEE4FBC}"/>
+          <p:cNvPr id="10" name="Rectangle 9">
+            <a:extLst>
+              <a:ext uri="{FF2B5EF4-FFF2-40B4-BE49-F238E27FC236}">
+                <a16:creationId xmlns:a16="http://schemas.microsoft.com/office/drawing/2014/main" id="{8538EBC2-0B11-4732-8715-799409C4A914}"/>
               </a:ext>
               <a:ext uri="{C183D7F6-B498-43B3-948B-1728B52AA6E4}">
                 <adec:decorative xmlns:adec="http://schemas.microsoft.com/office/drawing/2017/decorative" val="1"/>
@@ -6503,7 +7500,7 @@
         </p:nvSpPr>
         <p:spPr>
           <a:xfrm>
-            <a:off x="0" y="1"/>
+            <a:off x="0" y="0"/>
             <a:ext cx="12192000" cy="6858000"/>
           </a:xfrm>
           <a:prstGeom prst="rect">
@@ -6533,97 +7530,26 @@
           <a:bodyPr rtlCol="0" anchor="ctr"/>
           <a:lstStyle/>
           <a:p>
-            <a:pPr marL="0" marR="0" lvl="0" indent="0" algn="ctr" defTabSz="914400" rtl="0" eaLnBrk="1" fontAlgn="auto" latinLnBrk="0" hangingPunct="1">
-              <a:lnSpc>
-                <a:spcPct val="100000"/>
-              </a:lnSpc>
-              <a:spcBef>
-                <a:spcPts val="0"/>
-              </a:spcBef>
-              <a:spcAft>
-                <a:spcPts val="0"/>
-              </a:spcAft>
-              <a:buClrTx/>
-              <a:buSzTx/>
-              <a:buFontTx/>
-              <a:buNone/>
-              <a:tabLst/>
-              <a:defRPr/>
-            </a:pPr>
-            <a:endParaRPr kumimoji="0" lang="en-US" sz="1800" b="0" i="0" u="none" strike="noStrike" kern="1200" cap="none" spc="0" normalizeH="0" baseline="0" noProof="0">
-              <a:ln>
-                <a:noFill/>
-              </a:ln>
-              <a:solidFill>
-                <a:prstClr val="white"/>
-              </a:solidFill>
-              <a:effectLst/>
-              <a:uLnTx/>
-              <a:uFillTx/>
-              <a:latin typeface="Tw Cen MT" panose="020B0602020104020603"/>
-              <a:ea typeface="+mn-ea"/>
-              <a:cs typeface="+mn-cs"/>
-            </a:endParaRPr>
+            <a:pPr algn="ctr"/>
+            <a:endParaRPr lang="en-US"/>
           </a:p>
         </p:txBody>
       </p:sp>
       <p:sp>
         <p:nvSpPr>
-          <p:cNvPr id="2" name="Título 1">
-            <a:extLst>
-              <a:ext uri="{FF2B5EF4-FFF2-40B4-BE49-F238E27FC236}">
-                <a16:creationId xmlns:a16="http://schemas.microsoft.com/office/drawing/2014/main" id="{C7F5A10C-D0E1-4EC4-B32D-97D90DFC8FBD}"/>
-              </a:ext>
-            </a:extLst>
-          </p:cNvPr>
-          <p:cNvSpPr>
-            <a:spLocks noGrp="1"/>
-          </p:cNvSpPr>
-          <p:nvPr>
-            <p:ph type="title"/>
-          </p:nvPr>
-        </p:nvSpPr>
-        <p:spPr>
-          <a:xfrm>
-            <a:off x="841248" y="818457"/>
-            <a:ext cx="3322317" cy="2975876"/>
-          </a:xfrm>
-        </p:spPr>
-        <p:txBody>
-          <a:bodyPr vert="horz" lIns="91440" tIns="45720" rIns="91440" bIns="45720" rtlCol="0" anchor="b">
-            <a:normAutofit/>
-          </a:bodyPr>
-          <a:lstStyle/>
-          <a:p>
-            <a:r>
-              <a:rPr lang="en-US" b="1" kern="1200">
-                <a:solidFill>
-                  <a:schemeClr val="tx1"/>
-                </a:solidFill>
-                <a:latin typeface="+mj-lt"/>
-                <a:ea typeface="+mj-ea"/>
-                <a:cs typeface="+mj-cs"/>
-              </a:rPr>
-              <a:t>Wireframe</a:t>
-            </a:r>
-          </a:p>
-        </p:txBody>
-      </p:sp>
-      <p:cxnSp>
-        <p:nvCxnSpPr>
-          <p:cNvPr id="71" name="Straight Connector 22">
-            <a:extLst>
-              <a:ext uri="{FF2B5EF4-FFF2-40B4-BE49-F238E27FC236}">
-                <a16:creationId xmlns:a16="http://schemas.microsoft.com/office/drawing/2014/main" id="{040575EE-C594-4566-BC00-663004E52AB5}"/>
+          <p:cNvPr id="12" name="Rectangle 11">
+            <a:extLst>
+              <a:ext uri="{FF2B5EF4-FFF2-40B4-BE49-F238E27FC236}">
+                <a16:creationId xmlns:a16="http://schemas.microsoft.com/office/drawing/2014/main" id="{CE3C5560-7A9C-489F-9148-18C5E1D0F0B2}"/>
               </a:ext>
               <a:ext uri="{C183D7F6-B498-43B3-948B-1728B52AA6E4}">
                 <adec:decorative xmlns:adec="http://schemas.microsoft.com/office/drawing/2017/decorative" val="1"/>
               </a:ext>
             </a:extLst>
           </p:cNvPr>
-          <p:cNvCxnSpPr>
-            <a:cxnSpLocks noGrp="1" noRot="1" noChangeAspect="1" noMove="1" noResize="1" noEditPoints="1" noAdjustHandles="1" noChangeArrowheads="1" noChangeShapeType="1"/>
-          </p:cNvCxnSpPr>
+          <p:cNvSpPr>
+            <a:spLocks noGrp="1" noRot="1" noChangeAspect="1" noMove="1" noResize="1" noEditPoints="1" noAdjustHandles="1" noChangeArrowheads="1" noChangeShapeType="1" noTextEdit="1"/>
+          </p:cNvSpPr>
           <p:nvPr>
             <p:extLst>
               <p:ext uri="{386F3935-93C4-4BCD-93E2-E3B085C9AB24}">
@@ -6631,19 +7557,150 @@
               </p:ext>
             </p:extLst>
           </p:nvPr>
+        </p:nvSpPr>
+        <p:spPr>
+          <a:xfrm>
+            <a:off x="0" y="0"/>
+            <a:ext cx="12192000" cy="6858000"/>
+          </a:xfrm>
+          <a:prstGeom prst="rect">
+            <a:avLst/>
+          </a:prstGeom>
+          <a:gradFill flip="none" rotWithShape="1">
+            <a:gsLst>
+              <a:gs pos="0">
+                <a:schemeClr val="accent1"/>
+              </a:gs>
+              <a:gs pos="100000">
+                <a:schemeClr val="accent2"/>
+              </a:gs>
+            </a:gsLst>
+            <a:lin ang="2700000" scaled="1"/>
+            <a:tileRect/>
+          </a:gradFill>
+          <a:ln>
+            <a:noFill/>
+          </a:ln>
+        </p:spPr>
+        <p:style>
+          <a:lnRef idx="2">
+            <a:schemeClr val="accent1">
+              <a:shade val="50000"/>
+            </a:schemeClr>
+          </a:lnRef>
+          <a:fillRef idx="1">
+            <a:schemeClr val="accent1"/>
+          </a:fillRef>
+          <a:effectRef idx="0">
+            <a:schemeClr val="accent1"/>
+          </a:effectRef>
+          <a:fontRef idx="minor">
+            <a:schemeClr val="lt1"/>
+          </a:fontRef>
+        </p:style>
+        <p:txBody>
+          <a:bodyPr rtlCol="0" anchor="ctr"/>
+          <a:lstStyle/>
+          <a:p>
+            <a:pPr algn="ctr"/>
+            <a:endParaRPr lang="en-US">
+              <a:solidFill>
+                <a:srgbClr val="FFFFFF"/>
+              </a:solidFill>
+            </a:endParaRPr>
+          </a:p>
+        </p:txBody>
+      </p:sp>
+      <p:sp>
+        <p:nvSpPr>
+          <p:cNvPr id="5" name="Marcador de número de diapositiva 4">
+            <a:extLst>
+              <a:ext uri="{FF2B5EF4-FFF2-40B4-BE49-F238E27FC236}">
+                <a16:creationId xmlns:a16="http://schemas.microsoft.com/office/drawing/2014/main" id="{8C52C465-5047-4E9D-917B-44A111FC477E}"/>
+              </a:ext>
+            </a:extLst>
+          </p:cNvPr>
+          <p:cNvSpPr>
+            <a:spLocks noGrp="1"/>
+          </p:cNvSpPr>
+          <p:nvPr>
+            <p:ph type="sldNum" sz="quarter" idx="12"/>
+          </p:nvPr>
+        </p:nvSpPr>
+        <p:spPr>
+          <a:xfrm>
+            <a:off x="8610600" y="224937"/>
+            <a:ext cx="2743200" cy="365125"/>
+          </a:xfrm>
+        </p:spPr>
+        <p:txBody>
+          <a:bodyPr vert="horz" lIns="91440" tIns="45720" rIns="91440" bIns="45720" rtlCol="0" anchor="ctr">
+            <a:normAutofit/>
+          </a:bodyPr>
+          <a:lstStyle/>
+          <a:p>
+            <a:pPr>
+              <a:spcAft>
+                <a:spcPts val="600"/>
+              </a:spcAft>
+            </a:pPr>
+            <a:fld id="{A59AE7EA-4493-405D-9A66-B6513C9897B9}" type="slidenum">
+              <a:rPr lang="en-US">
+                <a:solidFill>
+                  <a:srgbClr val="FFFFFF"/>
+                </a:solidFill>
+              </a:rPr>
+              <a:pPr>
+                <a:spcAft>
+                  <a:spcPts val="600"/>
+                </a:spcAft>
+              </a:pPr>
+              <a:t>6</a:t>
+            </a:fld>
+            <a:endParaRPr lang="en-US">
+              <a:solidFill>
+                <a:srgbClr val="FFFFFF"/>
+              </a:solidFill>
+            </a:endParaRPr>
+          </a:p>
+        </p:txBody>
+      </p:sp>
+      <p:cxnSp>
+        <p:nvCxnSpPr>
+          <p:cNvPr id="14" name="Straight Connector 13">
+            <a:extLst>
+              <a:ext uri="{FF2B5EF4-FFF2-40B4-BE49-F238E27FC236}">
+                <a16:creationId xmlns:a16="http://schemas.microsoft.com/office/drawing/2014/main" id="{56020367-4FD5-4596-8E10-C5F095CD8DBF}"/>
+              </a:ext>
+              <a:ext uri="{C183D7F6-B498-43B3-948B-1728B52AA6E4}">
+                <adec:decorative xmlns:adec="http://schemas.microsoft.com/office/drawing/2017/decorative" val="1"/>
+              </a:ext>
+            </a:extLst>
+          </p:cNvPr>
+          <p:cNvCxnSpPr>
+            <a:cxnSpLocks noGrp="1" noRot="1" noChangeAspect="1" noMove="1" noResize="1" noEditPoints="1" noAdjustHandles="1" noChangeArrowheads="1" noChangeShapeType="1"/>
+          </p:cNvCxnSpPr>
+          <p:nvPr>
+            <p:extLst>
+              <p:ext uri="{386F3935-93C4-4BCD-93E2-E3B085C9AB24}">
+                <p16:designElem xmlns:p16="http://schemas.microsoft.com/office/powerpoint/2015/main" val="1"/>
+              </p:ext>
+            </p:extLst>
+          </p:nvPr>
         </p:nvCxnSpPr>
         <p:spPr>
           <a:xfrm>
-            <a:off x="4763566" y="1417320"/>
-            <a:ext cx="0" cy="4023360"/>
+            <a:off x="1301262" y="3496322"/>
+            <a:ext cx="0" cy="3352800"/>
           </a:xfrm>
           <a:prstGeom prst="line">
             <a:avLst/>
           </a:prstGeom>
-          <a:ln w="15875">
+          <a:ln w="25400" cap="sq">
             <a:solidFill>
-              <a:schemeClr val="tx1"/>
+              <a:srgbClr val="FFFFFF"/>
             </a:solidFill>
+            <a:bevel/>
           </a:ln>
         </p:spPr>
         <p:style>
@@ -6663,111 +7720,6 @@
       </p:cxnSp>
       <p:pic>
         <p:nvPicPr>
-          <p:cNvPr id="7" name="Marcador de contenido 6" descr="Interfaz de usuario gráfica&#10;&#10;Descripción generada automáticamente">
-            <a:extLst>
-              <a:ext uri="{FF2B5EF4-FFF2-40B4-BE49-F238E27FC236}">
-                <a16:creationId xmlns:a16="http://schemas.microsoft.com/office/drawing/2014/main" id="{B0E097AE-5462-4770-9726-13509580A438}"/>
-              </a:ext>
-            </a:extLst>
-          </p:cNvPr>
-          <p:cNvPicPr>
-            <a:picLocks noChangeAspect="1"/>
-          </p:cNvPicPr>
-          <p:nvPr/>
-        </p:nvPicPr>
-        <p:blipFill>
-          <a:blip r:embed="rId2">
-            <a:extLst>
-              <a:ext uri="{28A0092B-C50C-407E-A947-70E740481C1C}">
-                <a14:useLocalDpi xmlns:a14="http://schemas.microsoft.com/office/drawing/2010/main" val="0"/>
-              </a:ext>
-            </a:extLst>
-          </a:blip>
-          <a:stretch>
-            <a:fillRect/>
-          </a:stretch>
-        </p:blipFill>
-        <p:spPr>
-          <a:xfrm>
-            <a:off x="6960185" y="566916"/>
-            <a:ext cx="3205534" cy="5724168"/>
-          </a:xfrm>
-          <a:prstGeom prst="rect">
-            <a:avLst/>
-          </a:prstGeom>
-        </p:spPr>
-      </p:pic>
-      <p:sp>
-        <p:nvSpPr>
-          <p:cNvPr id="8" name="Marcador de número de diapositiva 7">
-            <a:extLst>
-              <a:ext uri="{FF2B5EF4-FFF2-40B4-BE49-F238E27FC236}">
-                <a16:creationId xmlns:a16="http://schemas.microsoft.com/office/drawing/2014/main" id="{70F12140-2ED5-4804-9DDC-99FA7430BD47}"/>
-              </a:ext>
-            </a:extLst>
-          </p:cNvPr>
-          <p:cNvSpPr>
-            <a:spLocks noGrp="1"/>
-          </p:cNvSpPr>
-          <p:nvPr>
-            <p:ph type="sldNum" sz="quarter" idx="12"/>
-          </p:nvPr>
-        </p:nvSpPr>
-        <p:spPr/>
-        <p:txBody>
-          <a:bodyPr/>
-          <a:lstStyle/>
-          <a:p>
-            <a:fld id="{A59AE7EA-4493-405D-9A66-B6513C9897B9}" type="slidenum">
-              <a:rPr lang="es-CO" smtClean="0"/>
-              <a:t>5</a:t>
-            </a:fld>
-            <a:endParaRPr lang="es-CO"/>
-          </a:p>
-        </p:txBody>
-      </p:sp>
-    </p:spTree>
-    <p:extLst>
-      <p:ext uri="{BB962C8B-B14F-4D97-AF65-F5344CB8AC3E}">
-        <p14:creationId xmlns:p14="http://schemas.microsoft.com/office/powerpoint/2010/main" val="2022562581"/>
-      </p:ext>
-    </p:extLst>
-  </p:cSld>
-  <p:clrMapOvr>
-    <a:overrideClrMapping bg1="dk1" tx1="lt1" bg2="dk2" tx2="lt2" accent1="accent1" accent2="accent2" accent3="accent3" accent4="accent4" accent5="accent5" accent6="accent6" hlink="hlink" folHlink="folHlink"/>
-  </p:clrMapOvr>
-</p:sld>
-</file>
-
-<file path=ppt/slides/slide6.xml><?xml version="1.0" encoding="utf-8"?>
-<p:sld xmlns:a="http://schemas.openxmlformats.org/drawingml/2006/main" xmlns:r="http://schemas.openxmlformats.org/officeDocument/2006/relationships" xmlns:p="http://schemas.openxmlformats.org/presentationml/2006/main">
-  <p:cSld>
-    <p:bg>
-      <p:bgPr>
-        <a:solidFill>
-          <a:srgbClr val="790568">
-            <a:alpha val="71000"/>
-          </a:srgbClr>
-        </a:solidFill>
-        <a:effectLst/>
-      </p:bgPr>
-    </p:bg>
-    <p:spTree>
-      <p:nvGrpSpPr>
-        <p:cNvPr id="1" name=""/>
-        <p:cNvGrpSpPr/>
-        <p:nvPr/>
-      </p:nvGrpSpPr>
-      <p:grpSpPr>
-        <a:xfrm>
-          <a:off x="0" y="0"/>
-          <a:ext cx="0" cy="0"/>
-          <a:chOff x="0" y="0"/>
-          <a:chExt cx="0" cy="0"/>
-        </a:xfrm>
-      </p:grpSpPr>
-      <p:pic>
-        <p:nvPicPr>
           <p:cNvPr id="4" name="Picture 4">
             <a:hlinkClick r:id="" action="ppaction://media"/>
             <a:extLst>
@@ -6792,17 +7744,505 @@
         </p:blipFill>
         <p:spPr>
           <a:xfrm>
-            <a:off x="1351472" y="590266"/>
-            <a:ext cx="9589696" cy="5671867"/>
+            <a:off x="1716562" y="466453"/>
+            <a:ext cx="9918963" cy="5976326"/>
           </a:xfrm>
+          <a:prstGeom prst="rect">
+            <a:avLst/>
+          </a:prstGeom>
         </p:spPr>
       </p:pic>
       <p:sp>
         <p:nvSpPr>
-          <p:cNvPr id="5" name="Marcador de número de diapositiva 4">
-            <a:extLst>
-              <a:ext uri="{FF2B5EF4-FFF2-40B4-BE49-F238E27FC236}">
-                <a16:creationId xmlns:a16="http://schemas.microsoft.com/office/drawing/2014/main" id="{8C52C465-5047-4E9D-917B-44A111FC477E}"/>
+          <p:cNvPr id="16" name="Graphic 22">
+            <a:extLst>
+              <a:ext uri="{FF2B5EF4-FFF2-40B4-BE49-F238E27FC236}">
+                <a16:creationId xmlns:a16="http://schemas.microsoft.com/office/drawing/2014/main" id="{508BEF50-7B1E-49A4-BC19-5F4F1D755E64}"/>
+              </a:ext>
+              <a:ext uri="{C183D7F6-B498-43B3-948B-1728B52AA6E4}">
+                <adec:decorative xmlns:adec="http://schemas.microsoft.com/office/drawing/2017/decorative" val="1"/>
+              </a:ext>
+            </a:extLst>
+          </p:cNvPr>
+          <p:cNvSpPr>
+            <a:spLocks noGrp="1" noRot="1" noChangeAspect="1" noMove="1" noResize="1" noEditPoints="1" noAdjustHandles="1" noChangeArrowheads="1" noChangeShapeType="1" noTextEdit="1"/>
+          </p:cNvSpPr>
+          <p:nvPr>
+            <p:extLst>
+              <p:ext uri="{386F3935-93C4-4BCD-93E2-E3B085C9AB24}">
+                <p16:designElem xmlns:p16="http://schemas.microsoft.com/office/powerpoint/2015/main" val="1"/>
+              </p:ext>
+            </p:extLst>
+          </p:nvPr>
+        </p:nvSpPr>
+        <p:spPr>
+          <a:xfrm>
+            <a:off x="11220768" y="2295928"/>
+            <a:ext cx="151536" cy="151536"/>
+          </a:xfrm>
+          <a:custGeom>
+            <a:avLst/>
+            <a:gdLst>
+              <a:gd name="connsiteX0" fmla="*/ 141251 w 151536"/>
+              <a:gd name="connsiteY0" fmla="*/ 65483 h 151536"/>
+              <a:gd name="connsiteX1" fmla="*/ 86053 w 151536"/>
+              <a:gd name="connsiteY1" fmla="*/ 65483 h 151536"/>
+              <a:gd name="connsiteX2" fmla="*/ 86053 w 151536"/>
+              <a:gd name="connsiteY2" fmla="*/ 10285 h 151536"/>
+              <a:gd name="connsiteX3" fmla="*/ 75768 w 151536"/>
+              <a:gd name="connsiteY3" fmla="*/ 0 h 151536"/>
+              <a:gd name="connsiteX4" fmla="*/ 65483 w 151536"/>
+              <a:gd name="connsiteY4" fmla="*/ 10285 h 151536"/>
+              <a:gd name="connsiteX5" fmla="*/ 65483 w 151536"/>
+              <a:gd name="connsiteY5" fmla="*/ 65483 h 151536"/>
+              <a:gd name="connsiteX6" fmla="*/ 10285 w 151536"/>
+              <a:gd name="connsiteY6" fmla="*/ 65483 h 151536"/>
+              <a:gd name="connsiteX7" fmla="*/ 0 w 151536"/>
+              <a:gd name="connsiteY7" fmla="*/ 75768 h 151536"/>
+              <a:gd name="connsiteX8" fmla="*/ 10285 w 151536"/>
+              <a:gd name="connsiteY8" fmla="*/ 86053 h 151536"/>
+              <a:gd name="connsiteX9" fmla="*/ 65483 w 151536"/>
+              <a:gd name="connsiteY9" fmla="*/ 86053 h 151536"/>
+              <a:gd name="connsiteX10" fmla="*/ 65483 w 151536"/>
+              <a:gd name="connsiteY10" fmla="*/ 141251 h 151536"/>
+              <a:gd name="connsiteX11" fmla="*/ 75768 w 151536"/>
+              <a:gd name="connsiteY11" fmla="*/ 151536 h 151536"/>
+              <a:gd name="connsiteX12" fmla="*/ 86053 w 151536"/>
+              <a:gd name="connsiteY12" fmla="*/ 141251 h 151536"/>
+              <a:gd name="connsiteX13" fmla="*/ 86053 w 151536"/>
+              <a:gd name="connsiteY13" fmla="*/ 86053 h 151536"/>
+              <a:gd name="connsiteX14" fmla="*/ 141251 w 151536"/>
+              <a:gd name="connsiteY14" fmla="*/ 86053 h 151536"/>
+              <a:gd name="connsiteX15" fmla="*/ 151536 w 151536"/>
+              <a:gd name="connsiteY15" fmla="*/ 75768 h 151536"/>
+              <a:gd name="connsiteX16" fmla="*/ 141251 w 151536"/>
+              <a:gd name="connsiteY16" fmla="*/ 65483 h 151536"/>
+            </a:gdLst>
+            <a:ahLst/>
+            <a:cxnLst>
+              <a:cxn ang="0">
+                <a:pos x="connsiteX0" y="connsiteY0"/>
+              </a:cxn>
+              <a:cxn ang="0">
+                <a:pos x="connsiteX1" y="connsiteY1"/>
+              </a:cxn>
+              <a:cxn ang="0">
+                <a:pos x="connsiteX2" y="connsiteY2"/>
+              </a:cxn>
+              <a:cxn ang="0">
+                <a:pos x="connsiteX3" y="connsiteY3"/>
+              </a:cxn>
+              <a:cxn ang="0">
+                <a:pos x="connsiteX4" y="connsiteY4"/>
+              </a:cxn>
+              <a:cxn ang="0">
+                <a:pos x="connsiteX5" y="connsiteY5"/>
+              </a:cxn>
+              <a:cxn ang="0">
+                <a:pos x="connsiteX6" y="connsiteY6"/>
+              </a:cxn>
+              <a:cxn ang="0">
+                <a:pos x="connsiteX7" y="connsiteY7"/>
+              </a:cxn>
+              <a:cxn ang="0">
+                <a:pos x="connsiteX8" y="connsiteY8"/>
+              </a:cxn>
+              <a:cxn ang="0">
+                <a:pos x="connsiteX9" y="connsiteY9"/>
+              </a:cxn>
+              <a:cxn ang="0">
+                <a:pos x="connsiteX10" y="connsiteY10"/>
+              </a:cxn>
+              <a:cxn ang="0">
+                <a:pos x="connsiteX11" y="connsiteY11"/>
+              </a:cxn>
+              <a:cxn ang="0">
+                <a:pos x="connsiteX12" y="connsiteY12"/>
+              </a:cxn>
+              <a:cxn ang="0">
+                <a:pos x="connsiteX13" y="connsiteY13"/>
+              </a:cxn>
+              <a:cxn ang="0">
+                <a:pos x="connsiteX14" y="connsiteY14"/>
+              </a:cxn>
+              <a:cxn ang="0">
+                <a:pos x="connsiteX15" y="connsiteY15"/>
+              </a:cxn>
+              <a:cxn ang="0">
+                <a:pos x="connsiteX16" y="connsiteY16"/>
+              </a:cxn>
+            </a:cxnLst>
+            <a:rect l="l" t="t" r="r" b="b"/>
+            <a:pathLst>
+              <a:path w="151536" h="151536">
+                <a:moveTo>
+                  <a:pt x="141251" y="65483"/>
+                </a:moveTo>
+                <a:lnTo>
+                  <a:pt x="86053" y="65483"/>
+                </a:lnTo>
+                <a:lnTo>
+                  <a:pt x="86053" y="10285"/>
+                </a:lnTo>
+                <a:cubicBezTo>
+                  <a:pt x="86053" y="4605"/>
+                  <a:pt x="81448" y="0"/>
+                  <a:pt x="75768" y="0"/>
+                </a:cubicBezTo>
+                <a:cubicBezTo>
+                  <a:pt x="70088" y="0"/>
+                  <a:pt x="65483" y="4605"/>
+                  <a:pt x="65483" y="10285"/>
+                </a:cubicBezTo>
+                <a:lnTo>
+                  <a:pt x="65483" y="65483"/>
+                </a:lnTo>
+                <a:lnTo>
+                  <a:pt x="10285" y="65483"/>
+                </a:lnTo>
+                <a:cubicBezTo>
+                  <a:pt x="4605" y="65483"/>
+                  <a:pt x="0" y="70088"/>
+                  <a:pt x="0" y="75768"/>
+                </a:cubicBezTo>
+                <a:cubicBezTo>
+                  <a:pt x="0" y="81448"/>
+                  <a:pt x="4605" y="86053"/>
+                  <a:pt x="10285" y="86053"/>
+                </a:cubicBezTo>
+                <a:lnTo>
+                  <a:pt x="65483" y="86053"/>
+                </a:lnTo>
+                <a:lnTo>
+                  <a:pt x="65483" y="141251"/>
+                </a:lnTo>
+                <a:cubicBezTo>
+                  <a:pt x="65483" y="146931"/>
+                  <a:pt x="70088" y="151536"/>
+                  <a:pt x="75768" y="151536"/>
+                </a:cubicBezTo>
+                <a:cubicBezTo>
+                  <a:pt x="81448" y="151536"/>
+                  <a:pt x="86053" y="146931"/>
+                  <a:pt x="86053" y="141251"/>
+                </a:cubicBezTo>
+                <a:lnTo>
+                  <a:pt x="86053" y="86053"/>
+                </a:lnTo>
+                <a:lnTo>
+                  <a:pt x="141251" y="86053"/>
+                </a:lnTo>
+                <a:cubicBezTo>
+                  <a:pt x="146931" y="86053"/>
+                  <a:pt x="151536" y="81448"/>
+                  <a:pt x="151536" y="75768"/>
+                </a:cubicBezTo>
+                <a:cubicBezTo>
+                  <a:pt x="151536" y="70088"/>
+                  <a:pt x="146931" y="65483"/>
+                  <a:pt x="141251" y="65483"/>
+                </a:cubicBezTo>
+                <a:close/>
+              </a:path>
+            </a:pathLst>
+          </a:custGeom>
+          <a:solidFill>
+            <a:srgbClr val="FFFFFF"/>
+          </a:solidFill>
+          <a:ln w="646" cap="flat">
+            <a:noFill/>
+            <a:prstDash val="solid"/>
+            <a:miter/>
+          </a:ln>
+        </p:spPr>
+        <p:txBody>
+          <a:bodyPr rtlCol="0" anchor="ctr"/>
+          <a:lstStyle/>
+          <a:p>
+            <a:endParaRPr lang="en-US">
+              <a:solidFill>
+                <a:srgbClr val="FFFFFF"/>
+              </a:solidFill>
+            </a:endParaRPr>
+          </a:p>
+        </p:txBody>
+      </p:sp>
+      <p:sp>
+        <p:nvSpPr>
+          <p:cNvPr id="18" name="Graphic 23">
+            <a:extLst>
+              <a:ext uri="{FF2B5EF4-FFF2-40B4-BE49-F238E27FC236}">
+                <a16:creationId xmlns:a16="http://schemas.microsoft.com/office/drawing/2014/main" id="{3FBAD350-5664-4811-A208-657FB882D350}"/>
+              </a:ext>
+              <a:ext uri="{C183D7F6-B498-43B3-948B-1728B52AA6E4}">
+                <adec:decorative xmlns:adec="http://schemas.microsoft.com/office/drawing/2017/decorative" val="1"/>
+              </a:ext>
+            </a:extLst>
+          </p:cNvPr>
+          <p:cNvSpPr>
+            <a:spLocks noGrp="1" noRot="1" noChangeAspect="1" noMove="1" noResize="1" noEditPoints="1" noAdjustHandles="1" noChangeArrowheads="1" noChangeShapeType="1" noTextEdit="1"/>
+          </p:cNvSpPr>
+          <p:nvPr>
+            <p:extLst>
+              <p:ext uri="{386F3935-93C4-4BCD-93E2-E3B085C9AB24}">
+                <p16:designElem xmlns:p16="http://schemas.microsoft.com/office/powerpoint/2015/main" val="1"/>
+              </p:ext>
+            </p:extLst>
+          </p:nvPr>
+        </p:nvSpPr>
+        <p:spPr>
+          <a:xfrm>
+            <a:off x="11629518" y="2756007"/>
+            <a:ext cx="108625" cy="108625"/>
+          </a:xfrm>
+          <a:custGeom>
+            <a:avLst/>
+            <a:gdLst>
+              <a:gd name="connsiteX0" fmla="*/ 54313 w 108625"/>
+              <a:gd name="connsiteY0" fmla="*/ 16053 h 108625"/>
+              <a:gd name="connsiteX1" fmla="*/ 92572 w 108625"/>
+              <a:gd name="connsiteY1" fmla="*/ 54313 h 108625"/>
+              <a:gd name="connsiteX2" fmla="*/ 54313 w 108625"/>
+              <a:gd name="connsiteY2" fmla="*/ 92572 h 108625"/>
+              <a:gd name="connsiteX3" fmla="*/ 16053 w 108625"/>
+              <a:gd name="connsiteY3" fmla="*/ 54313 h 108625"/>
+              <a:gd name="connsiteX4" fmla="*/ 54313 w 108625"/>
+              <a:gd name="connsiteY4" fmla="*/ 16053 h 108625"/>
+              <a:gd name="connsiteX5" fmla="*/ 54313 w 108625"/>
+              <a:gd name="connsiteY5" fmla="*/ 0 h 108625"/>
+              <a:gd name="connsiteX6" fmla="*/ 0 w 108625"/>
+              <a:gd name="connsiteY6" fmla="*/ 54313 h 108625"/>
+              <a:gd name="connsiteX7" fmla="*/ 54313 w 108625"/>
+              <a:gd name="connsiteY7" fmla="*/ 108625 h 108625"/>
+              <a:gd name="connsiteX8" fmla="*/ 108625 w 108625"/>
+              <a:gd name="connsiteY8" fmla="*/ 54313 h 108625"/>
+              <a:gd name="connsiteX9" fmla="*/ 54313 w 108625"/>
+              <a:gd name="connsiteY9" fmla="*/ 0 h 108625"/>
+            </a:gdLst>
+            <a:ahLst/>
+            <a:cxnLst>
+              <a:cxn ang="0">
+                <a:pos x="connsiteX0" y="connsiteY0"/>
+              </a:cxn>
+              <a:cxn ang="0">
+                <a:pos x="connsiteX1" y="connsiteY1"/>
+              </a:cxn>
+              <a:cxn ang="0">
+                <a:pos x="connsiteX2" y="connsiteY2"/>
+              </a:cxn>
+              <a:cxn ang="0">
+                <a:pos x="connsiteX3" y="connsiteY3"/>
+              </a:cxn>
+              <a:cxn ang="0">
+                <a:pos x="connsiteX4" y="connsiteY4"/>
+              </a:cxn>
+              <a:cxn ang="0">
+                <a:pos x="connsiteX5" y="connsiteY5"/>
+              </a:cxn>
+              <a:cxn ang="0">
+                <a:pos x="connsiteX6" y="connsiteY6"/>
+              </a:cxn>
+              <a:cxn ang="0">
+                <a:pos x="connsiteX7" y="connsiteY7"/>
+              </a:cxn>
+              <a:cxn ang="0">
+                <a:pos x="connsiteX8" y="connsiteY8"/>
+              </a:cxn>
+              <a:cxn ang="0">
+                <a:pos x="connsiteX9" y="connsiteY9"/>
+              </a:cxn>
+            </a:cxnLst>
+            <a:rect l="l" t="t" r="r" b="b"/>
+            <a:pathLst>
+              <a:path w="108625" h="108625">
+                <a:moveTo>
+                  <a:pt x="54313" y="16053"/>
+                </a:moveTo>
+                <a:cubicBezTo>
+                  <a:pt x="75442" y="16053"/>
+                  <a:pt x="92572" y="33182"/>
+                  <a:pt x="92572" y="54313"/>
+                </a:cubicBezTo>
+                <a:cubicBezTo>
+                  <a:pt x="92572" y="75442"/>
+                  <a:pt x="75442" y="92572"/>
+                  <a:pt x="54313" y="92572"/>
+                </a:cubicBezTo>
+                <a:cubicBezTo>
+                  <a:pt x="33182" y="92572"/>
+                  <a:pt x="16053" y="75442"/>
+                  <a:pt x="16053" y="54313"/>
+                </a:cubicBezTo>
+                <a:cubicBezTo>
+                  <a:pt x="16074" y="33191"/>
+                  <a:pt x="33191" y="16074"/>
+                  <a:pt x="54313" y="16053"/>
+                </a:cubicBezTo>
+                <a:moveTo>
+                  <a:pt x="54313" y="0"/>
+                </a:moveTo>
+                <a:cubicBezTo>
+                  <a:pt x="24317" y="0"/>
+                  <a:pt x="0" y="24317"/>
+                  <a:pt x="0" y="54313"/>
+                </a:cubicBezTo>
+                <a:cubicBezTo>
+                  <a:pt x="0" y="84309"/>
+                  <a:pt x="24317" y="108625"/>
+                  <a:pt x="54313" y="108625"/>
+                </a:cubicBezTo>
+                <a:cubicBezTo>
+                  <a:pt x="84309" y="108625"/>
+                  <a:pt x="108625" y="84309"/>
+                  <a:pt x="108625" y="54313"/>
+                </a:cubicBezTo>
+                <a:cubicBezTo>
+                  <a:pt x="108625" y="24317"/>
+                  <a:pt x="84309" y="0"/>
+                  <a:pt x="54313" y="0"/>
+                </a:cubicBezTo>
+                <a:close/>
+              </a:path>
+            </a:pathLst>
+          </a:custGeom>
+          <a:solidFill>
+            <a:srgbClr val="FFFFFF"/>
+          </a:solidFill>
+          <a:ln w="516" cap="flat">
+            <a:noFill/>
+            <a:prstDash val="solid"/>
+            <a:miter/>
+          </a:ln>
+        </p:spPr>
+        <p:txBody>
+          <a:bodyPr rtlCol="0" anchor="ctr"/>
+          <a:lstStyle/>
+          <a:p>
+            <a:endParaRPr lang="en-US">
+              <a:solidFill>
+                <a:srgbClr val="FFFFFF"/>
+              </a:solidFill>
+            </a:endParaRPr>
+          </a:p>
+        </p:txBody>
+      </p:sp>
+      <p:sp>
+        <p:nvSpPr>
+          <p:cNvPr id="20" name="Graphic 21">
+            <a:extLst>
+              <a:ext uri="{FF2B5EF4-FFF2-40B4-BE49-F238E27FC236}">
+                <a16:creationId xmlns:a16="http://schemas.microsoft.com/office/drawing/2014/main" id="{C39ADB8F-D187-49D7-BDCF-C1B6DC727068}"/>
+              </a:ext>
+              <a:ext uri="{C183D7F6-B498-43B3-948B-1728B52AA6E4}">
+                <adec:decorative xmlns:adec="http://schemas.microsoft.com/office/drawing/2017/decorative" val="1"/>
+              </a:ext>
+            </a:extLst>
+          </p:cNvPr>
+          <p:cNvSpPr>
+            <a:spLocks noGrp="1" noRot="1" noChangeAspect="1" noMove="1" noResize="1" noEditPoints="1" noAdjustHandles="1" noChangeArrowheads="1" noChangeShapeType="1" noTextEdit="1"/>
+          </p:cNvSpPr>
+          <p:nvPr>
+            <p:extLst>
+              <p:ext uri="{386F3935-93C4-4BCD-93E2-E3B085C9AB24}">
+                <p16:designElem xmlns:p16="http://schemas.microsoft.com/office/powerpoint/2015/main" val="1"/>
+              </p:ext>
+            </p:extLst>
+          </p:nvPr>
+        </p:nvSpPr>
+        <p:spPr>
+          <a:xfrm>
+            <a:off x="7458003" y="6344837"/>
+            <a:ext cx="95759" cy="95759"/>
+          </a:xfrm>
+          <a:custGeom>
+            <a:avLst/>
+            <a:gdLst>
+              <a:gd name="connsiteX0" fmla="*/ 95759 w 95759"/>
+              <a:gd name="connsiteY0" fmla="*/ 47880 h 95759"/>
+              <a:gd name="connsiteX1" fmla="*/ 47880 w 95759"/>
+              <a:gd name="connsiteY1" fmla="*/ 95759 h 95759"/>
+              <a:gd name="connsiteX2" fmla="*/ 0 w 95759"/>
+              <a:gd name="connsiteY2" fmla="*/ 47880 h 95759"/>
+              <a:gd name="connsiteX3" fmla="*/ 47880 w 95759"/>
+              <a:gd name="connsiteY3" fmla="*/ 0 h 95759"/>
+              <a:gd name="connsiteX4" fmla="*/ 95759 w 95759"/>
+              <a:gd name="connsiteY4" fmla="*/ 47880 h 95759"/>
+            </a:gdLst>
+            <a:ahLst/>
+            <a:cxnLst>
+              <a:cxn ang="0">
+                <a:pos x="connsiteX0" y="connsiteY0"/>
+              </a:cxn>
+              <a:cxn ang="0">
+                <a:pos x="connsiteX1" y="connsiteY1"/>
+              </a:cxn>
+              <a:cxn ang="0">
+                <a:pos x="connsiteX2" y="connsiteY2"/>
+              </a:cxn>
+              <a:cxn ang="0">
+                <a:pos x="connsiteX3" y="connsiteY3"/>
+              </a:cxn>
+              <a:cxn ang="0">
+                <a:pos x="connsiteX4" y="connsiteY4"/>
+              </a:cxn>
+            </a:cxnLst>
+            <a:rect l="l" t="t" r="r" b="b"/>
+            <a:pathLst>
+              <a:path w="95759" h="95759">
+                <a:moveTo>
+                  <a:pt x="95759" y="47880"/>
+                </a:moveTo>
+                <a:cubicBezTo>
+                  <a:pt x="95759" y="74323"/>
+                  <a:pt x="74323" y="95759"/>
+                  <a:pt x="47880" y="95759"/>
+                </a:cubicBezTo>
+                <a:cubicBezTo>
+                  <a:pt x="21436" y="95759"/>
+                  <a:pt x="0" y="74323"/>
+                  <a:pt x="0" y="47880"/>
+                </a:cubicBezTo>
+                <a:cubicBezTo>
+                  <a:pt x="0" y="21436"/>
+                  <a:pt x="21436" y="0"/>
+                  <a:pt x="47880" y="0"/>
+                </a:cubicBezTo>
+                <a:cubicBezTo>
+                  <a:pt x="74323" y="0"/>
+                  <a:pt x="95759" y="21436"/>
+                  <a:pt x="95759" y="47880"/>
+                </a:cubicBezTo>
+                <a:close/>
+              </a:path>
+            </a:pathLst>
+          </a:custGeom>
+          <a:solidFill>
+            <a:srgbClr val="FFFFFF"/>
+          </a:solidFill>
+          <a:ln w="469" cap="flat">
+            <a:noFill/>
+            <a:prstDash val="solid"/>
+            <a:miter/>
+          </a:ln>
+        </p:spPr>
+        <p:txBody>
+          <a:bodyPr rtlCol="0" anchor="ctr"/>
+          <a:lstStyle/>
+          <a:p>
+            <a:endParaRPr lang="en-US">
+              <a:solidFill>
+                <a:srgbClr val="FFFFFF"/>
+              </a:solidFill>
+            </a:endParaRPr>
+          </a:p>
+        </p:txBody>
+      </p:sp>
+      <p:sp>
+        <p:nvSpPr>
+          <p:cNvPr id="3" name="Título 1">
+            <a:extLst>
+              <a:ext uri="{FF2B5EF4-FFF2-40B4-BE49-F238E27FC236}">
+                <a16:creationId xmlns:a16="http://schemas.microsoft.com/office/drawing/2014/main" id="{402ABCA3-2445-4049-922D-4C5FBF589E0B}"/>
               </a:ext>
             </a:extLst>
           </p:cNvPr>
@@ -6810,19 +8250,48 @@
             <a:spLocks noGrp="1"/>
           </p:cNvSpPr>
           <p:nvPr>
-            <p:ph type="sldNum" sz="quarter" idx="12"/>
+            <p:ph type="title"/>
           </p:nvPr>
         </p:nvSpPr>
-        <p:spPr/>
+        <p:spPr>
+          <a:xfrm rot="16200000">
+            <a:off x="-2648309" y="2777704"/>
+            <a:ext cx="6856569" cy="1253953"/>
+          </a:xfrm>
+        </p:spPr>
         <p:txBody>
-          <a:bodyPr/>
+          <a:bodyPr vert="horz" lIns="91440" tIns="45720" rIns="91440" bIns="45720" rtlCol="0" anchor="t">
+            <a:normAutofit/>
+          </a:bodyPr>
           <a:lstStyle/>
           <a:p>
-            <a:fld id="{A59AE7EA-4493-405D-9A66-B6513C9897B9}" type="slidenum">
-              <a:rPr lang="es-CO" smtClean="0"/>
-              <a:t>6</a:t>
-            </a:fld>
-            <a:endParaRPr lang="es-CO"/>
+            <a:pPr algn="r"/>
+            <a:r>
+              <a:rPr lang="en-US" sz="7200" b="1" kern="1200" dirty="0">
+                <a:solidFill>
+                  <a:srgbClr val="FFFFFF"/>
+                </a:solidFill>
+                <a:latin typeface="+mj-lt"/>
+                <a:ea typeface="+mj-ea"/>
+                <a:cs typeface="+mj-cs"/>
+              </a:rPr>
+              <a:t>Wireframe</a:t>
+            </a:r>
+            <a:r>
+              <a:rPr lang="en-US" sz="7200" b="1" dirty="0">
+                <a:solidFill>
+                  <a:srgbClr val="FFFFFF"/>
+                </a:solidFill>
+              </a:rPr>
+              <a:t> - Video</a:t>
+            </a:r>
+            <a:endParaRPr lang="en-US" sz="7200" b="1" kern="1200">
+              <a:solidFill>
+                <a:srgbClr val="FFFFFF"/>
+              </a:solidFill>
+              <a:latin typeface="+mj-lt"/>
+              <a:cs typeface="Calibri Light"/>
+            </a:endParaRPr>
           </a:p>
         </p:txBody>
       </p:sp>
@@ -6845,9 +8314,7 @@
     <p:bg>
       <p:bgPr>
         <a:solidFill>
-          <a:srgbClr val="790568">
-            <a:alpha val="71000"/>
-          </a:srgbClr>
+          <a:schemeClr val="bg1"/>
         </a:solidFill>
         <a:effectLst/>
       </p:bgPr>
@@ -6866,49 +8333,138 @@
           <a:chExt cx="0" cy="0"/>
         </a:xfrm>
       </p:grpSpPr>
-      <p:sp>
+      <p:sp useBgFill="1">
         <p:nvSpPr>
-          <p:cNvPr id="6" name="Título 1">
-            <a:extLst>
-              <a:ext uri="{FF2B5EF4-FFF2-40B4-BE49-F238E27FC236}">
-                <a16:creationId xmlns:a16="http://schemas.microsoft.com/office/drawing/2014/main" id="{DECA3747-9945-410B-9DEA-5CD67F699C1A}"/>
+          <p:cNvPr id="16" name="Rectangle 15">
+            <a:extLst>
+              <a:ext uri="{FF2B5EF4-FFF2-40B4-BE49-F238E27FC236}">
+                <a16:creationId xmlns:a16="http://schemas.microsoft.com/office/drawing/2014/main" id="{8538EBC2-0B11-4732-8715-799409C4A914}"/>
+              </a:ext>
+              <a:ext uri="{C183D7F6-B498-43B3-948B-1728B52AA6E4}">
+                <adec:decorative xmlns:adec="http://schemas.microsoft.com/office/drawing/2017/decorative" val="1"/>
               </a:ext>
             </a:extLst>
           </p:cNvPr>
           <p:cNvSpPr>
-            <a:spLocks noGrp="1"/>
+            <a:spLocks noGrp="1" noRot="1" noChangeAspect="1" noMove="1" noResize="1" noEditPoints="1" noAdjustHandles="1" noChangeArrowheads="1" noChangeShapeType="1" noTextEdit="1"/>
           </p:cNvSpPr>
           <p:nvPr>
-            <p:ph type="title"/>
+            <p:extLst>
+              <p:ext uri="{386F3935-93C4-4BCD-93E2-E3B085C9AB24}">
+                <p16:designElem xmlns:p16="http://schemas.microsoft.com/office/powerpoint/2015/main" val="1"/>
+              </p:ext>
+            </p:extLst>
           </p:nvPr>
         </p:nvSpPr>
         <p:spPr>
           <a:xfrm>
-            <a:off x="2728824" y="2692909"/>
-            <a:ext cx="6729951" cy="1482726"/>
+            <a:off x="0" y="0"/>
+            <a:ext cx="12192000" cy="6858000"/>
           </a:xfrm>
+          <a:prstGeom prst="rect">
+            <a:avLst/>
+          </a:prstGeom>
+          <a:ln>
+            <a:noFill/>
+          </a:ln>
         </p:spPr>
+        <p:style>
+          <a:lnRef idx="2">
+            <a:schemeClr val="accent1">
+              <a:shade val="50000"/>
+            </a:schemeClr>
+          </a:lnRef>
+          <a:fillRef idx="1">
+            <a:schemeClr val="accent1"/>
+          </a:fillRef>
+          <a:effectRef idx="0">
+            <a:schemeClr val="accent1"/>
+          </a:effectRef>
+          <a:fontRef idx="minor">
+            <a:schemeClr val="lt1"/>
+          </a:fontRef>
+        </p:style>
         <p:txBody>
-          <a:bodyPr>
-            <a:normAutofit/>
-          </a:bodyPr>
+          <a:bodyPr rtlCol="0" anchor="ctr"/>
           <a:lstStyle/>
           <a:p>
-            <a:r>
-              <a:rPr lang="es-CO" sz="6000" b="1">
-                <a:solidFill>
-                  <a:schemeClr val="bg1"/>
-                </a:solidFill>
-                <a:latin typeface="Calibri Light (Títulos)"/>
-                <a:cs typeface="Calibri Light"/>
-              </a:rPr>
-              <a:t>Aplicación Harmony</a:t>
-            </a:r>
-            <a:endParaRPr lang="es-CO" sz="6000" b="1">
+            <a:pPr algn="ctr"/>
+            <a:endParaRPr lang="en-US"/>
+          </a:p>
+        </p:txBody>
+      </p:sp>
+      <p:sp>
+        <p:nvSpPr>
+          <p:cNvPr id="18" name="Rectangle 17">
+            <a:extLst>
+              <a:ext uri="{FF2B5EF4-FFF2-40B4-BE49-F238E27FC236}">
+                <a16:creationId xmlns:a16="http://schemas.microsoft.com/office/drawing/2014/main" id="{CE3C5560-7A9C-489F-9148-18C5E1D0F0B2}"/>
+              </a:ext>
+              <a:ext uri="{C183D7F6-B498-43B3-948B-1728B52AA6E4}">
+                <adec:decorative xmlns:adec="http://schemas.microsoft.com/office/drawing/2017/decorative" val="1"/>
+              </a:ext>
+            </a:extLst>
+          </p:cNvPr>
+          <p:cNvSpPr>
+            <a:spLocks noGrp="1" noRot="1" noChangeAspect="1" noMove="1" noResize="1" noEditPoints="1" noAdjustHandles="1" noChangeArrowheads="1" noChangeShapeType="1" noTextEdit="1"/>
+          </p:cNvSpPr>
+          <p:nvPr>
+            <p:extLst>
+              <p:ext uri="{386F3935-93C4-4BCD-93E2-E3B085C9AB24}">
+                <p16:designElem xmlns:p16="http://schemas.microsoft.com/office/powerpoint/2015/main" val="1"/>
+              </p:ext>
+            </p:extLst>
+          </p:nvPr>
+        </p:nvSpPr>
+        <p:spPr>
+          <a:xfrm>
+            <a:off x="0" y="0"/>
+            <a:ext cx="12192000" cy="6858000"/>
+          </a:xfrm>
+          <a:prstGeom prst="rect">
+            <a:avLst/>
+          </a:prstGeom>
+          <a:gradFill flip="none" rotWithShape="1">
+            <a:gsLst>
+              <a:gs pos="0">
+                <a:schemeClr val="accent1"/>
+              </a:gs>
+              <a:gs pos="100000">
+                <a:schemeClr val="accent2"/>
+              </a:gs>
+            </a:gsLst>
+            <a:lin ang="2700000" scaled="1"/>
+            <a:tileRect/>
+          </a:gradFill>
+          <a:ln>
+            <a:noFill/>
+          </a:ln>
+        </p:spPr>
+        <p:style>
+          <a:lnRef idx="2">
+            <a:schemeClr val="accent1">
+              <a:shade val="50000"/>
+            </a:schemeClr>
+          </a:lnRef>
+          <a:fillRef idx="1">
+            <a:schemeClr val="accent1"/>
+          </a:fillRef>
+          <a:effectRef idx="0">
+            <a:schemeClr val="accent1"/>
+          </a:effectRef>
+          <a:fontRef idx="minor">
+            <a:schemeClr val="lt1"/>
+          </a:fontRef>
+        </p:style>
+        <p:txBody>
+          <a:bodyPr rtlCol="0" anchor="ctr"/>
+          <a:lstStyle/>
+          <a:p>
+            <a:pPr algn="ctr"/>
+            <a:endParaRPr lang="en-US">
               <a:solidFill>
-                <a:schemeClr val="bg1"/>
+                <a:srgbClr val="FFFFFF"/>
               </a:solidFill>
-              <a:latin typeface="Calibri Light (Títulos)"/>
             </a:endParaRPr>
           </a:p>
         </p:txBody>
@@ -6918,7 +8474,7 @@
           <p:cNvPr id="2" name="Marcador de número de diapositiva 1">
             <a:extLst>
               <a:ext uri="{FF2B5EF4-FFF2-40B4-BE49-F238E27FC236}">
-                <a16:creationId xmlns:a16="http://schemas.microsoft.com/office/drawing/2014/main" id="{B79118EF-26A6-4523-BF2D-81EEB4A3BF5A}"/>
+                <a16:creationId xmlns:a16="http://schemas.microsoft.com/office/drawing/2014/main" id="{A9F70D35-9E6D-4356-9524-00BE15104E50}"/>
               </a:ext>
             </a:extLst>
           </p:cNvPr>
@@ -6929,23 +8485,675 @@
             <p:ph type="sldNum" sz="quarter" idx="12"/>
           </p:nvPr>
         </p:nvSpPr>
-        <p:spPr/>
+        <p:spPr>
+          <a:xfrm>
+            <a:off x="8610600" y="224937"/>
+            <a:ext cx="2743200" cy="365125"/>
+          </a:xfrm>
+        </p:spPr>
         <p:txBody>
-          <a:bodyPr/>
+          <a:bodyPr vert="horz" lIns="91440" tIns="45720" rIns="91440" bIns="45720" rtlCol="0" anchor="ctr">
+            <a:normAutofit/>
+          </a:bodyPr>
           <a:lstStyle/>
           <a:p>
+            <a:pPr>
+              <a:spcAft>
+                <a:spcPts val="600"/>
+              </a:spcAft>
+            </a:pPr>
             <a:fld id="{A59AE7EA-4493-405D-9A66-B6513C9897B9}" type="slidenum">
-              <a:rPr lang="es-CO" smtClean="0"/>
+              <a:rPr lang="en-US">
+                <a:solidFill>
+                  <a:srgbClr val="FFFFFF"/>
+                </a:solidFill>
+              </a:rPr>
+              <a:pPr>
+                <a:spcAft>
+                  <a:spcPts val="600"/>
+                </a:spcAft>
+              </a:pPr>
               <a:t>7</a:t>
             </a:fld>
-            <a:endParaRPr lang="es-CO"/>
+            <a:endParaRPr lang="en-US">
+              <a:solidFill>
+                <a:srgbClr val="FFFFFF"/>
+              </a:solidFill>
+            </a:endParaRPr>
+          </a:p>
+        </p:txBody>
+      </p:sp>
+      <p:cxnSp>
+        <p:nvCxnSpPr>
+          <p:cNvPr id="20" name="Straight Connector 19">
+            <a:extLst>
+              <a:ext uri="{FF2B5EF4-FFF2-40B4-BE49-F238E27FC236}">
+                <a16:creationId xmlns:a16="http://schemas.microsoft.com/office/drawing/2014/main" id="{56020367-4FD5-4596-8E10-C5F095CD8DBF}"/>
+              </a:ext>
+              <a:ext uri="{C183D7F6-B498-43B3-948B-1728B52AA6E4}">
+                <adec:decorative xmlns:adec="http://schemas.microsoft.com/office/drawing/2017/decorative" val="1"/>
+              </a:ext>
+            </a:extLst>
+          </p:cNvPr>
+          <p:cNvCxnSpPr>
+            <a:cxnSpLocks noGrp="1" noRot="1" noChangeAspect="1" noMove="1" noResize="1" noEditPoints="1" noAdjustHandles="1" noChangeArrowheads="1" noChangeShapeType="1"/>
+          </p:cNvCxnSpPr>
+          <p:nvPr>
+            <p:extLst>
+              <p:ext uri="{386F3935-93C4-4BCD-93E2-E3B085C9AB24}">
+                <p16:designElem xmlns:p16="http://schemas.microsoft.com/office/powerpoint/2015/main" val="1"/>
+              </p:ext>
+            </p:extLst>
+          </p:nvPr>
+        </p:nvCxnSpPr>
+        <p:spPr>
+          <a:xfrm>
+            <a:off x="1301262" y="3496322"/>
+            <a:ext cx="0" cy="3352800"/>
+          </a:xfrm>
+          <a:prstGeom prst="line">
+            <a:avLst/>
+          </a:prstGeom>
+          <a:ln w="25400" cap="sq">
+            <a:solidFill>
+              <a:srgbClr val="FFFFFF"/>
+            </a:solidFill>
+            <a:bevel/>
+          </a:ln>
+        </p:spPr>
+        <p:style>
+          <a:lnRef idx="1">
+            <a:schemeClr val="accent1"/>
+          </a:lnRef>
+          <a:fillRef idx="0">
+            <a:schemeClr val="accent1"/>
+          </a:fillRef>
+          <a:effectRef idx="0">
+            <a:schemeClr val="accent1"/>
+          </a:effectRef>
+          <a:fontRef idx="minor">
+            <a:schemeClr val="tx1"/>
+          </a:fontRef>
+        </p:style>
+      </p:cxnSp>
+      <p:pic>
+        <p:nvPicPr>
+          <p:cNvPr id="11" name="Picture 11">
+            <a:hlinkClick r:id="" action="ppaction://media"/>
+            <a:extLst>
+              <a:ext uri="{FF2B5EF4-FFF2-40B4-BE49-F238E27FC236}">
+                <a16:creationId xmlns:a16="http://schemas.microsoft.com/office/drawing/2014/main" id="{DC57B973-1827-4471-9B7C-19DD68BC1B76}"/>
+              </a:ext>
+            </a:extLst>
+          </p:cNvPr>
+          <p:cNvPicPr>
+            <a:picLocks noGrp="1" noRot="1" noChangeAspect="1"/>
+          </p:cNvPicPr>
+          <p:nvPr>
+            <p:ph idx="1"/>
+            <a:videoFile r:link="rId1"/>
+          </p:nvPr>
+        </p:nvPicPr>
+        <p:blipFill>
+          <a:blip r:embed="rId3"/>
+          <a:stretch>
+            <a:fillRect/>
+          </a:stretch>
+        </p:blipFill>
+        <p:spPr>
+          <a:xfrm>
+            <a:off x="1889091" y="581473"/>
+            <a:ext cx="9789567" cy="5760665"/>
+          </a:xfrm>
+          <a:prstGeom prst="rect">
+            <a:avLst/>
+          </a:prstGeom>
+        </p:spPr>
+      </p:pic>
+      <p:sp>
+        <p:nvSpPr>
+          <p:cNvPr id="22" name="Graphic 22">
+            <a:extLst>
+              <a:ext uri="{FF2B5EF4-FFF2-40B4-BE49-F238E27FC236}">
+                <a16:creationId xmlns:a16="http://schemas.microsoft.com/office/drawing/2014/main" id="{508BEF50-7B1E-49A4-BC19-5F4F1D755E64}"/>
+              </a:ext>
+              <a:ext uri="{C183D7F6-B498-43B3-948B-1728B52AA6E4}">
+                <adec:decorative xmlns:adec="http://schemas.microsoft.com/office/drawing/2017/decorative" val="1"/>
+              </a:ext>
+            </a:extLst>
+          </p:cNvPr>
+          <p:cNvSpPr>
+            <a:spLocks noGrp="1" noRot="1" noChangeAspect="1" noMove="1" noResize="1" noEditPoints="1" noAdjustHandles="1" noChangeArrowheads="1" noChangeShapeType="1" noTextEdit="1"/>
+          </p:cNvSpPr>
+          <p:nvPr>
+            <p:extLst>
+              <p:ext uri="{386F3935-93C4-4BCD-93E2-E3B085C9AB24}">
+                <p16:designElem xmlns:p16="http://schemas.microsoft.com/office/powerpoint/2015/main" val="1"/>
+              </p:ext>
+            </p:extLst>
+          </p:nvPr>
+        </p:nvSpPr>
+        <p:spPr>
+          <a:xfrm>
+            <a:off x="11220768" y="2295928"/>
+            <a:ext cx="151536" cy="151536"/>
+          </a:xfrm>
+          <a:custGeom>
+            <a:avLst/>
+            <a:gdLst>
+              <a:gd name="connsiteX0" fmla="*/ 141251 w 151536"/>
+              <a:gd name="connsiteY0" fmla="*/ 65483 h 151536"/>
+              <a:gd name="connsiteX1" fmla="*/ 86053 w 151536"/>
+              <a:gd name="connsiteY1" fmla="*/ 65483 h 151536"/>
+              <a:gd name="connsiteX2" fmla="*/ 86053 w 151536"/>
+              <a:gd name="connsiteY2" fmla="*/ 10285 h 151536"/>
+              <a:gd name="connsiteX3" fmla="*/ 75768 w 151536"/>
+              <a:gd name="connsiteY3" fmla="*/ 0 h 151536"/>
+              <a:gd name="connsiteX4" fmla="*/ 65483 w 151536"/>
+              <a:gd name="connsiteY4" fmla="*/ 10285 h 151536"/>
+              <a:gd name="connsiteX5" fmla="*/ 65483 w 151536"/>
+              <a:gd name="connsiteY5" fmla="*/ 65483 h 151536"/>
+              <a:gd name="connsiteX6" fmla="*/ 10285 w 151536"/>
+              <a:gd name="connsiteY6" fmla="*/ 65483 h 151536"/>
+              <a:gd name="connsiteX7" fmla="*/ 0 w 151536"/>
+              <a:gd name="connsiteY7" fmla="*/ 75768 h 151536"/>
+              <a:gd name="connsiteX8" fmla="*/ 10285 w 151536"/>
+              <a:gd name="connsiteY8" fmla="*/ 86053 h 151536"/>
+              <a:gd name="connsiteX9" fmla="*/ 65483 w 151536"/>
+              <a:gd name="connsiteY9" fmla="*/ 86053 h 151536"/>
+              <a:gd name="connsiteX10" fmla="*/ 65483 w 151536"/>
+              <a:gd name="connsiteY10" fmla="*/ 141251 h 151536"/>
+              <a:gd name="connsiteX11" fmla="*/ 75768 w 151536"/>
+              <a:gd name="connsiteY11" fmla="*/ 151536 h 151536"/>
+              <a:gd name="connsiteX12" fmla="*/ 86053 w 151536"/>
+              <a:gd name="connsiteY12" fmla="*/ 141251 h 151536"/>
+              <a:gd name="connsiteX13" fmla="*/ 86053 w 151536"/>
+              <a:gd name="connsiteY13" fmla="*/ 86053 h 151536"/>
+              <a:gd name="connsiteX14" fmla="*/ 141251 w 151536"/>
+              <a:gd name="connsiteY14" fmla="*/ 86053 h 151536"/>
+              <a:gd name="connsiteX15" fmla="*/ 151536 w 151536"/>
+              <a:gd name="connsiteY15" fmla="*/ 75768 h 151536"/>
+              <a:gd name="connsiteX16" fmla="*/ 141251 w 151536"/>
+              <a:gd name="connsiteY16" fmla="*/ 65483 h 151536"/>
+            </a:gdLst>
+            <a:ahLst/>
+            <a:cxnLst>
+              <a:cxn ang="0">
+                <a:pos x="connsiteX0" y="connsiteY0"/>
+              </a:cxn>
+              <a:cxn ang="0">
+                <a:pos x="connsiteX1" y="connsiteY1"/>
+              </a:cxn>
+              <a:cxn ang="0">
+                <a:pos x="connsiteX2" y="connsiteY2"/>
+              </a:cxn>
+              <a:cxn ang="0">
+                <a:pos x="connsiteX3" y="connsiteY3"/>
+              </a:cxn>
+              <a:cxn ang="0">
+                <a:pos x="connsiteX4" y="connsiteY4"/>
+              </a:cxn>
+              <a:cxn ang="0">
+                <a:pos x="connsiteX5" y="connsiteY5"/>
+              </a:cxn>
+              <a:cxn ang="0">
+                <a:pos x="connsiteX6" y="connsiteY6"/>
+              </a:cxn>
+              <a:cxn ang="0">
+                <a:pos x="connsiteX7" y="connsiteY7"/>
+              </a:cxn>
+              <a:cxn ang="0">
+                <a:pos x="connsiteX8" y="connsiteY8"/>
+              </a:cxn>
+              <a:cxn ang="0">
+                <a:pos x="connsiteX9" y="connsiteY9"/>
+              </a:cxn>
+              <a:cxn ang="0">
+                <a:pos x="connsiteX10" y="connsiteY10"/>
+              </a:cxn>
+              <a:cxn ang="0">
+                <a:pos x="connsiteX11" y="connsiteY11"/>
+              </a:cxn>
+              <a:cxn ang="0">
+                <a:pos x="connsiteX12" y="connsiteY12"/>
+              </a:cxn>
+              <a:cxn ang="0">
+                <a:pos x="connsiteX13" y="connsiteY13"/>
+              </a:cxn>
+              <a:cxn ang="0">
+                <a:pos x="connsiteX14" y="connsiteY14"/>
+              </a:cxn>
+              <a:cxn ang="0">
+                <a:pos x="connsiteX15" y="connsiteY15"/>
+              </a:cxn>
+              <a:cxn ang="0">
+                <a:pos x="connsiteX16" y="connsiteY16"/>
+              </a:cxn>
+            </a:cxnLst>
+            <a:rect l="l" t="t" r="r" b="b"/>
+            <a:pathLst>
+              <a:path w="151536" h="151536">
+                <a:moveTo>
+                  <a:pt x="141251" y="65483"/>
+                </a:moveTo>
+                <a:lnTo>
+                  <a:pt x="86053" y="65483"/>
+                </a:lnTo>
+                <a:lnTo>
+                  <a:pt x="86053" y="10285"/>
+                </a:lnTo>
+                <a:cubicBezTo>
+                  <a:pt x="86053" y="4605"/>
+                  <a:pt x="81448" y="0"/>
+                  <a:pt x="75768" y="0"/>
+                </a:cubicBezTo>
+                <a:cubicBezTo>
+                  <a:pt x="70088" y="0"/>
+                  <a:pt x="65483" y="4605"/>
+                  <a:pt x="65483" y="10285"/>
+                </a:cubicBezTo>
+                <a:lnTo>
+                  <a:pt x="65483" y="65483"/>
+                </a:lnTo>
+                <a:lnTo>
+                  <a:pt x="10285" y="65483"/>
+                </a:lnTo>
+                <a:cubicBezTo>
+                  <a:pt x="4605" y="65483"/>
+                  <a:pt x="0" y="70088"/>
+                  <a:pt x="0" y="75768"/>
+                </a:cubicBezTo>
+                <a:cubicBezTo>
+                  <a:pt x="0" y="81448"/>
+                  <a:pt x="4605" y="86053"/>
+                  <a:pt x="10285" y="86053"/>
+                </a:cubicBezTo>
+                <a:lnTo>
+                  <a:pt x="65483" y="86053"/>
+                </a:lnTo>
+                <a:lnTo>
+                  <a:pt x="65483" y="141251"/>
+                </a:lnTo>
+                <a:cubicBezTo>
+                  <a:pt x="65483" y="146931"/>
+                  <a:pt x="70088" y="151536"/>
+                  <a:pt x="75768" y="151536"/>
+                </a:cubicBezTo>
+                <a:cubicBezTo>
+                  <a:pt x="81448" y="151536"/>
+                  <a:pt x="86053" y="146931"/>
+                  <a:pt x="86053" y="141251"/>
+                </a:cubicBezTo>
+                <a:lnTo>
+                  <a:pt x="86053" y="86053"/>
+                </a:lnTo>
+                <a:lnTo>
+                  <a:pt x="141251" y="86053"/>
+                </a:lnTo>
+                <a:cubicBezTo>
+                  <a:pt x="146931" y="86053"/>
+                  <a:pt x="151536" y="81448"/>
+                  <a:pt x="151536" y="75768"/>
+                </a:cubicBezTo>
+                <a:cubicBezTo>
+                  <a:pt x="151536" y="70088"/>
+                  <a:pt x="146931" y="65483"/>
+                  <a:pt x="141251" y="65483"/>
+                </a:cubicBezTo>
+                <a:close/>
+              </a:path>
+            </a:pathLst>
+          </a:custGeom>
+          <a:solidFill>
+            <a:srgbClr val="FFFFFF"/>
+          </a:solidFill>
+          <a:ln w="646" cap="flat">
+            <a:noFill/>
+            <a:prstDash val="solid"/>
+            <a:miter/>
+          </a:ln>
+        </p:spPr>
+        <p:txBody>
+          <a:bodyPr rtlCol="0" anchor="ctr"/>
+          <a:lstStyle/>
+          <a:p>
+            <a:endParaRPr lang="en-US">
+              <a:solidFill>
+                <a:srgbClr val="FFFFFF"/>
+              </a:solidFill>
+            </a:endParaRPr>
+          </a:p>
+        </p:txBody>
+      </p:sp>
+      <p:sp>
+        <p:nvSpPr>
+          <p:cNvPr id="24" name="Graphic 23">
+            <a:extLst>
+              <a:ext uri="{FF2B5EF4-FFF2-40B4-BE49-F238E27FC236}">
+                <a16:creationId xmlns:a16="http://schemas.microsoft.com/office/drawing/2014/main" id="{3FBAD350-5664-4811-A208-657FB882D350}"/>
+              </a:ext>
+              <a:ext uri="{C183D7F6-B498-43B3-948B-1728B52AA6E4}">
+                <adec:decorative xmlns:adec="http://schemas.microsoft.com/office/drawing/2017/decorative" val="1"/>
+              </a:ext>
+            </a:extLst>
+          </p:cNvPr>
+          <p:cNvSpPr>
+            <a:spLocks noGrp="1" noRot="1" noChangeAspect="1" noMove="1" noResize="1" noEditPoints="1" noAdjustHandles="1" noChangeArrowheads="1" noChangeShapeType="1" noTextEdit="1"/>
+          </p:cNvSpPr>
+          <p:nvPr>
+            <p:extLst>
+              <p:ext uri="{386F3935-93C4-4BCD-93E2-E3B085C9AB24}">
+                <p16:designElem xmlns:p16="http://schemas.microsoft.com/office/powerpoint/2015/main" val="1"/>
+              </p:ext>
+            </p:extLst>
+          </p:nvPr>
+        </p:nvSpPr>
+        <p:spPr>
+          <a:xfrm>
+            <a:off x="11629518" y="2756007"/>
+            <a:ext cx="108625" cy="108625"/>
+          </a:xfrm>
+          <a:custGeom>
+            <a:avLst/>
+            <a:gdLst>
+              <a:gd name="connsiteX0" fmla="*/ 54313 w 108625"/>
+              <a:gd name="connsiteY0" fmla="*/ 16053 h 108625"/>
+              <a:gd name="connsiteX1" fmla="*/ 92572 w 108625"/>
+              <a:gd name="connsiteY1" fmla="*/ 54313 h 108625"/>
+              <a:gd name="connsiteX2" fmla="*/ 54313 w 108625"/>
+              <a:gd name="connsiteY2" fmla="*/ 92572 h 108625"/>
+              <a:gd name="connsiteX3" fmla="*/ 16053 w 108625"/>
+              <a:gd name="connsiteY3" fmla="*/ 54313 h 108625"/>
+              <a:gd name="connsiteX4" fmla="*/ 54313 w 108625"/>
+              <a:gd name="connsiteY4" fmla="*/ 16053 h 108625"/>
+              <a:gd name="connsiteX5" fmla="*/ 54313 w 108625"/>
+              <a:gd name="connsiteY5" fmla="*/ 0 h 108625"/>
+              <a:gd name="connsiteX6" fmla="*/ 0 w 108625"/>
+              <a:gd name="connsiteY6" fmla="*/ 54313 h 108625"/>
+              <a:gd name="connsiteX7" fmla="*/ 54313 w 108625"/>
+              <a:gd name="connsiteY7" fmla="*/ 108625 h 108625"/>
+              <a:gd name="connsiteX8" fmla="*/ 108625 w 108625"/>
+              <a:gd name="connsiteY8" fmla="*/ 54313 h 108625"/>
+              <a:gd name="connsiteX9" fmla="*/ 54313 w 108625"/>
+              <a:gd name="connsiteY9" fmla="*/ 0 h 108625"/>
+            </a:gdLst>
+            <a:ahLst/>
+            <a:cxnLst>
+              <a:cxn ang="0">
+                <a:pos x="connsiteX0" y="connsiteY0"/>
+              </a:cxn>
+              <a:cxn ang="0">
+                <a:pos x="connsiteX1" y="connsiteY1"/>
+              </a:cxn>
+              <a:cxn ang="0">
+                <a:pos x="connsiteX2" y="connsiteY2"/>
+              </a:cxn>
+              <a:cxn ang="0">
+                <a:pos x="connsiteX3" y="connsiteY3"/>
+              </a:cxn>
+              <a:cxn ang="0">
+                <a:pos x="connsiteX4" y="connsiteY4"/>
+              </a:cxn>
+              <a:cxn ang="0">
+                <a:pos x="connsiteX5" y="connsiteY5"/>
+              </a:cxn>
+              <a:cxn ang="0">
+                <a:pos x="connsiteX6" y="connsiteY6"/>
+              </a:cxn>
+              <a:cxn ang="0">
+                <a:pos x="connsiteX7" y="connsiteY7"/>
+              </a:cxn>
+              <a:cxn ang="0">
+                <a:pos x="connsiteX8" y="connsiteY8"/>
+              </a:cxn>
+              <a:cxn ang="0">
+                <a:pos x="connsiteX9" y="connsiteY9"/>
+              </a:cxn>
+            </a:cxnLst>
+            <a:rect l="l" t="t" r="r" b="b"/>
+            <a:pathLst>
+              <a:path w="108625" h="108625">
+                <a:moveTo>
+                  <a:pt x="54313" y="16053"/>
+                </a:moveTo>
+                <a:cubicBezTo>
+                  <a:pt x="75442" y="16053"/>
+                  <a:pt x="92572" y="33182"/>
+                  <a:pt x="92572" y="54313"/>
+                </a:cubicBezTo>
+                <a:cubicBezTo>
+                  <a:pt x="92572" y="75442"/>
+                  <a:pt x="75442" y="92572"/>
+                  <a:pt x="54313" y="92572"/>
+                </a:cubicBezTo>
+                <a:cubicBezTo>
+                  <a:pt x="33182" y="92572"/>
+                  <a:pt x="16053" y="75442"/>
+                  <a:pt x="16053" y="54313"/>
+                </a:cubicBezTo>
+                <a:cubicBezTo>
+                  <a:pt x="16074" y="33191"/>
+                  <a:pt x="33191" y="16074"/>
+                  <a:pt x="54313" y="16053"/>
+                </a:cubicBezTo>
+                <a:moveTo>
+                  <a:pt x="54313" y="0"/>
+                </a:moveTo>
+                <a:cubicBezTo>
+                  <a:pt x="24317" y="0"/>
+                  <a:pt x="0" y="24317"/>
+                  <a:pt x="0" y="54313"/>
+                </a:cubicBezTo>
+                <a:cubicBezTo>
+                  <a:pt x="0" y="84309"/>
+                  <a:pt x="24317" y="108625"/>
+                  <a:pt x="54313" y="108625"/>
+                </a:cubicBezTo>
+                <a:cubicBezTo>
+                  <a:pt x="84309" y="108625"/>
+                  <a:pt x="108625" y="84309"/>
+                  <a:pt x="108625" y="54313"/>
+                </a:cubicBezTo>
+                <a:cubicBezTo>
+                  <a:pt x="108625" y="24317"/>
+                  <a:pt x="84309" y="0"/>
+                  <a:pt x="54313" y="0"/>
+                </a:cubicBezTo>
+                <a:close/>
+              </a:path>
+            </a:pathLst>
+          </a:custGeom>
+          <a:solidFill>
+            <a:srgbClr val="FFFFFF"/>
+          </a:solidFill>
+          <a:ln w="516" cap="flat">
+            <a:noFill/>
+            <a:prstDash val="solid"/>
+            <a:miter/>
+          </a:ln>
+        </p:spPr>
+        <p:txBody>
+          <a:bodyPr rtlCol="0" anchor="ctr"/>
+          <a:lstStyle/>
+          <a:p>
+            <a:endParaRPr lang="en-US">
+              <a:solidFill>
+                <a:srgbClr val="FFFFFF"/>
+              </a:solidFill>
+            </a:endParaRPr>
+          </a:p>
+        </p:txBody>
+      </p:sp>
+      <p:sp>
+        <p:nvSpPr>
+          <p:cNvPr id="26" name="Graphic 21">
+            <a:extLst>
+              <a:ext uri="{FF2B5EF4-FFF2-40B4-BE49-F238E27FC236}">
+                <a16:creationId xmlns:a16="http://schemas.microsoft.com/office/drawing/2014/main" id="{C39ADB8F-D187-49D7-BDCF-C1B6DC727068}"/>
+              </a:ext>
+              <a:ext uri="{C183D7F6-B498-43B3-948B-1728B52AA6E4}">
+                <adec:decorative xmlns:adec="http://schemas.microsoft.com/office/drawing/2017/decorative" val="1"/>
+              </a:ext>
+            </a:extLst>
+          </p:cNvPr>
+          <p:cNvSpPr>
+            <a:spLocks noGrp="1" noRot="1" noChangeAspect="1" noMove="1" noResize="1" noEditPoints="1" noAdjustHandles="1" noChangeArrowheads="1" noChangeShapeType="1" noTextEdit="1"/>
+          </p:cNvSpPr>
+          <p:nvPr>
+            <p:extLst>
+              <p:ext uri="{386F3935-93C4-4BCD-93E2-E3B085C9AB24}">
+                <p16:designElem xmlns:p16="http://schemas.microsoft.com/office/powerpoint/2015/main" val="1"/>
+              </p:ext>
+            </p:extLst>
+          </p:nvPr>
+        </p:nvSpPr>
+        <p:spPr>
+          <a:xfrm>
+            <a:off x="7458003" y="6344837"/>
+            <a:ext cx="95759" cy="95759"/>
+          </a:xfrm>
+          <a:custGeom>
+            <a:avLst/>
+            <a:gdLst>
+              <a:gd name="connsiteX0" fmla="*/ 95759 w 95759"/>
+              <a:gd name="connsiteY0" fmla="*/ 47880 h 95759"/>
+              <a:gd name="connsiteX1" fmla="*/ 47880 w 95759"/>
+              <a:gd name="connsiteY1" fmla="*/ 95759 h 95759"/>
+              <a:gd name="connsiteX2" fmla="*/ 0 w 95759"/>
+              <a:gd name="connsiteY2" fmla="*/ 47880 h 95759"/>
+              <a:gd name="connsiteX3" fmla="*/ 47880 w 95759"/>
+              <a:gd name="connsiteY3" fmla="*/ 0 h 95759"/>
+              <a:gd name="connsiteX4" fmla="*/ 95759 w 95759"/>
+              <a:gd name="connsiteY4" fmla="*/ 47880 h 95759"/>
+            </a:gdLst>
+            <a:ahLst/>
+            <a:cxnLst>
+              <a:cxn ang="0">
+                <a:pos x="connsiteX0" y="connsiteY0"/>
+              </a:cxn>
+              <a:cxn ang="0">
+                <a:pos x="connsiteX1" y="connsiteY1"/>
+              </a:cxn>
+              <a:cxn ang="0">
+                <a:pos x="connsiteX2" y="connsiteY2"/>
+              </a:cxn>
+              <a:cxn ang="0">
+                <a:pos x="connsiteX3" y="connsiteY3"/>
+              </a:cxn>
+              <a:cxn ang="0">
+                <a:pos x="connsiteX4" y="connsiteY4"/>
+              </a:cxn>
+            </a:cxnLst>
+            <a:rect l="l" t="t" r="r" b="b"/>
+            <a:pathLst>
+              <a:path w="95759" h="95759">
+                <a:moveTo>
+                  <a:pt x="95759" y="47880"/>
+                </a:moveTo>
+                <a:cubicBezTo>
+                  <a:pt x="95759" y="74323"/>
+                  <a:pt x="74323" y="95759"/>
+                  <a:pt x="47880" y="95759"/>
+                </a:cubicBezTo>
+                <a:cubicBezTo>
+                  <a:pt x="21436" y="95759"/>
+                  <a:pt x="0" y="74323"/>
+                  <a:pt x="0" y="47880"/>
+                </a:cubicBezTo>
+                <a:cubicBezTo>
+                  <a:pt x="0" y="21436"/>
+                  <a:pt x="21436" y="0"/>
+                  <a:pt x="47880" y="0"/>
+                </a:cubicBezTo>
+                <a:cubicBezTo>
+                  <a:pt x="74323" y="0"/>
+                  <a:pt x="95759" y="21436"/>
+                  <a:pt x="95759" y="47880"/>
+                </a:cubicBezTo>
+                <a:close/>
+              </a:path>
+            </a:pathLst>
+          </a:custGeom>
+          <a:solidFill>
+            <a:srgbClr val="FFFFFF"/>
+          </a:solidFill>
+          <a:ln w="469" cap="flat">
+            <a:noFill/>
+            <a:prstDash val="solid"/>
+            <a:miter/>
+          </a:ln>
+        </p:spPr>
+        <p:txBody>
+          <a:bodyPr rtlCol="0" anchor="ctr"/>
+          <a:lstStyle/>
+          <a:p>
+            <a:endParaRPr lang="en-US">
+              <a:solidFill>
+                <a:srgbClr val="FFFFFF"/>
+              </a:solidFill>
+            </a:endParaRPr>
+          </a:p>
+        </p:txBody>
+      </p:sp>
+      <p:sp>
+        <p:nvSpPr>
+          <p:cNvPr id="4" name="Título 1">
+            <a:extLst>
+              <a:ext uri="{FF2B5EF4-FFF2-40B4-BE49-F238E27FC236}">
+                <a16:creationId xmlns:a16="http://schemas.microsoft.com/office/drawing/2014/main" id="{7A899593-D1FA-4B7D-AAAB-56B47E90ED7E}"/>
+              </a:ext>
+            </a:extLst>
+          </p:cNvPr>
+          <p:cNvSpPr>
+            <a:spLocks noGrp="1"/>
+          </p:cNvSpPr>
+          <p:nvPr>
+            <p:ph type="title"/>
+          </p:nvPr>
+        </p:nvSpPr>
+        <p:spPr>
+          <a:xfrm rot="16200000">
+            <a:off x="-1583481" y="4156579"/>
+            <a:ext cx="4417790" cy="813239"/>
+          </a:xfrm>
+        </p:spPr>
+        <p:txBody>
+          <a:bodyPr vert="horz" lIns="91440" tIns="45720" rIns="91440" bIns="45720" rtlCol="0" anchor="b">
+            <a:noAutofit/>
+          </a:bodyPr>
+          <a:lstStyle/>
+          <a:p>
+            <a:pPr algn="ctr"/>
+            <a:r>
+              <a:rPr lang="en-US" sz="5400" b="1" dirty="0">
+                <a:solidFill>
+                  <a:srgbClr val="FFFFFF"/>
+                </a:solidFill>
+              </a:rPr>
+              <a:t> </a:t>
+            </a:r>
+            <a:r>
+              <a:rPr lang="en-US" sz="6000" b="1" dirty="0" err="1">
+                <a:solidFill>
+                  <a:srgbClr val="FFFFFF"/>
+                </a:solidFill>
+              </a:rPr>
+              <a:t>HarmonyApp</a:t>
+            </a:r>
+            <a:endParaRPr lang="en-US" sz="6000" b="1" kern="1200">
+              <a:solidFill>
+                <a:srgbClr val="FFFFFF"/>
+              </a:solidFill>
+              <a:latin typeface="+mj-lt"/>
+              <a:cs typeface="Calibri Light"/>
+            </a:endParaRPr>
           </a:p>
         </p:txBody>
       </p:sp>
     </p:spTree>
     <p:extLst>
       <p:ext uri="{BB962C8B-B14F-4D97-AF65-F5344CB8AC3E}">
-        <p14:creationId xmlns:p14="http://schemas.microsoft.com/office/powerpoint/2010/main" val="1870472031"/>
+        <p14:creationId xmlns:p14="http://schemas.microsoft.com/office/powerpoint/2010/main" val="2501703920"/>
       </p:ext>
     </p:extLst>
   </p:cSld>
@@ -6961,9 +9169,7 @@
     <p:bg>
       <p:bgPr>
         <a:solidFill>
-          <a:srgbClr val="790568">
-            <a:alpha val="71000"/>
-          </a:srgbClr>
+          <a:schemeClr val="bg1"/>
         </a:solidFill>
         <a:effectLst/>
       </p:bgPr>
@@ -6982,70 +9188,838 @@
           <a:chExt cx="0" cy="0"/>
         </a:xfrm>
       </p:grpSpPr>
+      <p:sp useBgFill="1">
+        <p:nvSpPr>
+          <p:cNvPr id="12" name="Rectangle 11">
+            <a:extLst>
+              <a:ext uri="{FF2B5EF4-FFF2-40B4-BE49-F238E27FC236}">
+                <a16:creationId xmlns:a16="http://schemas.microsoft.com/office/drawing/2014/main" id="{F575A102-D95D-4D6E-8F1B-49EED0AEC65C}"/>
+              </a:ext>
+              <a:ext uri="{C183D7F6-B498-43B3-948B-1728B52AA6E4}">
+                <adec:decorative xmlns:adec="http://schemas.microsoft.com/office/drawing/2017/decorative" val="1"/>
+              </a:ext>
+            </a:extLst>
+          </p:cNvPr>
+          <p:cNvSpPr>
+            <a:spLocks noGrp="1" noRot="1" noChangeAspect="1" noMove="1" noResize="1" noEditPoints="1" noAdjustHandles="1" noChangeArrowheads="1" noChangeShapeType="1" noTextEdit="1"/>
+          </p:cNvSpPr>
+          <p:nvPr>
+            <p:extLst>
+              <p:ext uri="{386F3935-93C4-4BCD-93E2-E3B085C9AB24}">
+                <p16:designElem xmlns:p16="http://schemas.microsoft.com/office/powerpoint/2015/main" val="1"/>
+              </p:ext>
+            </p:extLst>
+          </p:nvPr>
+        </p:nvSpPr>
+        <p:spPr>
+          <a:xfrm>
+            <a:off x="0" y="0"/>
+            <a:ext cx="12192000" cy="6858000"/>
+          </a:xfrm>
+          <a:prstGeom prst="rect">
+            <a:avLst/>
+          </a:prstGeom>
+          <a:ln>
+            <a:noFill/>
+          </a:ln>
+        </p:spPr>
+        <p:style>
+          <a:lnRef idx="2">
+            <a:schemeClr val="accent1">
+              <a:shade val="50000"/>
+            </a:schemeClr>
+          </a:lnRef>
+          <a:fillRef idx="1">
+            <a:schemeClr val="accent1"/>
+          </a:fillRef>
+          <a:effectRef idx="0">
+            <a:schemeClr val="accent1"/>
+          </a:effectRef>
+          <a:fontRef idx="minor">
+            <a:schemeClr val="lt1"/>
+          </a:fontRef>
+        </p:style>
+        <p:txBody>
+          <a:bodyPr rtlCol="0" anchor="ctr"/>
+          <a:lstStyle/>
+          <a:p>
+            <a:pPr algn="ctr"/>
+            <a:endParaRPr lang="en-US"/>
+          </a:p>
+        </p:txBody>
+      </p:sp>
+      <p:sp>
+        <p:nvSpPr>
+          <p:cNvPr id="14" name="Rectangle 13">
+            <a:extLst>
+              <a:ext uri="{FF2B5EF4-FFF2-40B4-BE49-F238E27FC236}">
+                <a16:creationId xmlns:a16="http://schemas.microsoft.com/office/drawing/2014/main" id="{158B3569-73B2-4D05-8E95-886A6EE17F1F}"/>
+              </a:ext>
+              <a:ext uri="{C183D7F6-B498-43B3-948B-1728B52AA6E4}">
+                <adec:decorative xmlns:adec="http://schemas.microsoft.com/office/drawing/2017/decorative" val="1"/>
+              </a:ext>
+            </a:extLst>
+          </p:cNvPr>
+          <p:cNvSpPr>
+            <a:spLocks noGrp="1" noRot="1" noChangeAspect="1" noMove="1" noResize="1" noEditPoints="1" noAdjustHandles="1" noChangeArrowheads="1" noChangeShapeType="1" noTextEdit="1"/>
+          </p:cNvSpPr>
+          <p:nvPr>
+            <p:extLst>
+              <p:ext uri="{386F3935-93C4-4BCD-93E2-E3B085C9AB24}">
+                <p16:designElem xmlns:p16="http://schemas.microsoft.com/office/powerpoint/2015/main" val="1"/>
+              </p:ext>
+            </p:extLst>
+          </p:nvPr>
+        </p:nvSpPr>
+        <p:spPr>
+          <a:xfrm>
+            <a:off x="0" y="0"/>
+            <a:ext cx="12192000" cy="6858000"/>
+          </a:xfrm>
+          <a:prstGeom prst="rect">
+            <a:avLst/>
+          </a:prstGeom>
+          <a:gradFill flip="none" rotWithShape="1">
+            <a:gsLst>
+              <a:gs pos="0">
+                <a:schemeClr val="accent1"/>
+              </a:gs>
+              <a:gs pos="100000">
+                <a:schemeClr val="accent2"/>
+              </a:gs>
+            </a:gsLst>
+            <a:lin ang="2700000" scaled="1"/>
+            <a:tileRect/>
+          </a:gradFill>
+          <a:ln>
+            <a:noFill/>
+          </a:ln>
+        </p:spPr>
+        <p:style>
+          <a:lnRef idx="2">
+            <a:schemeClr val="accent1">
+              <a:shade val="50000"/>
+            </a:schemeClr>
+          </a:lnRef>
+          <a:fillRef idx="1">
+            <a:schemeClr val="accent1"/>
+          </a:fillRef>
+          <a:effectRef idx="0">
+            <a:schemeClr val="accent1"/>
+          </a:effectRef>
+          <a:fontRef idx="minor">
+            <a:schemeClr val="lt1"/>
+          </a:fontRef>
+        </p:style>
+        <p:txBody>
+          <a:bodyPr rtlCol="0" anchor="ctr"/>
+          <a:lstStyle/>
+          <a:p>
+            <a:pPr algn="ctr"/>
+            <a:endParaRPr lang="en-US">
+              <a:solidFill>
+                <a:srgbClr val="FFFFFF"/>
+              </a:solidFill>
+            </a:endParaRPr>
+          </a:p>
+        </p:txBody>
+      </p:sp>
+      <p:sp>
+        <p:nvSpPr>
+          <p:cNvPr id="2" name="Título 1">
+            <a:extLst>
+              <a:ext uri="{FF2B5EF4-FFF2-40B4-BE49-F238E27FC236}">
+                <a16:creationId xmlns:a16="http://schemas.microsoft.com/office/drawing/2014/main" id="{A1BC85FE-BAC2-409F-B9FB-D0EC41AC2B1C}"/>
+              </a:ext>
+            </a:extLst>
+          </p:cNvPr>
+          <p:cNvSpPr>
+            <a:spLocks noGrp="1"/>
+          </p:cNvSpPr>
+          <p:nvPr>
+            <p:ph type="title"/>
+          </p:nvPr>
+        </p:nvSpPr>
+        <p:spPr>
+          <a:xfrm>
+            <a:off x="793159" y="1377146"/>
+            <a:ext cx="4076460" cy="3626217"/>
+          </a:xfrm>
+        </p:spPr>
+        <p:txBody>
+          <a:bodyPr vert="horz" lIns="91440" tIns="45720" rIns="91440" bIns="45720" rtlCol="0" anchor="b">
+            <a:normAutofit/>
+          </a:bodyPr>
+          <a:lstStyle/>
+          <a:p>
+            <a:pPr algn="r"/>
+            <a:r>
+              <a:rPr lang="en-US" sz="6800" b="1" kern="1200">
+                <a:solidFill>
+                  <a:srgbClr val="FFFFFF"/>
+                </a:solidFill>
+                <a:latin typeface="+mj-lt"/>
+                <a:ea typeface="+mj-ea"/>
+                <a:cs typeface="+mj-cs"/>
+              </a:rPr>
+              <a:t>Repositorio – Branch: Master</a:t>
+            </a:r>
+          </a:p>
+        </p:txBody>
+      </p:sp>
+      <p:sp>
+        <p:nvSpPr>
+          <p:cNvPr id="6" name="Marcador de número de diapositiva 5">
+            <a:extLst>
+              <a:ext uri="{FF2B5EF4-FFF2-40B4-BE49-F238E27FC236}">
+                <a16:creationId xmlns:a16="http://schemas.microsoft.com/office/drawing/2014/main" id="{F5D1643E-181C-40E9-B416-316B9CEB296D}"/>
+              </a:ext>
+            </a:extLst>
+          </p:cNvPr>
+          <p:cNvSpPr>
+            <a:spLocks noGrp="1"/>
+          </p:cNvSpPr>
+          <p:nvPr>
+            <p:ph type="sldNum" sz="quarter" idx="12"/>
+          </p:nvPr>
+        </p:nvSpPr>
+        <p:spPr>
+          <a:xfrm>
+            <a:off x="9888546" y="224937"/>
+            <a:ext cx="1465253" cy="365125"/>
+          </a:xfrm>
+        </p:spPr>
+        <p:txBody>
+          <a:bodyPr vert="horz" lIns="91440" tIns="45720" rIns="91440" bIns="45720" rtlCol="0" anchor="ctr">
+            <a:normAutofit/>
+          </a:bodyPr>
+          <a:lstStyle/>
+          <a:p>
+            <a:pPr>
+              <a:spcAft>
+                <a:spcPts val="600"/>
+              </a:spcAft>
+            </a:pPr>
+            <a:fld id="{A59AE7EA-4493-405D-9A66-B6513C9897B9}" type="slidenum">
+              <a:rPr lang="en-US">
+                <a:solidFill>
+                  <a:srgbClr val="FFFFFF"/>
+                </a:solidFill>
+              </a:rPr>
+              <a:pPr>
+                <a:spcAft>
+                  <a:spcPts val="600"/>
+                </a:spcAft>
+              </a:pPr>
+              <a:t>8</a:t>
+            </a:fld>
+            <a:endParaRPr lang="en-US">
+              <a:solidFill>
+                <a:srgbClr val="FFFFFF"/>
+              </a:solidFill>
+            </a:endParaRPr>
+          </a:p>
+        </p:txBody>
+      </p:sp>
       <p:pic>
         <p:nvPicPr>
-          <p:cNvPr id="11" name="Picture 11">
-            <a:hlinkClick r:id="" action="ppaction://media"/>
-            <a:extLst>
-              <a:ext uri="{FF2B5EF4-FFF2-40B4-BE49-F238E27FC236}">
-                <a16:creationId xmlns:a16="http://schemas.microsoft.com/office/drawing/2014/main" id="{DC57B973-1827-4471-9B7C-19DD68BC1B76}"/>
+          <p:cNvPr id="7" name="Picture 7">
+            <a:extLst>
+              <a:ext uri="{FF2B5EF4-FFF2-40B4-BE49-F238E27FC236}">
+                <a16:creationId xmlns:a16="http://schemas.microsoft.com/office/drawing/2014/main" id="{1D3963DE-09C6-4BD8-ADC3-1BDCF3B097EF}"/>
               </a:ext>
             </a:extLst>
           </p:cNvPr>
           <p:cNvPicPr>
-            <a:picLocks noGrp="1" noRot="1" noChangeAspect="1"/>
+            <a:picLocks noGrp="1" noChangeAspect="1"/>
           </p:cNvPicPr>
           <p:nvPr>
             <p:ph idx="1"/>
-            <a:videoFile r:link="rId1"/>
           </p:nvPr>
         </p:nvPicPr>
         <p:blipFill>
-          <a:blip r:embed="rId3"/>
+          <a:blip r:embed="rId2">
+            <a:alphaModFix/>
+          </a:blip>
           <a:stretch>
             <a:fillRect/>
           </a:stretch>
         </p:blipFill>
         <p:spPr>
           <a:xfrm>
-            <a:off x="1567134" y="446493"/>
-            <a:ext cx="9057734" cy="5945037"/>
+            <a:off x="5457027" y="2134539"/>
+            <a:ext cx="6194967" cy="3593079"/>
           </a:xfrm>
+          <a:prstGeom prst="rect">
+            <a:avLst/>
+          </a:prstGeom>
         </p:spPr>
       </p:pic>
-      <p:sp>
-        <p:nvSpPr>
-          <p:cNvPr id="2" name="Marcador de número de diapositiva 1">
-            <a:extLst>
-              <a:ext uri="{FF2B5EF4-FFF2-40B4-BE49-F238E27FC236}">
-                <a16:creationId xmlns:a16="http://schemas.microsoft.com/office/drawing/2014/main" id="{A9F70D35-9E6D-4356-9524-00BE15104E50}"/>
-              </a:ext>
-            </a:extLst>
-          </p:cNvPr>
-          <p:cNvSpPr>
-            <a:spLocks noGrp="1"/>
-          </p:cNvSpPr>
-          <p:nvPr>
-            <p:ph type="sldNum" sz="quarter" idx="12"/>
-          </p:nvPr>
-        </p:nvSpPr>
-        <p:spPr/>
-        <p:txBody>
-          <a:bodyPr/>
-          <a:lstStyle/>
-          <a:p>
-            <a:fld id="{A59AE7EA-4493-405D-9A66-B6513C9897B9}" type="slidenum">
-              <a:rPr lang="es-CO" smtClean="0"/>
-              <a:t>8</a:t>
-            </a:fld>
-            <a:endParaRPr lang="es-CO"/>
-          </a:p>
-        </p:txBody>
-      </p:sp>
+      <p:grpSp>
+        <p:nvGrpSpPr>
+          <p:cNvPr id="16" name="Group 15">
+            <a:extLst>
+              <a:ext uri="{FF2B5EF4-FFF2-40B4-BE49-F238E27FC236}">
+                <a16:creationId xmlns:a16="http://schemas.microsoft.com/office/drawing/2014/main" id="{CF0FFF1F-79B6-4A13-A464-070CD6F896AF}"/>
+              </a:ext>
+              <a:ext uri="{C183D7F6-B498-43B3-948B-1728B52AA6E4}">
+                <adec:decorative xmlns:adec="http://schemas.microsoft.com/office/drawing/2017/decorative" val="1"/>
+              </a:ext>
+            </a:extLst>
+          </p:cNvPr>
+          <p:cNvGrpSpPr>
+            <a:grpSpLocks noGrp="1" noUngrp="1" noRot="1" noChangeAspect="1" noMove="1" noResize="1"/>
+          </p:cNvGrpSpPr>
+          <p:nvPr>
+            <p:extLst>
+              <p:ext uri="{386F3935-93C4-4BCD-93E2-E3B085C9AB24}">
+                <p16:designElem xmlns:p16="http://schemas.microsoft.com/office/powerpoint/2015/main" val="1"/>
+              </p:ext>
+            </p:extLst>
+          </p:nvPr>
+        </p:nvGrpSpPr>
+        <p:grpSpPr>
+          <a:xfrm>
+            <a:off x="10942198" y="814999"/>
+            <a:ext cx="465458" cy="581435"/>
+            <a:chOff x="10942198" y="814999"/>
+            <a:chExt cx="465458" cy="581435"/>
+          </a:xfrm>
+          <a:solidFill>
+            <a:srgbClr val="FFFFFF"/>
+          </a:solidFill>
+        </p:grpSpPr>
+        <p:sp>
+          <p:nvSpPr>
+            <p:cNvPr id="17" name="Graphic 17">
+              <a:extLst>
+                <a:ext uri="{FF2B5EF4-FFF2-40B4-BE49-F238E27FC236}">
+                  <a16:creationId xmlns:a16="http://schemas.microsoft.com/office/drawing/2014/main" id="{B71758F4-3F46-45DA-8AC5-4E508DA080BA}"/>
+                </a:ext>
+                <a:ext uri="{C183D7F6-B498-43B3-948B-1728B52AA6E4}">
+                  <adec:decorative xmlns:adec="http://schemas.microsoft.com/office/drawing/2017/decorative" val="1"/>
+                </a:ext>
+              </a:extLst>
+            </p:cNvPr>
+            <p:cNvSpPr/>
+            <p:nvPr>
+              <p:extLst>
+                <p:ext uri="{386F3935-93C4-4BCD-93E2-E3B085C9AB24}">
+                  <p16:designElem xmlns:p16="http://schemas.microsoft.com/office/powerpoint/2015/main" val="1"/>
+                </p:ext>
+              </p:extLst>
+            </p:nvPr>
+          </p:nvSpPr>
+          <p:spPr>
+            <a:xfrm>
+              <a:off x="10957738" y="814999"/>
+              <a:ext cx="139039" cy="139039"/>
+            </a:xfrm>
+            <a:custGeom>
+              <a:avLst/>
+              <a:gdLst>
+                <a:gd name="connsiteX0" fmla="*/ 129602 w 139039"/>
+                <a:gd name="connsiteY0" fmla="*/ 60082 h 139039"/>
+                <a:gd name="connsiteX1" fmla="*/ 78957 w 139039"/>
+                <a:gd name="connsiteY1" fmla="*/ 60082 h 139039"/>
+                <a:gd name="connsiteX2" fmla="*/ 78957 w 139039"/>
+                <a:gd name="connsiteY2" fmla="*/ 9437 h 139039"/>
+                <a:gd name="connsiteX3" fmla="*/ 69520 w 139039"/>
+                <a:gd name="connsiteY3" fmla="*/ 0 h 139039"/>
+                <a:gd name="connsiteX4" fmla="*/ 60082 w 139039"/>
+                <a:gd name="connsiteY4" fmla="*/ 9437 h 139039"/>
+                <a:gd name="connsiteX5" fmla="*/ 60082 w 139039"/>
+                <a:gd name="connsiteY5" fmla="*/ 60082 h 139039"/>
+                <a:gd name="connsiteX6" fmla="*/ 9437 w 139039"/>
+                <a:gd name="connsiteY6" fmla="*/ 60082 h 139039"/>
+                <a:gd name="connsiteX7" fmla="*/ 0 w 139039"/>
+                <a:gd name="connsiteY7" fmla="*/ 69520 h 139039"/>
+                <a:gd name="connsiteX8" fmla="*/ 9437 w 139039"/>
+                <a:gd name="connsiteY8" fmla="*/ 78957 h 139039"/>
+                <a:gd name="connsiteX9" fmla="*/ 60082 w 139039"/>
+                <a:gd name="connsiteY9" fmla="*/ 78957 h 139039"/>
+                <a:gd name="connsiteX10" fmla="*/ 60082 w 139039"/>
+                <a:gd name="connsiteY10" fmla="*/ 129602 h 139039"/>
+                <a:gd name="connsiteX11" fmla="*/ 69520 w 139039"/>
+                <a:gd name="connsiteY11" fmla="*/ 139039 h 139039"/>
+                <a:gd name="connsiteX12" fmla="*/ 78957 w 139039"/>
+                <a:gd name="connsiteY12" fmla="*/ 129602 h 139039"/>
+                <a:gd name="connsiteX13" fmla="*/ 78957 w 139039"/>
+                <a:gd name="connsiteY13" fmla="*/ 78957 h 139039"/>
+                <a:gd name="connsiteX14" fmla="*/ 129602 w 139039"/>
+                <a:gd name="connsiteY14" fmla="*/ 78957 h 139039"/>
+                <a:gd name="connsiteX15" fmla="*/ 139039 w 139039"/>
+                <a:gd name="connsiteY15" fmla="*/ 69520 h 139039"/>
+                <a:gd name="connsiteX16" fmla="*/ 129602 w 139039"/>
+                <a:gd name="connsiteY16" fmla="*/ 60082 h 139039"/>
+              </a:gdLst>
+              <a:ahLst/>
+              <a:cxnLst>
+                <a:cxn ang="0">
+                  <a:pos x="connsiteX0" y="connsiteY0"/>
+                </a:cxn>
+                <a:cxn ang="0">
+                  <a:pos x="connsiteX1" y="connsiteY1"/>
+                </a:cxn>
+                <a:cxn ang="0">
+                  <a:pos x="connsiteX2" y="connsiteY2"/>
+                </a:cxn>
+                <a:cxn ang="0">
+                  <a:pos x="connsiteX3" y="connsiteY3"/>
+                </a:cxn>
+                <a:cxn ang="0">
+                  <a:pos x="connsiteX4" y="connsiteY4"/>
+                </a:cxn>
+                <a:cxn ang="0">
+                  <a:pos x="connsiteX5" y="connsiteY5"/>
+                </a:cxn>
+                <a:cxn ang="0">
+                  <a:pos x="connsiteX6" y="connsiteY6"/>
+                </a:cxn>
+                <a:cxn ang="0">
+                  <a:pos x="connsiteX7" y="connsiteY7"/>
+                </a:cxn>
+                <a:cxn ang="0">
+                  <a:pos x="connsiteX8" y="connsiteY8"/>
+                </a:cxn>
+                <a:cxn ang="0">
+                  <a:pos x="connsiteX9" y="connsiteY9"/>
+                </a:cxn>
+                <a:cxn ang="0">
+                  <a:pos x="connsiteX10" y="connsiteY10"/>
+                </a:cxn>
+                <a:cxn ang="0">
+                  <a:pos x="connsiteX11" y="connsiteY11"/>
+                </a:cxn>
+                <a:cxn ang="0">
+                  <a:pos x="connsiteX12" y="connsiteY12"/>
+                </a:cxn>
+                <a:cxn ang="0">
+                  <a:pos x="connsiteX13" y="connsiteY13"/>
+                </a:cxn>
+                <a:cxn ang="0">
+                  <a:pos x="connsiteX14" y="connsiteY14"/>
+                </a:cxn>
+                <a:cxn ang="0">
+                  <a:pos x="connsiteX15" y="connsiteY15"/>
+                </a:cxn>
+                <a:cxn ang="0">
+                  <a:pos x="connsiteX16" y="connsiteY16"/>
+                </a:cxn>
+              </a:cxnLst>
+              <a:rect l="l" t="t" r="r" b="b"/>
+              <a:pathLst>
+                <a:path w="139039" h="139039">
+                  <a:moveTo>
+                    <a:pt x="129602" y="60082"/>
+                  </a:moveTo>
+                  <a:lnTo>
+                    <a:pt x="78957" y="60082"/>
+                  </a:lnTo>
+                  <a:lnTo>
+                    <a:pt x="78957" y="9437"/>
+                  </a:lnTo>
+                  <a:cubicBezTo>
+                    <a:pt x="78957" y="4225"/>
+                    <a:pt x="74731" y="0"/>
+                    <a:pt x="69520" y="0"/>
+                  </a:cubicBezTo>
+                  <a:cubicBezTo>
+                    <a:pt x="64308" y="0"/>
+                    <a:pt x="60082" y="4225"/>
+                    <a:pt x="60082" y="9437"/>
+                  </a:cubicBezTo>
+                  <a:lnTo>
+                    <a:pt x="60082" y="60082"/>
+                  </a:lnTo>
+                  <a:lnTo>
+                    <a:pt x="9437" y="60082"/>
+                  </a:lnTo>
+                  <a:cubicBezTo>
+                    <a:pt x="4225" y="60082"/>
+                    <a:pt x="0" y="64308"/>
+                    <a:pt x="0" y="69520"/>
+                  </a:cubicBezTo>
+                  <a:cubicBezTo>
+                    <a:pt x="0" y="74731"/>
+                    <a:pt x="4225" y="78957"/>
+                    <a:pt x="9437" y="78957"/>
+                  </a:cubicBezTo>
+                  <a:lnTo>
+                    <a:pt x="60082" y="78957"/>
+                  </a:lnTo>
+                  <a:lnTo>
+                    <a:pt x="60082" y="129602"/>
+                  </a:lnTo>
+                  <a:cubicBezTo>
+                    <a:pt x="60082" y="134814"/>
+                    <a:pt x="64308" y="139039"/>
+                    <a:pt x="69520" y="139039"/>
+                  </a:cubicBezTo>
+                  <a:cubicBezTo>
+                    <a:pt x="74731" y="139039"/>
+                    <a:pt x="78957" y="134814"/>
+                    <a:pt x="78957" y="129602"/>
+                  </a:cubicBezTo>
+                  <a:lnTo>
+                    <a:pt x="78957" y="78957"/>
+                  </a:lnTo>
+                  <a:lnTo>
+                    <a:pt x="129602" y="78957"/>
+                  </a:lnTo>
+                  <a:cubicBezTo>
+                    <a:pt x="134814" y="78957"/>
+                    <a:pt x="139039" y="74731"/>
+                    <a:pt x="139039" y="69520"/>
+                  </a:cubicBezTo>
+                  <a:cubicBezTo>
+                    <a:pt x="139039" y="64308"/>
+                    <a:pt x="134814" y="60082"/>
+                    <a:pt x="129602" y="60082"/>
+                  </a:cubicBezTo>
+                  <a:close/>
+                </a:path>
+              </a:pathLst>
+            </a:custGeom>
+            <a:grpFill/>
+            <a:ln w="603" cap="flat">
+              <a:noFill/>
+              <a:prstDash val="solid"/>
+              <a:miter/>
+            </a:ln>
+          </p:spPr>
+          <p:txBody>
+            <a:bodyPr rtlCol="0" anchor="ctr"/>
+            <a:lstStyle/>
+            <a:p>
+              <a:endParaRPr lang="en-US">
+                <a:solidFill>
+                  <a:srgbClr val="FFFFFF"/>
+                </a:solidFill>
+              </a:endParaRPr>
+            </a:p>
+          </p:txBody>
+        </p:sp>
+        <p:sp>
+          <p:nvSpPr>
+            <p:cNvPr id="18" name="Graphic 15">
+              <a:extLst>
+                <a:ext uri="{FF2B5EF4-FFF2-40B4-BE49-F238E27FC236}">
+                  <a16:creationId xmlns:a16="http://schemas.microsoft.com/office/drawing/2014/main" id="{8550FED7-7C32-42BB-98DB-30272A6331A9}"/>
+                </a:ext>
+                <a:ext uri="{C183D7F6-B498-43B3-948B-1728B52AA6E4}">
+                  <adec:decorative xmlns:adec="http://schemas.microsoft.com/office/drawing/2017/decorative" val="1"/>
+                </a:ext>
+              </a:extLst>
+            </p:cNvPr>
+            <p:cNvSpPr/>
+            <p:nvPr>
+              <p:extLst>
+                <p:ext uri="{386F3935-93C4-4BCD-93E2-E3B085C9AB24}">
+                  <p16:designElem xmlns:p16="http://schemas.microsoft.com/office/powerpoint/2015/main" val="1"/>
+                </p:ext>
+              </p:extLst>
+            </p:nvPr>
+          </p:nvSpPr>
+          <p:spPr>
+            <a:xfrm>
+              <a:off x="11316518" y="1044294"/>
+              <a:ext cx="91138" cy="91138"/>
+            </a:xfrm>
+            <a:custGeom>
+              <a:avLst/>
+              <a:gdLst>
+                <a:gd name="connsiteX0" fmla="*/ 91138 w 91138"/>
+                <a:gd name="connsiteY0" fmla="*/ 45569 h 91138"/>
+                <a:gd name="connsiteX1" fmla="*/ 45569 w 91138"/>
+                <a:gd name="connsiteY1" fmla="*/ 91138 h 91138"/>
+                <a:gd name="connsiteX2" fmla="*/ 0 w 91138"/>
+                <a:gd name="connsiteY2" fmla="*/ 45569 h 91138"/>
+                <a:gd name="connsiteX3" fmla="*/ 45569 w 91138"/>
+                <a:gd name="connsiteY3" fmla="*/ 0 h 91138"/>
+                <a:gd name="connsiteX4" fmla="*/ 91138 w 91138"/>
+                <a:gd name="connsiteY4" fmla="*/ 45569 h 91138"/>
+              </a:gdLst>
+              <a:ahLst/>
+              <a:cxnLst>
+                <a:cxn ang="0">
+                  <a:pos x="connsiteX0" y="connsiteY0"/>
+                </a:cxn>
+                <a:cxn ang="0">
+                  <a:pos x="connsiteX1" y="connsiteY1"/>
+                </a:cxn>
+                <a:cxn ang="0">
+                  <a:pos x="connsiteX2" y="connsiteY2"/>
+                </a:cxn>
+                <a:cxn ang="0">
+                  <a:pos x="connsiteX3" y="connsiteY3"/>
+                </a:cxn>
+                <a:cxn ang="0">
+                  <a:pos x="connsiteX4" y="connsiteY4"/>
+                </a:cxn>
+              </a:cxnLst>
+              <a:rect l="l" t="t" r="r" b="b"/>
+              <a:pathLst>
+                <a:path w="91138" h="91138">
+                  <a:moveTo>
+                    <a:pt x="91138" y="45569"/>
+                  </a:moveTo>
+                  <a:cubicBezTo>
+                    <a:pt x="91138" y="70736"/>
+                    <a:pt x="70736" y="91138"/>
+                    <a:pt x="45569" y="91138"/>
+                  </a:cubicBezTo>
+                  <a:cubicBezTo>
+                    <a:pt x="20402" y="91138"/>
+                    <a:pt x="0" y="70736"/>
+                    <a:pt x="0" y="45569"/>
+                  </a:cubicBezTo>
+                  <a:cubicBezTo>
+                    <a:pt x="0" y="20402"/>
+                    <a:pt x="20402" y="0"/>
+                    <a:pt x="45569" y="0"/>
+                  </a:cubicBezTo>
+                  <a:cubicBezTo>
+                    <a:pt x="70736" y="0"/>
+                    <a:pt x="91138" y="20402"/>
+                    <a:pt x="91138" y="45569"/>
+                  </a:cubicBezTo>
+                  <a:close/>
+                </a:path>
+              </a:pathLst>
+            </a:custGeom>
+            <a:grpFill/>
+            <a:ln w="422" cap="flat">
+              <a:noFill/>
+              <a:prstDash val="solid"/>
+              <a:miter/>
+            </a:ln>
+          </p:spPr>
+          <p:txBody>
+            <a:bodyPr rtlCol="0" anchor="ctr"/>
+            <a:lstStyle/>
+            <a:p>
+              <a:endParaRPr lang="en-US">
+                <a:solidFill>
+                  <a:srgbClr val="FFFFFF"/>
+                </a:solidFill>
+              </a:endParaRPr>
+            </a:p>
+          </p:txBody>
+        </p:sp>
+        <p:sp>
+          <p:nvSpPr>
+            <p:cNvPr id="19" name="Graphic 21">
+              <a:extLst>
+                <a:ext uri="{FF2B5EF4-FFF2-40B4-BE49-F238E27FC236}">
+                  <a16:creationId xmlns:a16="http://schemas.microsoft.com/office/drawing/2014/main" id="{8D61482F-F3C5-4D66-8C5D-C6BBE3E1275C}"/>
+                </a:ext>
+                <a:ext uri="{C183D7F6-B498-43B3-948B-1728B52AA6E4}">
+                  <adec:decorative xmlns:adec="http://schemas.microsoft.com/office/drawing/2017/decorative" val="1"/>
+                </a:ext>
+              </a:extLst>
+            </p:cNvPr>
+            <p:cNvSpPr/>
+            <p:nvPr>
+              <p:extLst>
+                <p:ext uri="{386F3935-93C4-4BCD-93E2-E3B085C9AB24}">
+                  <p16:designElem xmlns:p16="http://schemas.microsoft.com/office/powerpoint/2015/main" val="1"/>
+                </p:ext>
+              </p:extLst>
+            </p:nvPr>
+          </p:nvSpPr>
+          <p:spPr>
+            <a:xfrm>
+              <a:off x="10942198" y="1268720"/>
+              <a:ext cx="127714" cy="127714"/>
+            </a:xfrm>
+            <a:custGeom>
+              <a:avLst/>
+              <a:gdLst>
+                <a:gd name="connsiteX0" fmla="*/ 63857 w 127714"/>
+                <a:gd name="connsiteY0" fmla="*/ 18874 h 127714"/>
+                <a:gd name="connsiteX1" fmla="*/ 108840 w 127714"/>
+                <a:gd name="connsiteY1" fmla="*/ 63857 h 127714"/>
+                <a:gd name="connsiteX2" fmla="*/ 63857 w 127714"/>
+                <a:gd name="connsiteY2" fmla="*/ 108840 h 127714"/>
+                <a:gd name="connsiteX3" fmla="*/ 18874 w 127714"/>
+                <a:gd name="connsiteY3" fmla="*/ 63857 h 127714"/>
+                <a:gd name="connsiteX4" fmla="*/ 63857 w 127714"/>
+                <a:gd name="connsiteY4" fmla="*/ 18874 h 127714"/>
+                <a:gd name="connsiteX5" fmla="*/ 63857 w 127714"/>
+                <a:gd name="connsiteY5" fmla="*/ 0 h 127714"/>
+                <a:gd name="connsiteX6" fmla="*/ 0 w 127714"/>
+                <a:gd name="connsiteY6" fmla="*/ 63857 h 127714"/>
+                <a:gd name="connsiteX7" fmla="*/ 63857 w 127714"/>
+                <a:gd name="connsiteY7" fmla="*/ 127714 h 127714"/>
+                <a:gd name="connsiteX8" fmla="*/ 127714 w 127714"/>
+                <a:gd name="connsiteY8" fmla="*/ 63857 h 127714"/>
+                <a:gd name="connsiteX9" fmla="*/ 63857 w 127714"/>
+                <a:gd name="connsiteY9" fmla="*/ 0 h 127714"/>
+              </a:gdLst>
+              <a:ahLst/>
+              <a:cxnLst>
+                <a:cxn ang="0">
+                  <a:pos x="connsiteX0" y="connsiteY0"/>
+                </a:cxn>
+                <a:cxn ang="0">
+                  <a:pos x="connsiteX1" y="connsiteY1"/>
+                </a:cxn>
+                <a:cxn ang="0">
+                  <a:pos x="connsiteX2" y="connsiteY2"/>
+                </a:cxn>
+                <a:cxn ang="0">
+                  <a:pos x="connsiteX3" y="connsiteY3"/>
+                </a:cxn>
+                <a:cxn ang="0">
+                  <a:pos x="connsiteX4" y="connsiteY4"/>
+                </a:cxn>
+                <a:cxn ang="0">
+                  <a:pos x="connsiteX5" y="connsiteY5"/>
+                </a:cxn>
+                <a:cxn ang="0">
+                  <a:pos x="connsiteX6" y="connsiteY6"/>
+                </a:cxn>
+                <a:cxn ang="0">
+                  <a:pos x="connsiteX7" y="connsiteY7"/>
+                </a:cxn>
+                <a:cxn ang="0">
+                  <a:pos x="connsiteX8" y="connsiteY8"/>
+                </a:cxn>
+                <a:cxn ang="0">
+                  <a:pos x="connsiteX9" y="connsiteY9"/>
+                </a:cxn>
+              </a:cxnLst>
+              <a:rect l="l" t="t" r="r" b="b"/>
+              <a:pathLst>
+                <a:path w="127714" h="127714">
+                  <a:moveTo>
+                    <a:pt x="63857" y="18874"/>
+                  </a:moveTo>
+                  <a:cubicBezTo>
+                    <a:pt x="88700" y="18874"/>
+                    <a:pt x="108840" y="39014"/>
+                    <a:pt x="108840" y="63857"/>
+                  </a:cubicBezTo>
+                  <a:cubicBezTo>
+                    <a:pt x="108840" y="88700"/>
+                    <a:pt x="88700" y="108840"/>
+                    <a:pt x="63857" y="108840"/>
+                  </a:cubicBezTo>
+                  <a:cubicBezTo>
+                    <a:pt x="39014" y="108840"/>
+                    <a:pt x="18874" y="88700"/>
+                    <a:pt x="18874" y="63857"/>
+                  </a:cubicBezTo>
+                  <a:cubicBezTo>
+                    <a:pt x="18898" y="39024"/>
+                    <a:pt x="39024" y="18898"/>
+                    <a:pt x="63857" y="18874"/>
+                  </a:cubicBezTo>
+                  <a:moveTo>
+                    <a:pt x="63857" y="0"/>
+                  </a:moveTo>
+                  <a:cubicBezTo>
+                    <a:pt x="28590" y="0"/>
+                    <a:pt x="0" y="28590"/>
+                    <a:pt x="0" y="63857"/>
+                  </a:cubicBezTo>
+                  <a:cubicBezTo>
+                    <a:pt x="0" y="99124"/>
+                    <a:pt x="28590" y="127714"/>
+                    <a:pt x="63857" y="127714"/>
+                  </a:cubicBezTo>
+                  <a:cubicBezTo>
+                    <a:pt x="99124" y="127714"/>
+                    <a:pt x="127714" y="99124"/>
+                    <a:pt x="127714" y="63857"/>
+                  </a:cubicBezTo>
+                  <a:cubicBezTo>
+                    <a:pt x="127714" y="28590"/>
+                    <a:pt x="99124" y="0"/>
+                    <a:pt x="63857" y="0"/>
+                  </a:cubicBezTo>
+                  <a:close/>
+                </a:path>
+              </a:pathLst>
+            </a:custGeom>
+            <a:grpFill/>
+            <a:ln w="610" cap="flat">
+              <a:noFill/>
+              <a:prstDash val="solid"/>
+              <a:miter/>
+            </a:ln>
+          </p:spPr>
+          <p:txBody>
+            <a:bodyPr rtlCol="0" anchor="ctr"/>
+            <a:lstStyle/>
+            <a:p>
+              <a:endParaRPr lang="en-US">
+                <a:solidFill>
+                  <a:srgbClr val="FFFFFF"/>
+                </a:solidFill>
+              </a:endParaRPr>
+            </a:p>
+          </p:txBody>
+        </p:sp>
+      </p:grpSp>
+      <p:cxnSp>
+        <p:nvCxnSpPr>
+          <p:cNvPr id="21" name="Straight Connector 20">
+            <a:extLst>
+              <a:ext uri="{FF2B5EF4-FFF2-40B4-BE49-F238E27FC236}">
+                <a16:creationId xmlns:a16="http://schemas.microsoft.com/office/drawing/2014/main" id="{56020367-4FD5-4596-8E10-C5F095CD8DBF}"/>
+              </a:ext>
+              <a:ext uri="{C183D7F6-B498-43B3-948B-1728B52AA6E4}">
+                <adec:decorative xmlns:adec="http://schemas.microsoft.com/office/drawing/2017/decorative" val="1"/>
+              </a:ext>
+            </a:extLst>
+          </p:cNvPr>
+          <p:cNvCxnSpPr>
+            <a:cxnSpLocks noGrp="1" noRot="1" noChangeAspect="1" noMove="1" noResize="1" noEditPoints="1" noAdjustHandles="1" noChangeArrowheads="1" noChangeShapeType="1"/>
+          </p:cNvCxnSpPr>
+          <p:nvPr>
+            <p:extLst>
+              <p:ext uri="{386F3935-93C4-4BCD-93E2-E3B085C9AB24}">
+                <p16:designElem xmlns:p16="http://schemas.microsoft.com/office/powerpoint/2015/main" val="1"/>
+              </p:ext>
+            </p:extLst>
+          </p:nvPr>
+        </p:nvCxnSpPr>
+        <p:spPr>
+          <a:xfrm flipH="1">
+            <a:off x="829322" y="6274341"/>
+            <a:ext cx="11353800" cy="0"/>
+          </a:xfrm>
+          <a:prstGeom prst="line">
+            <a:avLst/>
+          </a:prstGeom>
+          <a:ln w="25400" cap="sq">
+            <a:solidFill>
+              <a:srgbClr val="FFFFFF"/>
+            </a:solidFill>
+            <a:bevel/>
+          </a:ln>
+        </p:spPr>
+        <p:style>
+          <a:lnRef idx="1">
+            <a:schemeClr val="accent1"/>
+          </a:lnRef>
+          <a:fillRef idx="0">
+            <a:schemeClr val="accent1"/>
+          </a:fillRef>
+          <a:effectRef idx="0">
+            <a:schemeClr val="accent1"/>
+          </a:effectRef>
+          <a:fontRef idx="minor">
+            <a:schemeClr val="tx1"/>
+          </a:fontRef>
+        </p:style>
+      </p:cxnSp>
     </p:spTree>
     <p:extLst>
       <p:ext uri="{BB962C8B-B14F-4D97-AF65-F5344CB8AC3E}">
-        <p14:creationId xmlns:p14="http://schemas.microsoft.com/office/powerpoint/2010/main" val="2501703920"/>
+        <p14:creationId xmlns:p14="http://schemas.microsoft.com/office/powerpoint/2010/main" val="1905561228"/>
       </p:ext>
     </p:extLst>
   </p:cSld>
@@ -7061,9 +10035,7 @@
     <p:bg>
       <p:bgPr>
         <a:solidFill>
-          <a:srgbClr val="790568">
-            <a:alpha val="71000"/>
-          </a:srgbClr>
+          <a:schemeClr val="bg1"/>
         </a:solidFill>
         <a:effectLst/>
       </p:bgPr>
@@ -7082,6 +10054,142 @@
           <a:chExt cx="0" cy="0"/>
         </a:xfrm>
       </p:grpSpPr>
+      <p:sp useBgFill="1">
+        <p:nvSpPr>
+          <p:cNvPr id="12" name="Rectangle 11">
+            <a:extLst>
+              <a:ext uri="{FF2B5EF4-FFF2-40B4-BE49-F238E27FC236}">
+                <a16:creationId xmlns:a16="http://schemas.microsoft.com/office/drawing/2014/main" id="{F575A102-D95D-4D6E-8F1B-49EED0AEC65C}"/>
+              </a:ext>
+              <a:ext uri="{C183D7F6-B498-43B3-948B-1728B52AA6E4}">
+                <adec:decorative xmlns:adec="http://schemas.microsoft.com/office/drawing/2017/decorative" val="1"/>
+              </a:ext>
+            </a:extLst>
+          </p:cNvPr>
+          <p:cNvSpPr>
+            <a:spLocks noGrp="1" noRot="1" noChangeAspect="1" noMove="1" noResize="1" noEditPoints="1" noAdjustHandles="1" noChangeArrowheads="1" noChangeShapeType="1" noTextEdit="1"/>
+          </p:cNvSpPr>
+          <p:nvPr>
+            <p:extLst>
+              <p:ext uri="{386F3935-93C4-4BCD-93E2-E3B085C9AB24}">
+                <p16:designElem xmlns:p16="http://schemas.microsoft.com/office/powerpoint/2015/main" val="1"/>
+              </p:ext>
+            </p:extLst>
+          </p:nvPr>
+        </p:nvSpPr>
+        <p:spPr>
+          <a:xfrm>
+            <a:off x="0" y="0"/>
+            <a:ext cx="12192000" cy="6858000"/>
+          </a:xfrm>
+          <a:prstGeom prst="rect">
+            <a:avLst/>
+          </a:prstGeom>
+          <a:ln>
+            <a:noFill/>
+          </a:ln>
+        </p:spPr>
+        <p:style>
+          <a:lnRef idx="2">
+            <a:schemeClr val="accent1">
+              <a:shade val="50000"/>
+            </a:schemeClr>
+          </a:lnRef>
+          <a:fillRef idx="1">
+            <a:schemeClr val="accent1"/>
+          </a:fillRef>
+          <a:effectRef idx="0">
+            <a:schemeClr val="accent1"/>
+          </a:effectRef>
+          <a:fontRef idx="minor">
+            <a:schemeClr val="lt1"/>
+          </a:fontRef>
+        </p:style>
+        <p:txBody>
+          <a:bodyPr rtlCol="0" anchor="ctr"/>
+          <a:lstStyle/>
+          <a:p>
+            <a:pPr algn="ctr"/>
+            <a:endParaRPr lang="en-US"/>
+          </a:p>
+        </p:txBody>
+      </p:sp>
+      <p:sp>
+        <p:nvSpPr>
+          <p:cNvPr id="14" name="Rectangle 13">
+            <a:extLst>
+              <a:ext uri="{FF2B5EF4-FFF2-40B4-BE49-F238E27FC236}">
+                <a16:creationId xmlns:a16="http://schemas.microsoft.com/office/drawing/2014/main" id="{158B3569-73B2-4D05-8E95-886A6EE17F1F}"/>
+              </a:ext>
+              <a:ext uri="{C183D7F6-B498-43B3-948B-1728B52AA6E4}">
+                <adec:decorative xmlns:adec="http://schemas.microsoft.com/office/drawing/2017/decorative" val="1"/>
+              </a:ext>
+            </a:extLst>
+          </p:cNvPr>
+          <p:cNvSpPr>
+            <a:spLocks noGrp="1" noRot="1" noChangeAspect="1" noMove="1" noResize="1" noEditPoints="1" noAdjustHandles="1" noChangeArrowheads="1" noChangeShapeType="1" noTextEdit="1"/>
+          </p:cNvSpPr>
+          <p:nvPr>
+            <p:extLst>
+              <p:ext uri="{386F3935-93C4-4BCD-93E2-E3B085C9AB24}">
+                <p16:designElem xmlns:p16="http://schemas.microsoft.com/office/powerpoint/2015/main" val="1"/>
+              </p:ext>
+            </p:extLst>
+          </p:nvPr>
+        </p:nvSpPr>
+        <p:spPr>
+          <a:xfrm>
+            <a:off x="0" y="0"/>
+            <a:ext cx="12192000" cy="6858000"/>
+          </a:xfrm>
+          <a:prstGeom prst="rect">
+            <a:avLst/>
+          </a:prstGeom>
+          <a:gradFill flip="none" rotWithShape="1">
+            <a:gsLst>
+              <a:gs pos="0">
+                <a:schemeClr val="accent1"/>
+              </a:gs>
+              <a:gs pos="100000">
+                <a:schemeClr val="accent2"/>
+              </a:gs>
+            </a:gsLst>
+            <a:lin ang="2700000" scaled="1"/>
+            <a:tileRect/>
+          </a:gradFill>
+          <a:ln>
+            <a:noFill/>
+          </a:ln>
+        </p:spPr>
+        <p:style>
+          <a:lnRef idx="2">
+            <a:schemeClr val="accent1">
+              <a:shade val="50000"/>
+            </a:schemeClr>
+          </a:lnRef>
+          <a:fillRef idx="1">
+            <a:schemeClr val="accent1"/>
+          </a:fillRef>
+          <a:effectRef idx="0">
+            <a:schemeClr val="accent1"/>
+          </a:effectRef>
+          <a:fontRef idx="minor">
+            <a:schemeClr val="lt1"/>
+          </a:fontRef>
+        </p:style>
+        <p:txBody>
+          <a:bodyPr rtlCol="0" anchor="ctr"/>
+          <a:lstStyle/>
+          <a:p>
+            <a:pPr algn="ctr"/>
+            <a:endParaRPr lang="en-US">
+              <a:solidFill>
+                <a:srgbClr val="FFFFFF"/>
+              </a:solidFill>
+            </a:endParaRPr>
+          </a:p>
+        </p:txBody>
+      </p:sp>
       <p:sp>
         <p:nvSpPr>
           <p:cNvPr id="2" name="Título 1">
@@ -7100,33 +10208,695 @@
         </p:nvSpPr>
         <p:spPr>
           <a:xfrm>
-            <a:off x="838199" y="365125"/>
-            <a:ext cx="10677525" cy="1460500"/>
+            <a:off x="361838" y="341975"/>
+            <a:ext cx="11035101" cy="1972822"/>
           </a:xfrm>
         </p:spPr>
         <p:txBody>
-          <a:bodyPr>
+          <a:bodyPr vert="horz" lIns="91440" tIns="45720" rIns="91440" bIns="45720" rtlCol="0" anchor="b">
             <a:normAutofit/>
           </a:bodyPr>
           <a:lstStyle/>
           <a:p>
+            <a:pPr algn="r"/>
             <a:r>
-              <a:rPr lang="es-CO" sz="4800" b="1">
+              <a:rPr lang="en-US" sz="6800" b="1" kern="1200" dirty="0" err="1">
                 <a:solidFill>
-                  <a:schemeClr val="bg1"/>
+                  <a:srgbClr val="FFFFFF"/>
+                </a:solidFill>
+                <a:latin typeface="+mj-lt"/>
+                <a:ea typeface="+mj-ea"/>
+                <a:cs typeface="+mj-cs"/>
+              </a:rPr>
+              <a:t>Repositorio</a:t>
+            </a:r>
+            <a:r>
+              <a:rPr lang="en-US" sz="6800" b="1" kern="1200" dirty="0">
+                <a:solidFill>
+                  <a:srgbClr val="FFFFFF"/>
+                </a:solidFill>
+                <a:latin typeface="+mj-lt"/>
+                <a:ea typeface="+mj-ea"/>
+                <a:cs typeface="+mj-cs"/>
+              </a:rPr>
+              <a:t> – Branch:</a:t>
+            </a:r>
+            <a:r>
+              <a:rPr lang="en-US" sz="6800" b="1" dirty="0">
+                <a:solidFill>
+                  <a:srgbClr val="FFFFFF"/>
                 </a:solidFill>
               </a:rPr>
-              <a:t>Repositorio – Branch: Master</a:t>
+              <a:t> </a:t>
             </a:r>
+            <a:r>
+              <a:rPr lang="en-US" sz="6800" b="1" dirty="0" err="1">
+                <a:solidFill>
+                  <a:srgbClr val="FFFFFF"/>
+                </a:solidFill>
+              </a:rPr>
+              <a:t>Documentación</a:t>
+            </a:r>
+            <a:r>
+              <a:rPr lang="en-US" sz="6800" b="1" dirty="0">
+                <a:solidFill>
+                  <a:srgbClr val="FFFFFF"/>
+                </a:solidFill>
+              </a:rPr>
+              <a:t> </a:t>
+            </a:r>
+            <a:endParaRPr lang="en-US" sz="6800" b="1" kern="1200" dirty="0">
+              <a:solidFill>
+                <a:srgbClr val="FFFFFF"/>
+              </a:solidFill>
+              <a:latin typeface="+mj-lt"/>
+              <a:ea typeface="+mj-ea"/>
+              <a:cs typeface="+mj-cs"/>
+            </a:endParaRPr>
           </a:p>
         </p:txBody>
       </p:sp>
+      <p:sp>
+        <p:nvSpPr>
+          <p:cNvPr id="6" name="Marcador de número de diapositiva 5">
+            <a:extLst>
+              <a:ext uri="{FF2B5EF4-FFF2-40B4-BE49-F238E27FC236}">
+                <a16:creationId xmlns:a16="http://schemas.microsoft.com/office/drawing/2014/main" id="{F5D1643E-181C-40E9-B416-316B9CEB296D}"/>
+              </a:ext>
+            </a:extLst>
+          </p:cNvPr>
+          <p:cNvSpPr>
+            <a:spLocks noGrp="1"/>
+          </p:cNvSpPr>
+          <p:nvPr>
+            <p:ph type="sldNum" sz="quarter" idx="12"/>
+          </p:nvPr>
+        </p:nvSpPr>
+        <p:spPr>
+          <a:xfrm>
+            <a:off x="9888546" y="224937"/>
+            <a:ext cx="1465253" cy="365125"/>
+          </a:xfrm>
+        </p:spPr>
+        <p:txBody>
+          <a:bodyPr vert="horz" lIns="91440" tIns="45720" rIns="91440" bIns="45720" rtlCol="0" anchor="ctr">
+            <a:normAutofit/>
+          </a:bodyPr>
+          <a:lstStyle/>
+          <a:p>
+            <a:pPr>
+              <a:spcAft>
+                <a:spcPts val="600"/>
+              </a:spcAft>
+            </a:pPr>
+            <a:fld id="{A59AE7EA-4493-405D-9A66-B6513C9897B9}" type="slidenum">
+              <a:rPr lang="en-US">
+                <a:solidFill>
+                  <a:srgbClr val="FFFFFF"/>
+                </a:solidFill>
+              </a:rPr>
+              <a:pPr>
+                <a:spcAft>
+                  <a:spcPts val="600"/>
+                </a:spcAft>
+              </a:pPr>
+              <a:t>9</a:t>
+            </a:fld>
+            <a:endParaRPr lang="en-US">
+              <a:solidFill>
+                <a:srgbClr val="FFFFFF"/>
+              </a:solidFill>
+            </a:endParaRPr>
+          </a:p>
+        </p:txBody>
+      </p:sp>
+      <p:grpSp>
+        <p:nvGrpSpPr>
+          <p:cNvPr id="16" name="Group 15">
+            <a:extLst>
+              <a:ext uri="{FF2B5EF4-FFF2-40B4-BE49-F238E27FC236}">
+                <a16:creationId xmlns:a16="http://schemas.microsoft.com/office/drawing/2014/main" id="{CF0FFF1F-79B6-4A13-A464-070CD6F896AF}"/>
+              </a:ext>
+              <a:ext uri="{C183D7F6-B498-43B3-948B-1728B52AA6E4}">
+                <adec:decorative xmlns:adec="http://schemas.microsoft.com/office/drawing/2017/decorative" val="1"/>
+              </a:ext>
+            </a:extLst>
+          </p:cNvPr>
+          <p:cNvGrpSpPr>
+            <a:grpSpLocks noGrp="1" noUngrp="1" noRot="1" noChangeAspect="1" noMove="1" noResize="1"/>
+          </p:cNvGrpSpPr>
+          <p:nvPr>
+            <p:extLst>
+              <p:ext uri="{386F3935-93C4-4BCD-93E2-E3B085C9AB24}">
+                <p16:designElem xmlns:p16="http://schemas.microsoft.com/office/powerpoint/2015/main" val="1"/>
+              </p:ext>
+            </p:extLst>
+          </p:nvPr>
+        </p:nvGrpSpPr>
+        <p:grpSpPr>
+          <a:xfrm>
+            <a:off x="10942198" y="814999"/>
+            <a:ext cx="465458" cy="581435"/>
+            <a:chOff x="10942198" y="814999"/>
+            <a:chExt cx="465458" cy="581435"/>
+          </a:xfrm>
+          <a:solidFill>
+            <a:srgbClr val="FFFFFF"/>
+          </a:solidFill>
+        </p:grpSpPr>
+        <p:sp>
+          <p:nvSpPr>
+            <p:cNvPr id="17" name="Graphic 17">
+              <a:extLst>
+                <a:ext uri="{FF2B5EF4-FFF2-40B4-BE49-F238E27FC236}">
+                  <a16:creationId xmlns:a16="http://schemas.microsoft.com/office/drawing/2014/main" id="{B71758F4-3F46-45DA-8AC5-4E508DA080BA}"/>
+                </a:ext>
+                <a:ext uri="{C183D7F6-B498-43B3-948B-1728B52AA6E4}">
+                  <adec:decorative xmlns:adec="http://schemas.microsoft.com/office/drawing/2017/decorative" val="1"/>
+                </a:ext>
+              </a:extLst>
+            </p:cNvPr>
+            <p:cNvSpPr/>
+            <p:nvPr>
+              <p:extLst>
+                <p:ext uri="{386F3935-93C4-4BCD-93E2-E3B085C9AB24}">
+                  <p16:designElem xmlns:p16="http://schemas.microsoft.com/office/powerpoint/2015/main" val="1"/>
+                </p:ext>
+              </p:extLst>
+            </p:nvPr>
+          </p:nvSpPr>
+          <p:spPr>
+            <a:xfrm>
+              <a:off x="10957738" y="814999"/>
+              <a:ext cx="139039" cy="139039"/>
+            </a:xfrm>
+            <a:custGeom>
+              <a:avLst/>
+              <a:gdLst>
+                <a:gd name="connsiteX0" fmla="*/ 129602 w 139039"/>
+                <a:gd name="connsiteY0" fmla="*/ 60082 h 139039"/>
+                <a:gd name="connsiteX1" fmla="*/ 78957 w 139039"/>
+                <a:gd name="connsiteY1" fmla="*/ 60082 h 139039"/>
+                <a:gd name="connsiteX2" fmla="*/ 78957 w 139039"/>
+                <a:gd name="connsiteY2" fmla="*/ 9437 h 139039"/>
+                <a:gd name="connsiteX3" fmla="*/ 69520 w 139039"/>
+                <a:gd name="connsiteY3" fmla="*/ 0 h 139039"/>
+                <a:gd name="connsiteX4" fmla="*/ 60082 w 139039"/>
+                <a:gd name="connsiteY4" fmla="*/ 9437 h 139039"/>
+                <a:gd name="connsiteX5" fmla="*/ 60082 w 139039"/>
+                <a:gd name="connsiteY5" fmla="*/ 60082 h 139039"/>
+                <a:gd name="connsiteX6" fmla="*/ 9437 w 139039"/>
+                <a:gd name="connsiteY6" fmla="*/ 60082 h 139039"/>
+                <a:gd name="connsiteX7" fmla="*/ 0 w 139039"/>
+                <a:gd name="connsiteY7" fmla="*/ 69520 h 139039"/>
+                <a:gd name="connsiteX8" fmla="*/ 9437 w 139039"/>
+                <a:gd name="connsiteY8" fmla="*/ 78957 h 139039"/>
+                <a:gd name="connsiteX9" fmla="*/ 60082 w 139039"/>
+                <a:gd name="connsiteY9" fmla="*/ 78957 h 139039"/>
+                <a:gd name="connsiteX10" fmla="*/ 60082 w 139039"/>
+                <a:gd name="connsiteY10" fmla="*/ 129602 h 139039"/>
+                <a:gd name="connsiteX11" fmla="*/ 69520 w 139039"/>
+                <a:gd name="connsiteY11" fmla="*/ 139039 h 139039"/>
+                <a:gd name="connsiteX12" fmla="*/ 78957 w 139039"/>
+                <a:gd name="connsiteY12" fmla="*/ 129602 h 139039"/>
+                <a:gd name="connsiteX13" fmla="*/ 78957 w 139039"/>
+                <a:gd name="connsiteY13" fmla="*/ 78957 h 139039"/>
+                <a:gd name="connsiteX14" fmla="*/ 129602 w 139039"/>
+                <a:gd name="connsiteY14" fmla="*/ 78957 h 139039"/>
+                <a:gd name="connsiteX15" fmla="*/ 139039 w 139039"/>
+                <a:gd name="connsiteY15" fmla="*/ 69520 h 139039"/>
+                <a:gd name="connsiteX16" fmla="*/ 129602 w 139039"/>
+                <a:gd name="connsiteY16" fmla="*/ 60082 h 139039"/>
+              </a:gdLst>
+              <a:ahLst/>
+              <a:cxnLst>
+                <a:cxn ang="0">
+                  <a:pos x="connsiteX0" y="connsiteY0"/>
+                </a:cxn>
+                <a:cxn ang="0">
+                  <a:pos x="connsiteX1" y="connsiteY1"/>
+                </a:cxn>
+                <a:cxn ang="0">
+                  <a:pos x="connsiteX2" y="connsiteY2"/>
+                </a:cxn>
+                <a:cxn ang="0">
+                  <a:pos x="connsiteX3" y="connsiteY3"/>
+                </a:cxn>
+                <a:cxn ang="0">
+                  <a:pos x="connsiteX4" y="connsiteY4"/>
+                </a:cxn>
+                <a:cxn ang="0">
+                  <a:pos x="connsiteX5" y="connsiteY5"/>
+                </a:cxn>
+                <a:cxn ang="0">
+                  <a:pos x="connsiteX6" y="connsiteY6"/>
+                </a:cxn>
+                <a:cxn ang="0">
+                  <a:pos x="connsiteX7" y="connsiteY7"/>
+                </a:cxn>
+                <a:cxn ang="0">
+                  <a:pos x="connsiteX8" y="connsiteY8"/>
+                </a:cxn>
+                <a:cxn ang="0">
+                  <a:pos x="connsiteX9" y="connsiteY9"/>
+                </a:cxn>
+                <a:cxn ang="0">
+                  <a:pos x="connsiteX10" y="connsiteY10"/>
+                </a:cxn>
+                <a:cxn ang="0">
+                  <a:pos x="connsiteX11" y="connsiteY11"/>
+                </a:cxn>
+                <a:cxn ang="0">
+                  <a:pos x="connsiteX12" y="connsiteY12"/>
+                </a:cxn>
+                <a:cxn ang="0">
+                  <a:pos x="connsiteX13" y="connsiteY13"/>
+                </a:cxn>
+                <a:cxn ang="0">
+                  <a:pos x="connsiteX14" y="connsiteY14"/>
+                </a:cxn>
+                <a:cxn ang="0">
+                  <a:pos x="connsiteX15" y="connsiteY15"/>
+                </a:cxn>
+                <a:cxn ang="0">
+                  <a:pos x="connsiteX16" y="connsiteY16"/>
+                </a:cxn>
+              </a:cxnLst>
+              <a:rect l="l" t="t" r="r" b="b"/>
+              <a:pathLst>
+                <a:path w="139039" h="139039">
+                  <a:moveTo>
+                    <a:pt x="129602" y="60082"/>
+                  </a:moveTo>
+                  <a:lnTo>
+                    <a:pt x="78957" y="60082"/>
+                  </a:lnTo>
+                  <a:lnTo>
+                    <a:pt x="78957" y="9437"/>
+                  </a:lnTo>
+                  <a:cubicBezTo>
+                    <a:pt x="78957" y="4225"/>
+                    <a:pt x="74731" y="0"/>
+                    <a:pt x="69520" y="0"/>
+                  </a:cubicBezTo>
+                  <a:cubicBezTo>
+                    <a:pt x="64308" y="0"/>
+                    <a:pt x="60082" y="4225"/>
+                    <a:pt x="60082" y="9437"/>
+                  </a:cubicBezTo>
+                  <a:lnTo>
+                    <a:pt x="60082" y="60082"/>
+                  </a:lnTo>
+                  <a:lnTo>
+                    <a:pt x="9437" y="60082"/>
+                  </a:lnTo>
+                  <a:cubicBezTo>
+                    <a:pt x="4225" y="60082"/>
+                    <a:pt x="0" y="64308"/>
+                    <a:pt x="0" y="69520"/>
+                  </a:cubicBezTo>
+                  <a:cubicBezTo>
+                    <a:pt x="0" y="74731"/>
+                    <a:pt x="4225" y="78957"/>
+                    <a:pt x="9437" y="78957"/>
+                  </a:cubicBezTo>
+                  <a:lnTo>
+                    <a:pt x="60082" y="78957"/>
+                  </a:lnTo>
+                  <a:lnTo>
+                    <a:pt x="60082" y="129602"/>
+                  </a:lnTo>
+                  <a:cubicBezTo>
+                    <a:pt x="60082" y="134814"/>
+                    <a:pt x="64308" y="139039"/>
+                    <a:pt x="69520" y="139039"/>
+                  </a:cubicBezTo>
+                  <a:cubicBezTo>
+                    <a:pt x="74731" y="139039"/>
+                    <a:pt x="78957" y="134814"/>
+                    <a:pt x="78957" y="129602"/>
+                  </a:cubicBezTo>
+                  <a:lnTo>
+                    <a:pt x="78957" y="78957"/>
+                  </a:lnTo>
+                  <a:lnTo>
+                    <a:pt x="129602" y="78957"/>
+                  </a:lnTo>
+                  <a:cubicBezTo>
+                    <a:pt x="134814" y="78957"/>
+                    <a:pt x="139039" y="74731"/>
+                    <a:pt x="139039" y="69520"/>
+                  </a:cubicBezTo>
+                  <a:cubicBezTo>
+                    <a:pt x="139039" y="64308"/>
+                    <a:pt x="134814" y="60082"/>
+                    <a:pt x="129602" y="60082"/>
+                  </a:cubicBezTo>
+                  <a:close/>
+                </a:path>
+              </a:pathLst>
+            </a:custGeom>
+            <a:grpFill/>
+            <a:ln w="603" cap="flat">
+              <a:noFill/>
+              <a:prstDash val="solid"/>
+              <a:miter/>
+            </a:ln>
+          </p:spPr>
+          <p:txBody>
+            <a:bodyPr rtlCol="0" anchor="ctr"/>
+            <a:lstStyle/>
+            <a:p>
+              <a:endParaRPr lang="en-US">
+                <a:solidFill>
+                  <a:srgbClr val="FFFFFF"/>
+                </a:solidFill>
+              </a:endParaRPr>
+            </a:p>
+          </p:txBody>
+        </p:sp>
+        <p:sp>
+          <p:nvSpPr>
+            <p:cNvPr id="18" name="Graphic 15">
+              <a:extLst>
+                <a:ext uri="{FF2B5EF4-FFF2-40B4-BE49-F238E27FC236}">
+                  <a16:creationId xmlns:a16="http://schemas.microsoft.com/office/drawing/2014/main" id="{8550FED7-7C32-42BB-98DB-30272A6331A9}"/>
+                </a:ext>
+                <a:ext uri="{C183D7F6-B498-43B3-948B-1728B52AA6E4}">
+                  <adec:decorative xmlns:adec="http://schemas.microsoft.com/office/drawing/2017/decorative" val="1"/>
+                </a:ext>
+              </a:extLst>
+            </p:cNvPr>
+            <p:cNvSpPr/>
+            <p:nvPr>
+              <p:extLst>
+                <p:ext uri="{386F3935-93C4-4BCD-93E2-E3B085C9AB24}">
+                  <p16:designElem xmlns:p16="http://schemas.microsoft.com/office/powerpoint/2015/main" val="1"/>
+                </p:ext>
+              </p:extLst>
+            </p:nvPr>
+          </p:nvSpPr>
+          <p:spPr>
+            <a:xfrm>
+              <a:off x="11316518" y="1044294"/>
+              <a:ext cx="91138" cy="91138"/>
+            </a:xfrm>
+            <a:custGeom>
+              <a:avLst/>
+              <a:gdLst>
+                <a:gd name="connsiteX0" fmla="*/ 91138 w 91138"/>
+                <a:gd name="connsiteY0" fmla="*/ 45569 h 91138"/>
+                <a:gd name="connsiteX1" fmla="*/ 45569 w 91138"/>
+                <a:gd name="connsiteY1" fmla="*/ 91138 h 91138"/>
+                <a:gd name="connsiteX2" fmla="*/ 0 w 91138"/>
+                <a:gd name="connsiteY2" fmla="*/ 45569 h 91138"/>
+                <a:gd name="connsiteX3" fmla="*/ 45569 w 91138"/>
+                <a:gd name="connsiteY3" fmla="*/ 0 h 91138"/>
+                <a:gd name="connsiteX4" fmla="*/ 91138 w 91138"/>
+                <a:gd name="connsiteY4" fmla="*/ 45569 h 91138"/>
+              </a:gdLst>
+              <a:ahLst/>
+              <a:cxnLst>
+                <a:cxn ang="0">
+                  <a:pos x="connsiteX0" y="connsiteY0"/>
+                </a:cxn>
+                <a:cxn ang="0">
+                  <a:pos x="connsiteX1" y="connsiteY1"/>
+                </a:cxn>
+                <a:cxn ang="0">
+                  <a:pos x="connsiteX2" y="connsiteY2"/>
+                </a:cxn>
+                <a:cxn ang="0">
+                  <a:pos x="connsiteX3" y="connsiteY3"/>
+                </a:cxn>
+                <a:cxn ang="0">
+                  <a:pos x="connsiteX4" y="connsiteY4"/>
+                </a:cxn>
+              </a:cxnLst>
+              <a:rect l="l" t="t" r="r" b="b"/>
+              <a:pathLst>
+                <a:path w="91138" h="91138">
+                  <a:moveTo>
+                    <a:pt x="91138" y="45569"/>
+                  </a:moveTo>
+                  <a:cubicBezTo>
+                    <a:pt x="91138" y="70736"/>
+                    <a:pt x="70736" y="91138"/>
+                    <a:pt x="45569" y="91138"/>
+                  </a:cubicBezTo>
+                  <a:cubicBezTo>
+                    <a:pt x="20402" y="91138"/>
+                    <a:pt x="0" y="70736"/>
+                    <a:pt x="0" y="45569"/>
+                  </a:cubicBezTo>
+                  <a:cubicBezTo>
+                    <a:pt x="0" y="20402"/>
+                    <a:pt x="20402" y="0"/>
+                    <a:pt x="45569" y="0"/>
+                  </a:cubicBezTo>
+                  <a:cubicBezTo>
+                    <a:pt x="70736" y="0"/>
+                    <a:pt x="91138" y="20402"/>
+                    <a:pt x="91138" y="45569"/>
+                  </a:cubicBezTo>
+                  <a:close/>
+                </a:path>
+              </a:pathLst>
+            </a:custGeom>
+            <a:grpFill/>
+            <a:ln w="422" cap="flat">
+              <a:noFill/>
+              <a:prstDash val="solid"/>
+              <a:miter/>
+            </a:ln>
+          </p:spPr>
+          <p:txBody>
+            <a:bodyPr rtlCol="0" anchor="ctr"/>
+            <a:lstStyle/>
+            <a:p>
+              <a:endParaRPr lang="en-US">
+                <a:solidFill>
+                  <a:srgbClr val="FFFFFF"/>
+                </a:solidFill>
+              </a:endParaRPr>
+            </a:p>
+          </p:txBody>
+        </p:sp>
+        <p:sp>
+          <p:nvSpPr>
+            <p:cNvPr id="19" name="Graphic 21">
+              <a:extLst>
+                <a:ext uri="{FF2B5EF4-FFF2-40B4-BE49-F238E27FC236}">
+                  <a16:creationId xmlns:a16="http://schemas.microsoft.com/office/drawing/2014/main" id="{8D61482F-F3C5-4D66-8C5D-C6BBE3E1275C}"/>
+                </a:ext>
+                <a:ext uri="{C183D7F6-B498-43B3-948B-1728B52AA6E4}">
+                  <adec:decorative xmlns:adec="http://schemas.microsoft.com/office/drawing/2017/decorative" val="1"/>
+                </a:ext>
+              </a:extLst>
+            </p:cNvPr>
+            <p:cNvSpPr/>
+            <p:nvPr>
+              <p:extLst>
+                <p:ext uri="{386F3935-93C4-4BCD-93E2-E3B085C9AB24}">
+                  <p16:designElem xmlns:p16="http://schemas.microsoft.com/office/powerpoint/2015/main" val="1"/>
+                </p:ext>
+              </p:extLst>
+            </p:nvPr>
+          </p:nvSpPr>
+          <p:spPr>
+            <a:xfrm>
+              <a:off x="10942198" y="1268720"/>
+              <a:ext cx="127714" cy="127714"/>
+            </a:xfrm>
+            <a:custGeom>
+              <a:avLst/>
+              <a:gdLst>
+                <a:gd name="connsiteX0" fmla="*/ 63857 w 127714"/>
+                <a:gd name="connsiteY0" fmla="*/ 18874 h 127714"/>
+                <a:gd name="connsiteX1" fmla="*/ 108840 w 127714"/>
+                <a:gd name="connsiteY1" fmla="*/ 63857 h 127714"/>
+                <a:gd name="connsiteX2" fmla="*/ 63857 w 127714"/>
+                <a:gd name="connsiteY2" fmla="*/ 108840 h 127714"/>
+                <a:gd name="connsiteX3" fmla="*/ 18874 w 127714"/>
+                <a:gd name="connsiteY3" fmla="*/ 63857 h 127714"/>
+                <a:gd name="connsiteX4" fmla="*/ 63857 w 127714"/>
+                <a:gd name="connsiteY4" fmla="*/ 18874 h 127714"/>
+                <a:gd name="connsiteX5" fmla="*/ 63857 w 127714"/>
+                <a:gd name="connsiteY5" fmla="*/ 0 h 127714"/>
+                <a:gd name="connsiteX6" fmla="*/ 0 w 127714"/>
+                <a:gd name="connsiteY6" fmla="*/ 63857 h 127714"/>
+                <a:gd name="connsiteX7" fmla="*/ 63857 w 127714"/>
+                <a:gd name="connsiteY7" fmla="*/ 127714 h 127714"/>
+                <a:gd name="connsiteX8" fmla="*/ 127714 w 127714"/>
+                <a:gd name="connsiteY8" fmla="*/ 63857 h 127714"/>
+                <a:gd name="connsiteX9" fmla="*/ 63857 w 127714"/>
+                <a:gd name="connsiteY9" fmla="*/ 0 h 127714"/>
+              </a:gdLst>
+              <a:ahLst/>
+              <a:cxnLst>
+                <a:cxn ang="0">
+                  <a:pos x="connsiteX0" y="connsiteY0"/>
+                </a:cxn>
+                <a:cxn ang="0">
+                  <a:pos x="connsiteX1" y="connsiteY1"/>
+                </a:cxn>
+                <a:cxn ang="0">
+                  <a:pos x="connsiteX2" y="connsiteY2"/>
+                </a:cxn>
+                <a:cxn ang="0">
+                  <a:pos x="connsiteX3" y="connsiteY3"/>
+                </a:cxn>
+                <a:cxn ang="0">
+                  <a:pos x="connsiteX4" y="connsiteY4"/>
+                </a:cxn>
+                <a:cxn ang="0">
+                  <a:pos x="connsiteX5" y="connsiteY5"/>
+                </a:cxn>
+                <a:cxn ang="0">
+                  <a:pos x="connsiteX6" y="connsiteY6"/>
+                </a:cxn>
+                <a:cxn ang="0">
+                  <a:pos x="connsiteX7" y="connsiteY7"/>
+                </a:cxn>
+                <a:cxn ang="0">
+                  <a:pos x="connsiteX8" y="connsiteY8"/>
+                </a:cxn>
+                <a:cxn ang="0">
+                  <a:pos x="connsiteX9" y="connsiteY9"/>
+                </a:cxn>
+              </a:cxnLst>
+              <a:rect l="l" t="t" r="r" b="b"/>
+              <a:pathLst>
+                <a:path w="127714" h="127714">
+                  <a:moveTo>
+                    <a:pt x="63857" y="18874"/>
+                  </a:moveTo>
+                  <a:cubicBezTo>
+                    <a:pt x="88700" y="18874"/>
+                    <a:pt x="108840" y="39014"/>
+                    <a:pt x="108840" y="63857"/>
+                  </a:cubicBezTo>
+                  <a:cubicBezTo>
+                    <a:pt x="108840" y="88700"/>
+                    <a:pt x="88700" y="108840"/>
+                    <a:pt x="63857" y="108840"/>
+                  </a:cubicBezTo>
+                  <a:cubicBezTo>
+                    <a:pt x="39014" y="108840"/>
+                    <a:pt x="18874" y="88700"/>
+                    <a:pt x="18874" y="63857"/>
+                  </a:cubicBezTo>
+                  <a:cubicBezTo>
+                    <a:pt x="18898" y="39024"/>
+                    <a:pt x="39024" y="18898"/>
+                    <a:pt x="63857" y="18874"/>
+                  </a:cubicBezTo>
+                  <a:moveTo>
+                    <a:pt x="63857" y="0"/>
+                  </a:moveTo>
+                  <a:cubicBezTo>
+                    <a:pt x="28590" y="0"/>
+                    <a:pt x="0" y="28590"/>
+                    <a:pt x="0" y="63857"/>
+                  </a:cubicBezTo>
+                  <a:cubicBezTo>
+                    <a:pt x="0" y="99124"/>
+                    <a:pt x="28590" y="127714"/>
+                    <a:pt x="63857" y="127714"/>
+                  </a:cubicBezTo>
+                  <a:cubicBezTo>
+                    <a:pt x="99124" y="127714"/>
+                    <a:pt x="127714" y="99124"/>
+                    <a:pt x="127714" y="63857"/>
+                  </a:cubicBezTo>
+                  <a:cubicBezTo>
+                    <a:pt x="127714" y="28590"/>
+                    <a:pt x="99124" y="0"/>
+                    <a:pt x="63857" y="0"/>
+                  </a:cubicBezTo>
+                  <a:close/>
+                </a:path>
+              </a:pathLst>
+            </a:custGeom>
+            <a:grpFill/>
+            <a:ln w="610" cap="flat">
+              <a:noFill/>
+              <a:prstDash val="solid"/>
+              <a:miter/>
+            </a:ln>
+          </p:spPr>
+          <p:txBody>
+            <a:bodyPr rtlCol="0" anchor="ctr"/>
+            <a:lstStyle/>
+            <a:p>
+              <a:endParaRPr lang="en-US">
+                <a:solidFill>
+                  <a:srgbClr val="FFFFFF"/>
+                </a:solidFill>
+              </a:endParaRPr>
+            </a:p>
+          </p:txBody>
+        </p:sp>
+      </p:grpSp>
+      <p:cxnSp>
+        <p:nvCxnSpPr>
+          <p:cNvPr id="21" name="Straight Connector 20">
+            <a:extLst>
+              <a:ext uri="{FF2B5EF4-FFF2-40B4-BE49-F238E27FC236}">
+                <a16:creationId xmlns:a16="http://schemas.microsoft.com/office/drawing/2014/main" id="{56020367-4FD5-4596-8E10-C5F095CD8DBF}"/>
+              </a:ext>
+              <a:ext uri="{C183D7F6-B498-43B3-948B-1728B52AA6E4}">
+                <adec:decorative xmlns:adec="http://schemas.microsoft.com/office/drawing/2017/decorative" val="1"/>
+              </a:ext>
+            </a:extLst>
+          </p:cNvPr>
+          <p:cNvCxnSpPr>
+            <a:cxnSpLocks noGrp="1" noRot="1" noChangeAspect="1" noMove="1" noResize="1" noEditPoints="1" noAdjustHandles="1" noChangeArrowheads="1" noChangeShapeType="1"/>
+          </p:cNvCxnSpPr>
+          <p:nvPr>
+            <p:extLst>
+              <p:ext uri="{386F3935-93C4-4BCD-93E2-E3B085C9AB24}">
+                <p16:designElem xmlns:p16="http://schemas.microsoft.com/office/powerpoint/2015/main" val="1"/>
+              </p:ext>
+            </p:extLst>
+          </p:nvPr>
+        </p:nvCxnSpPr>
+        <p:spPr>
+          <a:xfrm flipH="1">
+            <a:off x="829322" y="6274341"/>
+            <a:ext cx="11353800" cy="0"/>
+          </a:xfrm>
+          <a:prstGeom prst="line">
+            <a:avLst/>
+          </a:prstGeom>
+          <a:ln w="25400" cap="sq">
+            <a:solidFill>
+              <a:srgbClr val="FFFFFF"/>
+            </a:solidFill>
+            <a:bevel/>
+          </a:ln>
+        </p:spPr>
+        <p:style>
+          <a:lnRef idx="1">
+            <a:schemeClr val="accent1"/>
+          </a:lnRef>
+          <a:fillRef idx="0">
+            <a:schemeClr val="accent1"/>
+          </a:fillRef>
+          <a:effectRef idx="0">
+            <a:schemeClr val="accent1"/>
+          </a:effectRef>
+          <a:fontRef idx="minor">
+            <a:schemeClr val="tx1"/>
+          </a:fontRef>
+        </p:style>
+      </p:cxnSp>
       <p:pic>
         <p:nvPicPr>
-          <p:cNvPr id="5" name="Marcador de contenido 4">
-            <a:extLst>
-              <a:ext uri="{FF2B5EF4-FFF2-40B4-BE49-F238E27FC236}">
-                <a16:creationId xmlns:a16="http://schemas.microsoft.com/office/drawing/2014/main" id="{F18F2E2C-12A3-4259-A30C-726504353882}"/>
+          <p:cNvPr id="5" name="Picture 7" descr="Graphical user interface, text, application&#10;&#10;Description automatically generated">
+            <a:extLst>
+              <a:ext uri="{FF2B5EF4-FFF2-40B4-BE49-F238E27FC236}">
+                <a16:creationId xmlns:a16="http://schemas.microsoft.com/office/drawing/2014/main" id="{2B7DE6C0-CB14-4DA7-8285-FD0C074FEAC5}"/>
               </a:ext>
             </a:extLst>
           </p:cNvPr>
@@ -7145,44 +10915,15 @@
         </p:blipFill>
         <p:spPr>
           <a:xfrm>
-            <a:off x="1603619" y="1825625"/>
-            <a:ext cx="8984762" cy="4351338"/>
+            <a:off x="918803" y="2474239"/>
+            <a:ext cx="10354393" cy="3600450"/>
           </a:xfrm>
         </p:spPr>
       </p:pic>
-      <p:sp>
-        <p:nvSpPr>
-          <p:cNvPr id="6" name="Marcador de número de diapositiva 5">
-            <a:extLst>
-              <a:ext uri="{FF2B5EF4-FFF2-40B4-BE49-F238E27FC236}">
-                <a16:creationId xmlns:a16="http://schemas.microsoft.com/office/drawing/2014/main" id="{F5D1643E-181C-40E9-B416-316B9CEB296D}"/>
-              </a:ext>
-            </a:extLst>
-          </p:cNvPr>
-          <p:cNvSpPr>
-            <a:spLocks noGrp="1"/>
-          </p:cNvSpPr>
-          <p:nvPr>
-            <p:ph type="sldNum" sz="quarter" idx="12"/>
-          </p:nvPr>
-        </p:nvSpPr>
-        <p:spPr/>
-        <p:txBody>
-          <a:bodyPr/>
-          <a:lstStyle/>
-          <a:p>
-            <a:fld id="{A59AE7EA-4493-405D-9A66-B6513C9897B9}" type="slidenum">
-              <a:rPr lang="es-CO" smtClean="0"/>
-              <a:t>9</a:t>
-            </a:fld>
-            <a:endParaRPr lang="es-CO"/>
-          </a:p>
-        </p:txBody>
-      </p:sp>
     </p:spTree>
     <p:extLst>
       <p:ext uri="{BB962C8B-B14F-4D97-AF65-F5344CB8AC3E}">
-        <p14:creationId xmlns:p14="http://schemas.microsoft.com/office/powerpoint/2010/main" val="1905561228"/>
+        <p14:creationId xmlns:p14="http://schemas.microsoft.com/office/powerpoint/2010/main" val="1110751060"/>
       </p:ext>
     </p:extLst>
   </p:cSld>
